--- a/论文相关/答辩ppt.pptx
+++ b/论文相关/答辩ppt.pptx
@@ -5,7 +5,7 @@
     <p:sldMasterId id="2147483648" r:id="rId1"/>
   </p:sldMasterIdLst>
   <p:notesMasterIdLst>
-    <p:notesMasterId r:id="rId19"/>
+    <p:notesMasterId r:id="rId21"/>
   </p:notesMasterIdLst>
   <p:sldIdLst>
     <p:sldId id="256" r:id="rId2"/>
@@ -25,6 +25,8 @@
     <p:sldId id="276" r:id="rId16"/>
     <p:sldId id="277" r:id="rId17"/>
     <p:sldId id="278" r:id="rId18"/>
+    <p:sldId id="279" r:id="rId19"/>
+    <p:sldId id="280" r:id="rId20"/>
   </p:sldIdLst>
   <p:sldSz cx="12192000" cy="6858000"/>
   <p:notesSz cx="6858000" cy="9144000"/>
@@ -811,6 +813,208 @@
     <p:extLst>
       <p:ext uri="{BB962C8B-B14F-4D97-AF65-F5344CB8AC3E}">
         <p14:creationId xmlns:p14="http://schemas.microsoft.com/office/powerpoint/2010/main" val="2337278183"/>
+      </p:ext>
+    </p:extLst>
+  </p:cSld>
+  <p:clrMapOvr>
+    <a:masterClrMapping/>
+  </p:clrMapOvr>
+</p:notes>
+</file>
+
+<file path=ppt/notesSlides/notesSlide5.xml><?xml version="1.0" encoding="utf-8"?>
+<p:notes xmlns:a="http://schemas.openxmlformats.org/drawingml/2006/main" xmlns:r="http://schemas.openxmlformats.org/officeDocument/2006/relationships" xmlns:p="http://schemas.openxmlformats.org/presentationml/2006/main">
+  <p:cSld>
+    <p:spTree>
+      <p:nvGrpSpPr>
+        <p:cNvPr id="1" name=""/>
+        <p:cNvGrpSpPr/>
+        <p:nvPr/>
+      </p:nvGrpSpPr>
+      <p:grpSpPr>
+        <a:xfrm>
+          <a:off x="0" y="0"/>
+          <a:ext cx="0" cy="0"/>
+          <a:chOff x="0" y="0"/>
+          <a:chExt cx="0" cy="0"/>
+        </a:xfrm>
+      </p:grpSpPr>
+      <p:sp>
+        <p:nvSpPr>
+          <p:cNvPr id="2" name="幻灯片图像占位符 1"/>
+          <p:cNvSpPr>
+            <a:spLocks noGrp="1" noRot="1" noChangeAspect="1"/>
+          </p:cNvSpPr>
+          <p:nvPr>
+            <p:ph type="sldImg"/>
+          </p:nvPr>
+        </p:nvSpPr>
+        <p:spPr/>
+      </p:sp>
+      <p:sp>
+        <p:nvSpPr>
+          <p:cNvPr id="3" name="备注占位符 2"/>
+          <p:cNvSpPr>
+            <a:spLocks noGrp="1"/>
+          </p:cNvSpPr>
+          <p:nvPr>
+            <p:ph type="body" idx="1"/>
+          </p:nvPr>
+        </p:nvSpPr>
+        <p:spPr/>
+        <p:txBody>
+          <a:bodyPr/>
+          <a:lstStyle/>
+          <a:p>
+            <a:r>
+              <a:rPr lang="en-US" altLang="zh-CN" dirty="0"/>
+              <a:t>int a, b; </a:t>
+            </a:r>
+            <a:r>
+              <a:rPr lang="zh-CN" altLang="en-US" dirty="0"/>
+              <a:t>定义中，解析完</a:t>
+            </a:r>
+            <a:r>
+              <a:rPr lang="en-US" altLang="zh-CN" dirty="0"/>
+              <a:t>a</a:t>
+            </a:r>
+            <a:r>
+              <a:rPr lang="zh-CN" altLang="en-US" dirty="0"/>
+              <a:t>后，</a:t>
+            </a:r>
+            <a:r>
+              <a:rPr lang="en-US" altLang="zh-CN" dirty="0"/>
+              <a:t>b</a:t>
+            </a:r>
+            <a:r>
+              <a:rPr lang="zh-CN" altLang="en-US" dirty="0"/>
+              <a:t>也需要知道类型，因此用</a:t>
+            </a:r>
+            <a:r>
+              <a:rPr lang="en-US" altLang="zh-CN" dirty="0"/>
+              <a:t>baseType</a:t>
+            </a:r>
+            <a:r>
+              <a:rPr lang="zh-CN" altLang="en-US" dirty="0"/>
+              <a:t>来记录定义表达式定义语句的基础类型</a:t>
+            </a:r>
+          </a:p>
+        </p:txBody>
+      </p:sp>
+      <p:sp>
+        <p:nvSpPr>
+          <p:cNvPr id="4" name="灯片编号占位符 3"/>
+          <p:cNvSpPr>
+            <a:spLocks noGrp="1"/>
+          </p:cNvSpPr>
+          <p:nvPr>
+            <p:ph type="sldNum" sz="quarter" idx="10"/>
+          </p:nvPr>
+        </p:nvSpPr>
+        <p:spPr/>
+        <p:txBody>
+          <a:bodyPr/>
+          <a:lstStyle/>
+          <a:p>
+            <a:fld id="{3ABA94C9-7537-42BE-891E-274805ED764D}" type="slidenum">
+              <a:rPr lang="zh-CN" altLang="en-US" smtClean="0"/>
+              <a:t>15</a:t>
+            </a:fld>
+            <a:endParaRPr lang="zh-CN" altLang="en-US"/>
+          </a:p>
+        </p:txBody>
+      </p:sp>
+    </p:spTree>
+    <p:extLst>
+      <p:ext uri="{BB962C8B-B14F-4D97-AF65-F5344CB8AC3E}">
+        <p14:creationId xmlns:p14="http://schemas.microsoft.com/office/powerpoint/2010/main" val="3969681576"/>
+      </p:ext>
+    </p:extLst>
+  </p:cSld>
+  <p:clrMapOvr>
+    <a:masterClrMapping/>
+  </p:clrMapOvr>
+</p:notes>
+</file>
+
+<file path=ppt/notesSlides/notesSlide6.xml><?xml version="1.0" encoding="utf-8"?>
+<p:notes xmlns:a="http://schemas.openxmlformats.org/drawingml/2006/main" xmlns:r="http://schemas.openxmlformats.org/officeDocument/2006/relationships" xmlns:p="http://schemas.openxmlformats.org/presentationml/2006/main">
+  <p:cSld>
+    <p:spTree>
+      <p:nvGrpSpPr>
+        <p:cNvPr id="1" name=""/>
+        <p:cNvGrpSpPr/>
+        <p:nvPr/>
+      </p:nvGrpSpPr>
+      <p:grpSpPr>
+        <a:xfrm>
+          <a:off x="0" y="0"/>
+          <a:ext cx="0" cy="0"/>
+          <a:chOff x="0" y="0"/>
+          <a:chExt cx="0" cy="0"/>
+        </a:xfrm>
+      </p:grpSpPr>
+      <p:sp>
+        <p:nvSpPr>
+          <p:cNvPr id="2" name="幻灯片图像占位符 1"/>
+          <p:cNvSpPr>
+            <a:spLocks noGrp="1" noRot="1" noChangeAspect="1"/>
+          </p:cNvSpPr>
+          <p:nvPr>
+            <p:ph type="sldImg"/>
+          </p:nvPr>
+        </p:nvSpPr>
+        <p:spPr/>
+      </p:sp>
+      <p:sp>
+        <p:nvSpPr>
+          <p:cNvPr id="3" name="备注占位符 2"/>
+          <p:cNvSpPr>
+            <a:spLocks noGrp="1"/>
+          </p:cNvSpPr>
+          <p:nvPr>
+            <p:ph type="body" idx="1"/>
+          </p:nvPr>
+        </p:nvSpPr>
+        <p:spPr/>
+        <p:txBody>
+          <a:bodyPr/>
+          <a:lstStyle/>
+          <a:p>
+            <a:r>
+              <a:rPr lang="zh-CN" altLang="en-US" dirty="0"/>
+              <a:t>目标代码只有函数会生成，因此需要先设计函数调用栈帧</a:t>
+            </a:r>
+          </a:p>
+        </p:txBody>
+      </p:sp>
+      <p:sp>
+        <p:nvSpPr>
+          <p:cNvPr id="4" name="灯片编号占位符 3"/>
+          <p:cNvSpPr>
+            <a:spLocks noGrp="1"/>
+          </p:cNvSpPr>
+          <p:nvPr>
+            <p:ph type="sldNum" sz="quarter" idx="10"/>
+          </p:nvPr>
+        </p:nvSpPr>
+        <p:spPr/>
+        <p:txBody>
+          <a:bodyPr/>
+          <a:lstStyle/>
+          <a:p>
+            <a:fld id="{3ABA94C9-7537-42BE-891E-274805ED764D}" type="slidenum">
+              <a:rPr lang="zh-CN" altLang="en-US" smtClean="0"/>
+              <a:t>18</a:t>
+            </a:fld>
+            <a:endParaRPr lang="zh-CN" altLang="en-US"/>
+          </a:p>
+        </p:txBody>
+      </p:sp>
+    </p:spTree>
+    <p:extLst>
+      <p:ext uri="{BB962C8B-B14F-4D97-AF65-F5344CB8AC3E}">
+        <p14:creationId xmlns:p14="http://schemas.microsoft.com/office/powerpoint/2010/main" val="2642900814"/>
       </p:ext>
     </p:extLst>
   </p:cSld>
@@ -17020,6 +17224,1496 @@
     <p:extLst>
       <p:ext uri="{BB962C8B-B14F-4D97-AF65-F5344CB8AC3E}">
         <p14:creationId xmlns:p14="http://schemas.microsoft.com/office/powerpoint/2010/main" val="284468912"/>
+      </p:ext>
+    </p:extLst>
+  </p:cSld>
+  <p:clrMapOvr>
+    <a:masterClrMapping/>
+  </p:clrMapOvr>
+</p:sld>
+</file>
+
+<file path=ppt/slides/slide18.xml><?xml version="1.0" encoding="utf-8"?>
+<p:sld xmlns:a="http://schemas.openxmlformats.org/drawingml/2006/main" xmlns:r="http://schemas.openxmlformats.org/officeDocument/2006/relationships" xmlns:p="http://schemas.openxmlformats.org/presentationml/2006/main">
+  <p:cSld>
+    <p:spTree>
+      <p:nvGrpSpPr>
+        <p:cNvPr id="1" name=""/>
+        <p:cNvGrpSpPr/>
+        <p:nvPr/>
+      </p:nvGrpSpPr>
+      <p:grpSpPr>
+        <a:xfrm>
+          <a:off x="0" y="0"/>
+          <a:ext cx="0" cy="0"/>
+          <a:chOff x="0" y="0"/>
+          <a:chExt cx="0" cy="0"/>
+        </a:xfrm>
+      </p:grpSpPr>
+      <p:sp>
+        <p:nvSpPr>
+          <p:cNvPr id="42" name="矩形 41">
+            <a:extLst>
+              <a:ext uri="{FF2B5EF4-FFF2-40B4-BE49-F238E27FC236}">
+                <a16:creationId xmlns:a16="http://schemas.microsoft.com/office/drawing/2014/main" id="{8FD4CE15-1972-4622-9860-5CF34B2158F2}"/>
+              </a:ext>
+            </a:extLst>
+          </p:cNvPr>
+          <p:cNvSpPr/>
+          <p:nvPr/>
+        </p:nvSpPr>
+        <p:spPr>
+          <a:xfrm>
+            <a:off x="814675" y="434998"/>
+            <a:ext cx="10382059" cy="1107996"/>
+          </a:xfrm>
+          <a:prstGeom prst="rect">
+            <a:avLst/>
+          </a:prstGeom>
+        </p:spPr>
+        <p:txBody>
+          <a:bodyPr wrap="square">
+            <a:spAutoFit/>
+          </a:bodyPr>
+          <a:lstStyle/>
+          <a:p>
+            <a:pPr>
+              <a:lnSpc>
+                <a:spcPct val="150000"/>
+              </a:lnSpc>
+            </a:pPr>
+            <a:r>
+              <a:rPr lang="zh-CN" altLang="en-US" sz="2400" b="1" dirty="0">
+                <a:solidFill>
+                  <a:schemeClr val="tx1">
+                    <a:lumMod val="65000"/>
+                    <a:lumOff val="35000"/>
+                  </a:schemeClr>
+                </a:solidFill>
+                <a:latin typeface="+mj-lt"/>
+              </a:rPr>
+              <a:t>目标代码生成 </a:t>
+            </a:r>
+            <a:r>
+              <a:rPr lang="zh-CN" altLang="en-US" sz="2000" dirty="0">
+                <a:solidFill>
+                  <a:schemeClr val="tx1">
+                    <a:lumMod val="65000"/>
+                    <a:lumOff val="35000"/>
+                  </a:schemeClr>
+                </a:solidFill>
+                <a:latin typeface="+mj-lt"/>
+              </a:rPr>
+              <a:t>完成虚拟机代码的生成。通过在语法分析中插入代码生成语句来完成代码生成。只有函数会生成目标代码。</a:t>
+            </a:r>
+            <a:endParaRPr lang="en-US" altLang="zh-CN" sz="2000" dirty="0">
+              <a:solidFill>
+                <a:schemeClr val="tx1">
+                  <a:lumMod val="65000"/>
+                  <a:lumOff val="35000"/>
+                </a:schemeClr>
+              </a:solidFill>
+              <a:latin typeface="+mj-lt"/>
+            </a:endParaRPr>
+          </a:p>
+        </p:txBody>
+      </p:sp>
+      <p:sp>
+        <p:nvSpPr>
+          <p:cNvPr id="11" name="矩形 10">
+            <a:extLst>
+              <a:ext uri="{FF2B5EF4-FFF2-40B4-BE49-F238E27FC236}">
+                <a16:creationId xmlns:a16="http://schemas.microsoft.com/office/drawing/2014/main" id="{881CA70C-B25F-492C-8934-95667E8FA262}"/>
+              </a:ext>
+            </a:extLst>
+          </p:cNvPr>
+          <p:cNvSpPr/>
+          <p:nvPr/>
+        </p:nvSpPr>
+        <p:spPr>
+          <a:xfrm>
+            <a:off x="814674" y="1658387"/>
+            <a:ext cx="8227726" cy="553998"/>
+          </a:xfrm>
+          <a:prstGeom prst="rect">
+            <a:avLst/>
+          </a:prstGeom>
+        </p:spPr>
+        <p:txBody>
+          <a:bodyPr wrap="square">
+            <a:spAutoFit/>
+          </a:bodyPr>
+          <a:lstStyle/>
+          <a:p>
+            <a:pPr>
+              <a:lnSpc>
+                <a:spcPct val="150000"/>
+              </a:lnSpc>
+            </a:pPr>
+            <a:r>
+              <a:rPr lang="zh-CN" altLang="en-US" sz="2000" dirty="0">
+                <a:solidFill>
+                  <a:schemeClr val="tx1">
+                    <a:lumMod val="65000"/>
+                    <a:lumOff val="35000"/>
+                  </a:schemeClr>
+                </a:solidFill>
+                <a:latin typeface="+mj-lt"/>
+              </a:rPr>
+              <a:t>对于左图的函数定义，函数调用 </a:t>
+            </a:r>
+            <a:r>
+              <a:rPr lang="en-US" altLang="zh-CN" sz="2000" dirty="0">
+                <a:solidFill>
+                  <a:schemeClr val="tx1">
+                    <a:lumMod val="65000"/>
+                    <a:lumOff val="35000"/>
+                  </a:schemeClr>
+                </a:solidFill>
+                <a:latin typeface="+mj-lt"/>
+              </a:rPr>
+              <a:t>func(1, 2) </a:t>
+            </a:r>
+            <a:r>
+              <a:rPr lang="zh-CN" altLang="en-US" sz="2000" dirty="0">
+                <a:solidFill>
+                  <a:schemeClr val="tx1">
+                    <a:lumMod val="65000"/>
+                    <a:lumOff val="35000"/>
+                  </a:schemeClr>
+                </a:solidFill>
+                <a:latin typeface="+mj-lt"/>
+              </a:rPr>
+              <a:t>创建的栈帧结构如右图所示：</a:t>
+            </a:r>
+            <a:endParaRPr lang="en-US" altLang="zh-CN" sz="2000" dirty="0">
+              <a:solidFill>
+                <a:schemeClr val="tx1">
+                  <a:lumMod val="65000"/>
+                  <a:lumOff val="35000"/>
+                </a:schemeClr>
+              </a:solidFill>
+              <a:latin typeface="+mj-lt"/>
+            </a:endParaRPr>
+          </a:p>
+        </p:txBody>
+      </p:sp>
+      <p:pic>
+        <p:nvPicPr>
+          <p:cNvPr id="8" name="图片 7">
+            <a:extLst>
+              <a:ext uri="{FF2B5EF4-FFF2-40B4-BE49-F238E27FC236}">
+                <a16:creationId xmlns:a16="http://schemas.microsoft.com/office/drawing/2014/main" id="{551FD2DD-00A4-45E2-A074-803A31A6EA88}"/>
+              </a:ext>
+            </a:extLst>
+          </p:cNvPr>
+          <p:cNvPicPr>
+            <a:picLocks noChangeAspect="1"/>
+          </p:cNvPicPr>
+          <p:nvPr/>
+        </p:nvPicPr>
+        <p:blipFill>
+          <a:blip r:embed="rId3"/>
+          <a:stretch>
+            <a:fillRect/>
+          </a:stretch>
+        </p:blipFill>
+        <p:spPr>
+          <a:xfrm>
+            <a:off x="955673" y="2679959"/>
+            <a:ext cx="5455288" cy="1698533"/>
+          </a:xfrm>
+          <a:prstGeom prst="rect">
+            <a:avLst/>
+          </a:prstGeom>
+          <a:ln w="6350">
+            <a:solidFill>
+              <a:schemeClr val="tx1">
+                <a:lumMod val="65000"/>
+                <a:lumOff val="35000"/>
+              </a:schemeClr>
+            </a:solidFill>
+          </a:ln>
+        </p:spPr>
+      </p:pic>
+      <p:sp>
+        <p:nvSpPr>
+          <p:cNvPr id="26" name="矩形 25">
+            <a:extLst>
+              <a:ext uri="{FF2B5EF4-FFF2-40B4-BE49-F238E27FC236}">
+                <a16:creationId xmlns:a16="http://schemas.microsoft.com/office/drawing/2014/main" id="{19D6ED55-F1B8-43F2-9538-66760F82785C}"/>
+              </a:ext>
+            </a:extLst>
+          </p:cNvPr>
+          <p:cNvSpPr/>
+          <p:nvPr/>
+        </p:nvSpPr>
+        <p:spPr>
+          <a:xfrm>
+            <a:off x="2989549" y="4493313"/>
+            <a:ext cx="1387536" cy="461665"/>
+          </a:xfrm>
+          <a:prstGeom prst="rect">
+            <a:avLst/>
+          </a:prstGeom>
+        </p:spPr>
+        <p:txBody>
+          <a:bodyPr wrap="square">
+            <a:spAutoFit/>
+          </a:bodyPr>
+          <a:lstStyle/>
+          <a:p>
+            <a:pPr algn="ctr">
+              <a:lnSpc>
+                <a:spcPct val="150000"/>
+              </a:lnSpc>
+            </a:pPr>
+            <a:r>
+              <a:rPr lang="zh-CN" altLang="en-US" sz="1600" dirty="0">
+                <a:solidFill>
+                  <a:schemeClr val="tx1">
+                    <a:lumMod val="65000"/>
+                    <a:lumOff val="35000"/>
+                  </a:schemeClr>
+                </a:solidFill>
+                <a:latin typeface="+mj-ea"/>
+              </a:rPr>
+              <a:t>函数定义</a:t>
+            </a:r>
+          </a:p>
+        </p:txBody>
+      </p:sp>
+      <p:sp>
+        <p:nvSpPr>
+          <p:cNvPr id="27" name="矩形 26">
+            <a:extLst>
+              <a:ext uri="{FF2B5EF4-FFF2-40B4-BE49-F238E27FC236}">
+                <a16:creationId xmlns:a16="http://schemas.microsoft.com/office/drawing/2014/main" id="{B17692E5-9C8D-48DD-9B43-78153C891AFC}"/>
+              </a:ext>
+            </a:extLst>
+          </p:cNvPr>
+          <p:cNvSpPr/>
+          <p:nvPr/>
+        </p:nvSpPr>
+        <p:spPr>
+          <a:xfrm>
+            <a:off x="7989238" y="2679959"/>
+            <a:ext cx="1064224" cy="400110"/>
+          </a:xfrm>
+          <a:prstGeom prst="rect">
+            <a:avLst/>
+          </a:prstGeom>
+          <a:ln w="25400">
+            <a:solidFill>
+              <a:schemeClr val="tx1">
+                <a:lumMod val="65000"/>
+                <a:lumOff val="35000"/>
+              </a:schemeClr>
+            </a:solidFill>
+          </a:ln>
+        </p:spPr>
+        <p:txBody>
+          <a:bodyPr wrap="square">
+            <a:spAutoFit/>
+          </a:bodyPr>
+          <a:lstStyle/>
+          <a:p>
+            <a:pPr algn="ctr"/>
+            <a:r>
+              <a:rPr lang="en-US" altLang="zh-CN" sz="2000" dirty="0">
+                <a:solidFill>
+                  <a:schemeClr val="tx1">
+                    <a:lumMod val="65000"/>
+                    <a:lumOff val="35000"/>
+                  </a:schemeClr>
+                </a:solidFill>
+              </a:rPr>
+              <a:t>…</a:t>
+            </a:r>
+            <a:endParaRPr lang="zh-CN" altLang="en-US" sz="2000" dirty="0">
+              <a:solidFill>
+                <a:schemeClr val="tx1">
+                  <a:lumMod val="65000"/>
+                  <a:lumOff val="35000"/>
+                </a:schemeClr>
+              </a:solidFill>
+            </a:endParaRPr>
+          </a:p>
+        </p:txBody>
+      </p:sp>
+      <p:sp>
+        <p:nvSpPr>
+          <p:cNvPr id="28" name="矩形 27">
+            <a:extLst>
+              <a:ext uri="{FF2B5EF4-FFF2-40B4-BE49-F238E27FC236}">
+                <a16:creationId xmlns:a16="http://schemas.microsoft.com/office/drawing/2014/main" id="{449B30E8-FC32-4F8A-842F-45FD0FCC26D9}"/>
+              </a:ext>
+            </a:extLst>
+          </p:cNvPr>
+          <p:cNvSpPr/>
+          <p:nvPr/>
+        </p:nvSpPr>
+        <p:spPr>
+          <a:xfrm>
+            <a:off x="7989238" y="3080069"/>
+            <a:ext cx="1064224" cy="400110"/>
+          </a:xfrm>
+          <a:prstGeom prst="rect">
+            <a:avLst/>
+          </a:prstGeom>
+          <a:ln w="25400">
+            <a:solidFill>
+              <a:schemeClr val="tx1">
+                <a:lumMod val="65000"/>
+                <a:lumOff val="35000"/>
+              </a:schemeClr>
+            </a:solidFill>
+          </a:ln>
+        </p:spPr>
+        <p:txBody>
+          <a:bodyPr wrap="square">
+            <a:spAutoFit/>
+          </a:bodyPr>
+          <a:lstStyle/>
+          <a:p>
+            <a:pPr algn="ctr"/>
+            <a:r>
+              <a:rPr lang="en-US" altLang="zh-CN" sz="2000" dirty="0">
+                <a:solidFill>
+                  <a:schemeClr val="tx1">
+                    <a:lumMod val="65000"/>
+                    <a:lumOff val="35000"/>
+                  </a:schemeClr>
+                </a:solidFill>
+              </a:rPr>
+              <a:t>1</a:t>
+            </a:r>
+            <a:endParaRPr lang="zh-CN" altLang="en-US" sz="2000" dirty="0">
+              <a:solidFill>
+                <a:schemeClr val="tx1">
+                  <a:lumMod val="65000"/>
+                  <a:lumOff val="35000"/>
+                </a:schemeClr>
+              </a:solidFill>
+            </a:endParaRPr>
+          </a:p>
+        </p:txBody>
+      </p:sp>
+      <p:sp>
+        <p:nvSpPr>
+          <p:cNvPr id="29" name="矩形 28">
+            <a:extLst>
+              <a:ext uri="{FF2B5EF4-FFF2-40B4-BE49-F238E27FC236}">
+                <a16:creationId xmlns:a16="http://schemas.microsoft.com/office/drawing/2014/main" id="{81622F51-FD0F-48E7-9E23-6B9E1CC1DB22}"/>
+              </a:ext>
+            </a:extLst>
+          </p:cNvPr>
+          <p:cNvSpPr/>
+          <p:nvPr/>
+        </p:nvSpPr>
+        <p:spPr>
+          <a:xfrm>
+            <a:off x="7989238" y="3480179"/>
+            <a:ext cx="1064224" cy="400110"/>
+          </a:xfrm>
+          <a:prstGeom prst="rect">
+            <a:avLst/>
+          </a:prstGeom>
+          <a:ln w="25400">
+            <a:solidFill>
+              <a:schemeClr val="tx1">
+                <a:lumMod val="65000"/>
+                <a:lumOff val="35000"/>
+              </a:schemeClr>
+            </a:solidFill>
+          </a:ln>
+        </p:spPr>
+        <p:txBody>
+          <a:bodyPr wrap="square">
+            <a:spAutoFit/>
+          </a:bodyPr>
+          <a:lstStyle/>
+          <a:p>
+            <a:pPr algn="ctr"/>
+            <a:r>
+              <a:rPr lang="en-US" altLang="zh-CN" sz="2000" dirty="0">
+                <a:solidFill>
+                  <a:schemeClr val="tx1">
+                    <a:lumMod val="65000"/>
+                    <a:lumOff val="35000"/>
+                  </a:schemeClr>
+                </a:solidFill>
+              </a:rPr>
+              <a:t>2</a:t>
+            </a:r>
+            <a:endParaRPr lang="zh-CN" altLang="en-US" sz="2000" dirty="0">
+              <a:solidFill>
+                <a:schemeClr val="tx1">
+                  <a:lumMod val="65000"/>
+                  <a:lumOff val="35000"/>
+                </a:schemeClr>
+              </a:solidFill>
+            </a:endParaRPr>
+          </a:p>
+        </p:txBody>
+      </p:sp>
+      <p:sp>
+        <p:nvSpPr>
+          <p:cNvPr id="30" name="矩形 29">
+            <a:extLst>
+              <a:ext uri="{FF2B5EF4-FFF2-40B4-BE49-F238E27FC236}">
+                <a16:creationId xmlns:a16="http://schemas.microsoft.com/office/drawing/2014/main" id="{B30F0218-D889-4E4B-AA70-EF25B0AC74C7}"/>
+              </a:ext>
+            </a:extLst>
+          </p:cNvPr>
+          <p:cNvSpPr/>
+          <p:nvPr/>
+        </p:nvSpPr>
+        <p:spPr>
+          <a:xfrm>
+            <a:off x="7989238" y="3880289"/>
+            <a:ext cx="1064224" cy="400110"/>
+          </a:xfrm>
+          <a:prstGeom prst="rect">
+            <a:avLst/>
+          </a:prstGeom>
+          <a:ln w="25400">
+            <a:solidFill>
+              <a:schemeClr val="tx1">
+                <a:lumMod val="65000"/>
+                <a:lumOff val="35000"/>
+              </a:schemeClr>
+            </a:solidFill>
+          </a:ln>
+        </p:spPr>
+        <p:txBody>
+          <a:bodyPr wrap="square">
+            <a:spAutoFit/>
+          </a:bodyPr>
+          <a:lstStyle/>
+          <a:p>
+            <a:pPr algn="ctr"/>
+            <a:r>
+              <a:rPr lang="en-US" altLang="zh-CN" sz="2000" dirty="0">
+                <a:solidFill>
+                  <a:schemeClr val="tx1">
+                    <a:lumMod val="65000"/>
+                    <a:lumOff val="35000"/>
+                  </a:schemeClr>
+                </a:solidFill>
+              </a:rPr>
+              <a:t>pc+1</a:t>
+            </a:r>
+            <a:endParaRPr lang="zh-CN" altLang="en-US" sz="2000" dirty="0">
+              <a:solidFill>
+                <a:schemeClr val="tx1">
+                  <a:lumMod val="65000"/>
+                  <a:lumOff val="35000"/>
+                </a:schemeClr>
+              </a:solidFill>
+            </a:endParaRPr>
+          </a:p>
+        </p:txBody>
+      </p:sp>
+      <p:sp>
+        <p:nvSpPr>
+          <p:cNvPr id="31" name="矩形 30">
+            <a:extLst>
+              <a:ext uri="{FF2B5EF4-FFF2-40B4-BE49-F238E27FC236}">
+                <a16:creationId xmlns:a16="http://schemas.microsoft.com/office/drawing/2014/main" id="{2F9FEFFA-DF85-45E0-86C2-64CD2263A89D}"/>
+              </a:ext>
+            </a:extLst>
+          </p:cNvPr>
+          <p:cNvSpPr/>
+          <p:nvPr/>
+        </p:nvSpPr>
+        <p:spPr>
+          <a:xfrm>
+            <a:off x="7989238" y="4280399"/>
+            <a:ext cx="1064224" cy="400110"/>
+          </a:xfrm>
+          <a:prstGeom prst="rect">
+            <a:avLst/>
+          </a:prstGeom>
+          <a:ln w="25400">
+            <a:solidFill>
+              <a:schemeClr val="tx1">
+                <a:lumMod val="65000"/>
+                <a:lumOff val="35000"/>
+              </a:schemeClr>
+            </a:solidFill>
+          </a:ln>
+        </p:spPr>
+        <p:txBody>
+          <a:bodyPr wrap="square">
+            <a:spAutoFit/>
+          </a:bodyPr>
+          <a:lstStyle/>
+          <a:p>
+            <a:pPr algn="ctr"/>
+            <a:r>
+              <a:rPr lang="en-US" altLang="zh-CN" sz="2000" dirty="0">
+                <a:solidFill>
+                  <a:schemeClr val="tx1">
+                    <a:lumMod val="65000"/>
+                    <a:lumOff val="35000"/>
+                  </a:schemeClr>
+                </a:solidFill>
+              </a:rPr>
+              <a:t>bp</a:t>
+            </a:r>
+            <a:endParaRPr lang="zh-CN" altLang="en-US" sz="2000" dirty="0">
+              <a:solidFill>
+                <a:schemeClr val="tx1">
+                  <a:lumMod val="65000"/>
+                  <a:lumOff val="35000"/>
+                </a:schemeClr>
+              </a:solidFill>
+            </a:endParaRPr>
+          </a:p>
+        </p:txBody>
+      </p:sp>
+      <p:sp>
+        <p:nvSpPr>
+          <p:cNvPr id="32" name="矩形 31">
+            <a:extLst>
+              <a:ext uri="{FF2B5EF4-FFF2-40B4-BE49-F238E27FC236}">
+                <a16:creationId xmlns:a16="http://schemas.microsoft.com/office/drawing/2014/main" id="{58CD9D56-094B-497F-AF90-E7A8DDA45E38}"/>
+              </a:ext>
+            </a:extLst>
+          </p:cNvPr>
+          <p:cNvSpPr/>
+          <p:nvPr/>
+        </p:nvSpPr>
+        <p:spPr>
+          <a:xfrm>
+            <a:off x="7989238" y="4680509"/>
+            <a:ext cx="1064224" cy="400110"/>
+          </a:xfrm>
+          <a:prstGeom prst="rect">
+            <a:avLst/>
+          </a:prstGeom>
+          <a:ln w="25400">
+            <a:solidFill>
+              <a:schemeClr val="tx1">
+                <a:lumMod val="65000"/>
+                <a:lumOff val="35000"/>
+              </a:schemeClr>
+            </a:solidFill>
+          </a:ln>
+        </p:spPr>
+        <p:txBody>
+          <a:bodyPr wrap="square">
+            <a:spAutoFit/>
+          </a:bodyPr>
+          <a:lstStyle/>
+          <a:p>
+            <a:pPr algn="ctr"/>
+            <a:r>
+              <a:rPr lang="en-US" altLang="zh-CN" sz="2000" dirty="0">
+                <a:solidFill>
+                  <a:schemeClr val="tx1">
+                    <a:lumMod val="65000"/>
+                    <a:lumOff val="35000"/>
+                  </a:schemeClr>
+                </a:solidFill>
+              </a:rPr>
+              <a:t>0</a:t>
+            </a:r>
+            <a:endParaRPr lang="zh-CN" altLang="en-US" sz="2000" dirty="0">
+              <a:solidFill>
+                <a:schemeClr val="tx1">
+                  <a:lumMod val="65000"/>
+                  <a:lumOff val="35000"/>
+                </a:schemeClr>
+              </a:solidFill>
+            </a:endParaRPr>
+          </a:p>
+        </p:txBody>
+      </p:sp>
+      <p:sp>
+        <p:nvSpPr>
+          <p:cNvPr id="33" name="矩形 32">
+            <a:extLst>
+              <a:ext uri="{FF2B5EF4-FFF2-40B4-BE49-F238E27FC236}">
+                <a16:creationId xmlns:a16="http://schemas.microsoft.com/office/drawing/2014/main" id="{9564E33F-1053-40A0-A082-4376C31762E0}"/>
+              </a:ext>
+            </a:extLst>
+          </p:cNvPr>
+          <p:cNvSpPr/>
+          <p:nvPr/>
+        </p:nvSpPr>
+        <p:spPr>
+          <a:xfrm>
+            <a:off x="7989238" y="5080619"/>
+            <a:ext cx="1064224" cy="400110"/>
+          </a:xfrm>
+          <a:prstGeom prst="rect">
+            <a:avLst/>
+          </a:prstGeom>
+          <a:ln w="25400">
+            <a:solidFill>
+              <a:schemeClr val="tx1">
+                <a:lumMod val="65000"/>
+                <a:lumOff val="35000"/>
+              </a:schemeClr>
+            </a:solidFill>
+          </a:ln>
+        </p:spPr>
+        <p:txBody>
+          <a:bodyPr wrap="square">
+            <a:spAutoFit/>
+          </a:bodyPr>
+          <a:lstStyle/>
+          <a:p>
+            <a:pPr algn="ctr"/>
+            <a:r>
+              <a:rPr lang="en-US" altLang="zh-CN" sz="2000" dirty="0">
+                <a:solidFill>
+                  <a:schemeClr val="tx1">
+                    <a:lumMod val="65000"/>
+                    <a:lumOff val="35000"/>
+                  </a:schemeClr>
+                </a:solidFill>
+              </a:rPr>
+              <a:t>1</a:t>
+            </a:r>
+            <a:endParaRPr lang="zh-CN" altLang="en-US" sz="2000" dirty="0">
+              <a:solidFill>
+                <a:schemeClr val="tx1">
+                  <a:lumMod val="65000"/>
+                  <a:lumOff val="35000"/>
+                </a:schemeClr>
+              </a:solidFill>
+            </a:endParaRPr>
+          </a:p>
+        </p:txBody>
+      </p:sp>
+      <p:sp>
+        <p:nvSpPr>
+          <p:cNvPr id="34" name="矩形 33">
+            <a:extLst>
+              <a:ext uri="{FF2B5EF4-FFF2-40B4-BE49-F238E27FC236}">
+                <a16:creationId xmlns:a16="http://schemas.microsoft.com/office/drawing/2014/main" id="{0F66F897-251F-46AB-A5FC-A719FC037B0D}"/>
+              </a:ext>
+            </a:extLst>
+          </p:cNvPr>
+          <p:cNvSpPr/>
+          <p:nvPr/>
+        </p:nvSpPr>
+        <p:spPr>
+          <a:xfrm>
+            <a:off x="9137104" y="3018514"/>
+            <a:ext cx="2059630" cy="424155"/>
+          </a:xfrm>
+          <a:prstGeom prst="rect">
+            <a:avLst/>
+          </a:prstGeom>
+        </p:spPr>
+        <p:txBody>
+          <a:bodyPr wrap="square">
+            <a:spAutoFit/>
+          </a:bodyPr>
+          <a:lstStyle/>
+          <a:p>
+            <a:pPr>
+              <a:lnSpc>
+                <a:spcPct val="150000"/>
+              </a:lnSpc>
+            </a:pPr>
+            <a:r>
+              <a:rPr lang="en-US" altLang="zh-CN" sz="1600" dirty="0">
+                <a:solidFill>
+                  <a:schemeClr val="tx1">
+                    <a:lumMod val="65000"/>
+                    <a:lumOff val="35000"/>
+                  </a:schemeClr>
+                </a:solidFill>
+                <a:latin typeface="+mj-ea"/>
+              </a:rPr>
+              <a:t>---- </a:t>
+            </a:r>
+            <a:r>
+              <a:rPr lang="zh-CN" altLang="en-US" sz="1600" dirty="0">
+                <a:solidFill>
+                  <a:schemeClr val="tx1">
+                    <a:lumMod val="65000"/>
+                    <a:lumOff val="35000"/>
+                  </a:schemeClr>
+                </a:solidFill>
+                <a:latin typeface="+mj-ea"/>
+              </a:rPr>
+              <a:t>参数 </a:t>
+            </a:r>
+            <a:r>
+              <a:rPr lang="en-US" altLang="zh-CN" sz="1600" dirty="0">
+                <a:solidFill>
+                  <a:schemeClr val="tx1">
+                    <a:lumMod val="65000"/>
+                    <a:lumOff val="35000"/>
+                  </a:schemeClr>
+                </a:solidFill>
+                <a:latin typeface="+mj-ea"/>
+              </a:rPr>
+              <a:t>param1</a:t>
+            </a:r>
+            <a:endParaRPr lang="zh-CN" altLang="en-US" sz="1600" dirty="0">
+              <a:solidFill>
+                <a:schemeClr val="tx1">
+                  <a:lumMod val="65000"/>
+                  <a:lumOff val="35000"/>
+                </a:schemeClr>
+              </a:solidFill>
+              <a:latin typeface="+mj-ea"/>
+            </a:endParaRPr>
+          </a:p>
+        </p:txBody>
+      </p:sp>
+      <p:sp>
+        <p:nvSpPr>
+          <p:cNvPr id="35" name="矩形 34">
+            <a:extLst>
+              <a:ext uri="{FF2B5EF4-FFF2-40B4-BE49-F238E27FC236}">
+                <a16:creationId xmlns:a16="http://schemas.microsoft.com/office/drawing/2014/main" id="{6D4E8189-157B-4109-8103-E4503A9BDA1C}"/>
+              </a:ext>
+            </a:extLst>
+          </p:cNvPr>
+          <p:cNvSpPr/>
+          <p:nvPr/>
+        </p:nvSpPr>
+        <p:spPr>
+          <a:xfrm>
+            <a:off x="9137104" y="3414676"/>
+            <a:ext cx="2059630" cy="424155"/>
+          </a:xfrm>
+          <a:prstGeom prst="rect">
+            <a:avLst/>
+          </a:prstGeom>
+        </p:spPr>
+        <p:txBody>
+          <a:bodyPr wrap="square">
+            <a:spAutoFit/>
+          </a:bodyPr>
+          <a:lstStyle/>
+          <a:p>
+            <a:pPr>
+              <a:lnSpc>
+                <a:spcPct val="150000"/>
+              </a:lnSpc>
+            </a:pPr>
+            <a:r>
+              <a:rPr lang="en-US" altLang="zh-CN" sz="1600" dirty="0">
+                <a:solidFill>
+                  <a:schemeClr val="tx1">
+                    <a:lumMod val="65000"/>
+                    <a:lumOff val="35000"/>
+                  </a:schemeClr>
+                </a:solidFill>
+                <a:latin typeface="+mj-ea"/>
+              </a:rPr>
+              <a:t>---- </a:t>
+            </a:r>
+            <a:r>
+              <a:rPr lang="zh-CN" altLang="en-US" sz="1600" dirty="0">
+                <a:solidFill>
+                  <a:schemeClr val="tx1">
+                    <a:lumMod val="65000"/>
+                    <a:lumOff val="35000"/>
+                  </a:schemeClr>
+                </a:solidFill>
+                <a:latin typeface="+mj-ea"/>
+              </a:rPr>
+              <a:t>参数 </a:t>
+            </a:r>
+            <a:r>
+              <a:rPr lang="en-US" altLang="zh-CN" sz="1600" dirty="0">
+                <a:solidFill>
+                  <a:schemeClr val="tx1">
+                    <a:lumMod val="65000"/>
+                    <a:lumOff val="35000"/>
+                  </a:schemeClr>
+                </a:solidFill>
+                <a:latin typeface="+mj-ea"/>
+              </a:rPr>
+              <a:t>param2</a:t>
+            </a:r>
+            <a:endParaRPr lang="zh-CN" altLang="en-US" sz="1600" dirty="0">
+              <a:solidFill>
+                <a:schemeClr val="tx1">
+                  <a:lumMod val="65000"/>
+                  <a:lumOff val="35000"/>
+                </a:schemeClr>
+              </a:solidFill>
+              <a:latin typeface="+mj-ea"/>
+            </a:endParaRPr>
+          </a:p>
+        </p:txBody>
+      </p:sp>
+      <p:sp>
+        <p:nvSpPr>
+          <p:cNvPr id="36" name="矩形 35">
+            <a:extLst>
+              <a:ext uri="{FF2B5EF4-FFF2-40B4-BE49-F238E27FC236}">
+                <a16:creationId xmlns:a16="http://schemas.microsoft.com/office/drawing/2014/main" id="{C2B7B829-05F5-4925-8820-601554040BA8}"/>
+              </a:ext>
+            </a:extLst>
+          </p:cNvPr>
+          <p:cNvSpPr/>
+          <p:nvPr/>
+        </p:nvSpPr>
+        <p:spPr>
+          <a:xfrm>
+            <a:off x="9137104" y="3820169"/>
+            <a:ext cx="2059630" cy="461665"/>
+          </a:xfrm>
+          <a:prstGeom prst="rect">
+            <a:avLst/>
+          </a:prstGeom>
+        </p:spPr>
+        <p:txBody>
+          <a:bodyPr wrap="square">
+            <a:spAutoFit/>
+          </a:bodyPr>
+          <a:lstStyle/>
+          <a:p>
+            <a:pPr>
+              <a:lnSpc>
+                <a:spcPct val="150000"/>
+              </a:lnSpc>
+            </a:pPr>
+            <a:r>
+              <a:rPr lang="en-US" altLang="zh-CN" sz="1600" dirty="0">
+                <a:solidFill>
+                  <a:schemeClr val="tx1">
+                    <a:lumMod val="65000"/>
+                    <a:lumOff val="35000"/>
+                  </a:schemeClr>
+                </a:solidFill>
+                <a:latin typeface="+mj-ea"/>
+              </a:rPr>
+              <a:t>---- </a:t>
+            </a:r>
+            <a:r>
+              <a:rPr lang="zh-CN" altLang="en-US" sz="1600" dirty="0">
+                <a:solidFill>
+                  <a:schemeClr val="tx1">
+                    <a:lumMod val="65000"/>
+                    <a:lumOff val="35000"/>
+                  </a:schemeClr>
+                </a:solidFill>
+                <a:latin typeface="+mj-ea"/>
+              </a:rPr>
+              <a:t>函数返回地址</a:t>
+            </a:r>
+          </a:p>
+        </p:txBody>
+      </p:sp>
+      <p:sp>
+        <p:nvSpPr>
+          <p:cNvPr id="37" name="矩形 36">
+            <a:extLst>
+              <a:ext uri="{FF2B5EF4-FFF2-40B4-BE49-F238E27FC236}">
+                <a16:creationId xmlns:a16="http://schemas.microsoft.com/office/drawing/2014/main" id="{984FF6ED-AEA4-4E28-AC0F-31C9A1522C0C}"/>
+              </a:ext>
+            </a:extLst>
+          </p:cNvPr>
+          <p:cNvSpPr/>
+          <p:nvPr/>
+        </p:nvSpPr>
+        <p:spPr>
+          <a:xfrm>
+            <a:off x="9137104" y="4216043"/>
+            <a:ext cx="2059630" cy="461665"/>
+          </a:xfrm>
+          <a:prstGeom prst="rect">
+            <a:avLst/>
+          </a:prstGeom>
+        </p:spPr>
+        <p:txBody>
+          <a:bodyPr wrap="square">
+            <a:spAutoFit/>
+          </a:bodyPr>
+          <a:lstStyle/>
+          <a:p>
+            <a:pPr>
+              <a:lnSpc>
+                <a:spcPct val="150000"/>
+              </a:lnSpc>
+            </a:pPr>
+            <a:r>
+              <a:rPr lang="en-US" altLang="zh-CN" sz="1600" dirty="0">
+                <a:solidFill>
+                  <a:schemeClr val="tx1">
+                    <a:lumMod val="65000"/>
+                    <a:lumOff val="35000"/>
+                  </a:schemeClr>
+                </a:solidFill>
+                <a:latin typeface="+mj-ea"/>
+              </a:rPr>
+              <a:t>---- bp </a:t>
+            </a:r>
+            <a:r>
+              <a:rPr lang="zh-CN" altLang="en-US" sz="1600" dirty="0">
+                <a:solidFill>
+                  <a:schemeClr val="tx1">
+                    <a:lumMod val="65000"/>
+                    <a:lumOff val="35000"/>
+                  </a:schemeClr>
+                </a:solidFill>
+                <a:latin typeface="+mj-ea"/>
+              </a:rPr>
+              <a:t>寄存器旧值</a:t>
+            </a:r>
+          </a:p>
+        </p:txBody>
+      </p:sp>
+      <p:sp>
+        <p:nvSpPr>
+          <p:cNvPr id="38" name="矩形 37">
+            <a:extLst>
+              <a:ext uri="{FF2B5EF4-FFF2-40B4-BE49-F238E27FC236}">
+                <a16:creationId xmlns:a16="http://schemas.microsoft.com/office/drawing/2014/main" id="{6F584544-C39D-491F-A2A0-423E24F96DE2}"/>
+              </a:ext>
+            </a:extLst>
+          </p:cNvPr>
+          <p:cNvSpPr/>
+          <p:nvPr/>
+        </p:nvSpPr>
+        <p:spPr>
+          <a:xfrm>
+            <a:off x="9137104" y="4602970"/>
+            <a:ext cx="2059630" cy="424155"/>
+          </a:xfrm>
+          <a:prstGeom prst="rect">
+            <a:avLst/>
+          </a:prstGeom>
+        </p:spPr>
+        <p:txBody>
+          <a:bodyPr wrap="square">
+            <a:spAutoFit/>
+          </a:bodyPr>
+          <a:lstStyle/>
+          <a:p>
+            <a:pPr>
+              <a:lnSpc>
+                <a:spcPct val="150000"/>
+              </a:lnSpc>
+            </a:pPr>
+            <a:r>
+              <a:rPr lang="en-US" altLang="zh-CN" sz="1600" dirty="0">
+                <a:solidFill>
+                  <a:schemeClr val="tx1">
+                    <a:lumMod val="65000"/>
+                    <a:lumOff val="35000"/>
+                  </a:schemeClr>
+                </a:solidFill>
+                <a:latin typeface="+mj-ea"/>
+              </a:rPr>
+              <a:t>---- </a:t>
+            </a:r>
+            <a:r>
+              <a:rPr lang="zh-CN" altLang="en-US" sz="1600" dirty="0">
+                <a:solidFill>
+                  <a:schemeClr val="tx1">
+                    <a:lumMod val="65000"/>
+                    <a:lumOff val="35000"/>
+                  </a:schemeClr>
+                </a:solidFill>
+                <a:latin typeface="+mj-ea"/>
+              </a:rPr>
+              <a:t>局部变量 </a:t>
+            </a:r>
+            <a:r>
+              <a:rPr lang="en-US" altLang="zh-CN" sz="1600" dirty="0">
+                <a:solidFill>
+                  <a:schemeClr val="tx1">
+                    <a:lumMod val="65000"/>
+                    <a:lumOff val="35000"/>
+                  </a:schemeClr>
+                </a:solidFill>
+                <a:latin typeface="+mj-ea"/>
+              </a:rPr>
+              <a:t>i</a:t>
+            </a:r>
+            <a:endParaRPr lang="zh-CN" altLang="en-US" sz="1600" dirty="0">
+              <a:solidFill>
+                <a:schemeClr val="tx1">
+                  <a:lumMod val="65000"/>
+                  <a:lumOff val="35000"/>
+                </a:schemeClr>
+              </a:solidFill>
+              <a:latin typeface="+mj-ea"/>
+            </a:endParaRPr>
+          </a:p>
+        </p:txBody>
+      </p:sp>
+      <p:sp>
+        <p:nvSpPr>
+          <p:cNvPr id="39" name="矩形 38">
+            <a:extLst>
+              <a:ext uri="{FF2B5EF4-FFF2-40B4-BE49-F238E27FC236}">
+                <a16:creationId xmlns:a16="http://schemas.microsoft.com/office/drawing/2014/main" id="{E3D3F0BB-FBCB-4626-A915-D18BD36F0814}"/>
+              </a:ext>
+            </a:extLst>
+          </p:cNvPr>
+          <p:cNvSpPr/>
+          <p:nvPr/>
+        </p:nvSpPr>
+        <p:spPr>
+          <a:xfrm>
+            <a:off x="9137104" y="4999324"/>
+            <a:ext cx="2059630" cy="424155"/>
+          </a:xfrm>
+          <a:prstGeom prst="rect">
+            <a:avLst/>
+          </a:prstGeom>
+        </p:spPr>
+        <p:txBody>
+          <a:bodyPr wrap="square">
+            <a:spAutoFit/>
+          </a:bodyPr>
+          <a:lstStyle/>
+          <a:p>
+            <a:pPr>
+              <a:lnSpc>
+                <a:spcPct val="150000"/>
+              </a:lnSpc>
+            </a:pPr>
+            <a:r>
+              <a:rPr lang="en-US" altLang="zh-CN" sz="1600" dirty="0">
+                <a:solidFill>
+                  <a:schemeClr val="tx1">
+                    <a:lumMod val="65000"/>
+                    <a:lumOff val="35000"/>
+                  </a:schemeClr>
+                </a:solidFill>
+                <a:latin typeface="+mj-ea"/>
+              </a:rPr>
+              <a:t>---- </a:t>
+            </a:r>
+            <a:r>
+              <a:rPr lang="zh-CN" altLang="en-US" sz="1600" dirty="0">
+                <a:solidFill>
+                  <a:schemeClr val="tx1">
+                    <a:lumMod val="65000"/>
+                    <a:lumOff val="35000"/>
+                  </a:schemeClr>
+                </a:solidFill>
+                <a:latin typeface="+mj-ea"/>
+              </a:rPr>
+              <a:t>局部变量 </a:t>
+            </a:r>
+            <a:r>
+              <a:rPr lang="en-US" altLang="zh-CN" sz="1600" dirty="0">
+                <a:solidFill>
+                  <a:schemeClr val="tx1">
+                    <a:lumMod val="65000"/>
+                    <a:lumOff val="35000"/>
+                  </a:schemeClr>
+                </a:solidFill>
+                <a:latin typeface="+mj-ea"/>
+              </a:rPr>
+              <a:t>j</a:t>
+            </a:r>
+            <a:endParaRPr lang="zh-CN" altLang="en-US" sz="1600" dirty="0">
+              <a:solidFill>
+                <a:schemeClr val="tx1">
+                  <a:lumMod val="65000"/>
+                  <a:lumOff val="35000"/>
+                </a:schemeClr>
+              </a:solidFill>
+              <a:latin typeface="+mj-ea"/>
+            </a:endParaRPr>
+          </a:p>
+        </p:txBody>
+      </p:sp>
+      <p:sp>
+        <p:nvSpPr>
+          <p:cNvPr id="40" name="矩形 39">
+            <a:extLst>
+              <a:ext uri="{FF2B5EF4-FFF2-40B4-BE49-F238E27FC236}">
+                <a16:creationId xmlns:a16="http://schemas.microsoft.com/office/drawing/2014/main" id="{280799AE-5AA2-4F77-8D38-D667666457A6}"/>
+              </a:ext>
+            </a:extLst>
+          </p:cNvPr>
+          <p:cNvSpPr/>
+          <p:nvPr/>
+        </p:nvSpPr>
+        <p:spPr>
+          <a:xfrm>
+            <a:off x="6956043" y="6073260"/>
+            <a:ext cx="3130613" cy="461665"/>
+          </a:xfrm>
+          <a:prstGeom prst="rect">
+            <a:avLst/>
+          </a:prstGeom>
+        </p:spPr>
+        <p:txBody>
+          <a:bodyPr wrap="square">
+            <a:spAutoFit/>
+          </a:bodyPr>
+          <a:lstStyle/>
+          <a:p>
+            <a:pPr algn="ctr">
+              <a:lnSpc>
+                <a:spcPct val="150000"/>
+              </a:lnSpc>
+            </a:pPr>
+            <a:r>
+              <a:rPr lang="zh-CN" altLang="en-US" sz="1600" dirty="0">
+                <a:solidFill>
+                  <a:schemeClr val="tx1">
+                    <a:lumMod val="65000"/>
+                    <a:lumOff val="35000"/>
+                  </a:schemeClr>
+                </a:solidFill>
+                <a:latin typeface="+mj-ea"/>
+              </a:rPr>
+              <a:t>函数调用 </a:t>
+            </a:r>
+            <a:r>
+              <a:rPr lang="en-US" altLang="zh-CN" sz="1600" dirty="0">
+                <a:solidFill>
+                  <a:schemeClr val="tx1">
+                    <a:lumMod val="65000"/>
+                    <a:lumOff val="35000"/>
+                  </a:schemeClr>
+                </a:solidFill>
+                <a:latin typeface="+mj-ea"/>
+              </a:rPr>
+              <a:t>func(1, 2) </a:t>
+            </a:r>
+            <a:r>
+              <a:rPr lang="zh-CN" altLang="en-US" sz="1600" dirty="0">
+                <a:solidFill>
+                  <a:schemeClr val="tx1">
+                    <a:lumMod val="65000"/>
+                    <a:lumOff val="35000"/>
+                  </a:schemeClr>
+                </a:solidFill>
+                <a:latin typeface="+mj-ea"/>
+              </a:rPr>
+              <a:t>创建的栈帧</a:t>
+            </a:r>
+          </a:p>
+        </p:txBody>
+      </p:sp>
+      <p:sp>
+        <p:nvSpPr>
+          <p:cNvPr id="41" name="矩形 40">
+            <a:extLst>
+              <a:ext uri="{FF2B5EF4-FFF2-40B4-BE49-F238E27FC236}">
+                <a16:creationId xmlns:a16="http://schemas.microsoft.com/office/drawing/2014/main" id="{1F6A1BDA-F989-408F-99D7-3C9CA3846E6D}"/>
+              </a:ext>
+            </a:extLst>
+          </p:cNvPr>
+          <p:cNvSpPr/>
+          <p:nvPr/>
+        </p:nvSpPr>
+        <p:spPr>
+          <a:xfrm>
+            <a:off x="6956043" y="4236079"/>
+            <a:ext cx="949553" cy="461665"/>
+          </a:xfrm>
+          <a:prstGeom prst="rect">
+            <a:avLst/>
+          </a:prstGeom>
+        </p:spPr>
+        <p:txBody>
+          <a:bodyPr wrap="square">
+            <a:spAutoFit/>
+          </a:bodyPr>
+          <a:lstStyle/>
+          <a:p>
+            <a:pPr algn="r">
+              <a:lnSpc>
+                <a:spcPct val="150000"/>
+              </a:lnSpc>
+            </a:pPr>
+            <a:r>
+              <a:rPr lang="en-US" altLang="zh-CN" sz="1600" dirty="0">
+                <a:solidFill>
+                  <a:schemeClr val="tx1">
+                    <a:lumMod val="65000"/>
+                    <a:lumOff val="35000"/>
+                  </a:schemeClr>
+                </a:solidFill>
+                <a:latin typeface="+mj-ea"/>
+              </a:rPr>
+              <a:t>bp --&gt;</a:t>
+            </a:r>
+            <a:endParaRPr lang="zh-CN" altLang="en-US" sz="1600" dirty="0">
+              <a:solidFill>
+                <a:schemeClr val="tx1">
+                  <a:lumMod val="65000"/>
+                  <a:lumOff val="35000"/>
+                </a:schemeClr>
+              </a:solidFill>
+              <a:latin typeface="+mj-ea"/>
+            </a:endParaRPr>
+          </a:p>
+        </p:txBody>
+      </p:sp>
+      <p:sp>
+        <p:nvSpPr>
+          <p:cNvPr id="43" name="矩形 42">
+            <a:extLst>
+              <a:ext uri="{FF2B5EF4-FFF2-40B4-BE49-F238E27FC236}">
+                <a16:creationId xmlns:a16="http://schemas.microsoft.com/office/drawing/2014/main" id="{B5274E43-56AA-4CCD-878C-B2A0994F1247}"/>
+              </a:ext>
+            </a:extLst>
+          </p:cNvPr>
+          <p:cNvSpPr/>
+          <p:nvPr/>
+        </p:nvSpPr>
+        <p:spPr>
+          <a:xfrm>
+            <a:off x="6956043" y="5049841"/>
+            <a:ext cx="949553" cy="461665"/>
+          </a:xfrm>
+          <a:prstGeom prst="rect">
+            <a:avLst/>
+          </a:prstGeom>
+        </p:spPr>
+        <p:txBody>
+          <a:bodyPr wrap="square">
+            <a:spAutoFit/>
+          </a:bodyPr>
+          <a:lstStyle/>
+          <a:p>
+            <a:pPr algn="r">
+              <a:lnSpc>
+                <a:spcPct val="150000"/>
+              </a:lnSpc>
+            </a:pPr>
+            <a:r>
+              <a:rPr lang="en-US" altLang="zh-CN" sz="1600" dirty="0">
+                <a:solidFill>
+                  <a:schemeClr val="tx1">
+                    <a:lumMod val="65000"/>
+                    <a:lumOff val="35000"/>
+                  </a:schemeClr>
+                </a:solidFill>
+                <a:latin typeface="+mj-ea"/>
+              </a:rPr>
+              <a:t>sp --&gt;</a:t>
+            </a:r>
+            <a:endParaRPr lang="zh-CN" altLang="en-US" sz="1600" dirty="0">
+              <a:solidFill>
+                <a:schemeClr val="tx1">
+                  <a:lumMod val="65000"/>
+                  <a:lumOff val="35000"/>
+                </a:schemeClr>
+              </a:solidFill>
+              <a:latin typeface="+mj-ea"/>
+            </a:endParaRPr>
+          </a:p>
+        </p:txBody>
+      </p:sp>
+      <p:sp>
+        <p:nvSpPr>
+          <p:cNvPr id="45" name="矩形 44">
+            <a:extLst>
+              <a:ext uri="{FF2B5EF4-FFF2-40B4-BE49-F238E27FC236}">
+                <a16:creationId xmlns:a16="http://schemas.microsoft.com/office/drawing/2014/main" id="{3A426A3A-C7C9-4E20-875A-A277A7DB0BEB}"/>
+              </a:ext>
+            </a:extLst>
+          </p:cNvPr>
+          <p:cNvSpPr/>
+          <p:nvPr/>
+        </p:nvSpPr>
+        <p:spPr>
+          <a:xfrm>
+            <a:off x="7989238" y="5480729"/>
+            <a:ext cx="1064224" cy="400110"/>
+          </a:xfrm>
+          <a:prstGeom prst="rect">
+            <a:avLst/>
+          </a:prstGeom>
+          <a:ln w="25400">
+            <a:solidFill>
+              <a:schemeClr val="tx1">
+                <a:lumMod val="65000"/>
+                <a:lumOff val="35000"/>
+              </a:schemeClr>
+            </a:solidFill>
+          </a:ln>
+        </p:spPr>
+        <p:txBody>
+          <a:bodyPr wrap="square">
+            <a:spAutoFit/>
+          </a:bodyPr>
+          <a:lstStyle/>
+          <a:p>
+            <a:pPr algn="ctr"/>
+            <a:r>
+              <a:rPr lang="en-US" altLang="zh-CN" sz="2000" dirty="0">
+                <a:solidFill>
+                  <a:schemeClr val="tx1">
+                    <a:lumMod val="65000"/>
+                    <a:lumOff val="35000"/>
+                  </a:schemeClr>
+                </a:solidFill>
+              </a:rPr>
+              <a:t>…</a:t>
+            </a:r>
+            <a:endParaRPr lang="zh-CN" altLang="en-US" sz="2000" dirty="0">
+              <a:solidFill>
+                <a:schemeClr val="tx1">
+                  <a:lumMod val="65000"/>
+                  <a:lumOff val="35000"/>
+                </a:schemeClr>
+              </a:solidFill>
+            </a:endParaRPr>
+          </a:p>
+        </p:txBody>
+      </p:sp>
+      <p:sp>
+        <p:nvSpPr>
+          <p:cNvPr id="46" name="矩形 45">
+            <a:extLst>
+              <a:ext uri="{FF2B5EF4-FFF2-40B4-BE49-F238E27FC236}">
+                <a16:creationId xmlns:a16="http://schemas.microsoft.com/office/drawing/2014/main" id="{7A25BAE6-D6FF-42DA-8B9F-FD86D3C4C90D}"/>
+              </a:ext>
+            </a:extLst>
+          </p:cNvPr>
+          <p:cNvSpPr/>
+          <p:nvPr/>
+        </p:nvSpPr>
+        <p:spPr>
+          <a:xfrm>
+            <a:off x="6776910" y="2662845"/>
+            <a:ext cx="1128685" cy="424155"/>
+          </a:xfrm>
+          <a:prstGeom prst="rect">
+            <a:avLst/>
+          </a:prstGeom>
+        </p:spPr>
+        <p:txBody>
+          <a:bodyPr wrap="square">
+            <a:spAutoFit/>
+          </a:bodyPr>
+          <a:lstStyle/>
+          <a:p>
+            <a:pPr algn="r">
+              <a:lnSpc>
+                <a:spcPct val="150000"/>
+              </a:lnSpc>
+            </a:pPr>
+            <a:r>
+              <a:rPr lang="en-US" altLang="zh-CN" sz="1600" dirty="0">
+                <a:solidFill>
+                  <a:schemeClr val="tx1">
+                    <a:lumMod val="65000"/>
+                    <a:lumOff val="35000"/>
+                  </a:schemeClr>
+                </a:solidFill>
+                <a:latin typeface="+mj-ea"/>
+              </a:rPr>
+              <a:t>high addr</a:t>
+            </a:r>
+            <a:endParaRPr lang="zh-CN" altLang="en-US" sz="1600" dirty="0">
+              <a:solidFill>
+                <a:schemeClr val="tx1">
+                  <a:lumMod val="65000"/>
+                  <a:lumOff val="35000"/>
+                </a:schemeClr>
+              </a:solidFill>
+              <a:latin typeface="+mj-ea"/>
+            </a:endParaRPr>
+          </a:p>
+        </p:txBody>
+      </p:sp>
+      <p:sp>
+        <p:nvSpPr>
+          <p:cNvPr id="48" name="矩形 47">
+            <a:extLst>
+              <a:ext uri="{FF2B5EF4-FFF2-40B4-BE49-F238E27FC236}">
+                <a16:creationId xmlns:a16="http://schemas.microsoft.com/office/drawing/2014/main" id="{2C8799A3-D8F2-487B-9D2E-A7568CDE000A}"/>
+              </a:ext>
+            </a:extLst>
+          </p:cNvPr>
+          <p:cNvSpPr/>
+          <p:nvPr/>
+        </p:nvSpPr>
+        <p:spPr>
+          <a:xfrm>
+            <a:off x="6776911" y="5449006"/>
+            <a:ext cx="1128685" cy="461665"/>
+          </a:xfrm>
+          <a:prstGeom prst="rect">
+            <a:avLst/>
+          </a:prstGeom>
+        </p:spPr>
+        <p:txBody>
+          <a:bodyPr wrap="square">
+            <a:spAutoFit/>
+          </a:bodyPr>
+          <a:lstStyle/>
+          <a:p>
+            <a:pPr algn="r">
+              <a:lnSpc>
+                <a:spcPct val="150000"/>
+              </a:lnSpc>
+            </a:pPr>
+            <a:r>
+              <a:rPr lang="en-US" altLang="zh-CN" sz="1600" dirty="0">
+                <a:solidFill>
+                  <a:schemeClr val="tx1">
+                    <a:lumMod val="65000"/>
+                    <a:lumOff val="35000"/>
+                  </a:schemeClr>
+                </a:solidFill>
+                <a:latin typeface="+mj-ea"/>
+              </a:rPr>
+              <a:t>low addr</a:t>
+            </a:r>
+            <a:endParaRPr lang="zh-CN" altLang="en-US" sz="1600" dirty="0">
+              <a:solidFill>
+                <a:schemeClr val="tx1">
+                  <a:lumMod val="65000"/>
+                  <a:lumOff val="35000"/>
+                </a:schemeClr>
+              </a:solidFill>
+              <a:latin typeface="+mj-ea"/>
+            </a:endParaRPr>
+          </a:p>
+        </p:txBody>
+      </p:sp>
+    </p:spTree>
+    <p:extLst>
+      <p:ext uri="{BB962C8B-B14F-4D97-AF65-F5344CB8AC3E}">
+        <p14:creationId xmlns:p14="http://schemas.microsoft.com/office/powerpoint/2010/main" val="3758405410"/>
+      </p:ext>
+    </p:extLst>
+  </p:cSld>
+  <p:clrMapOvr>
+    <a:masterClrMapping/>
+  </p:clrMapOvr>
+</p:sld>
+</file>
+
+<file path=ppt/slides/slide19.xml><?xml version="1.0" encoding="utf-8"?>
+<p:sld xmlns:a="http://schemas.openxmlformats.org/drawingml/2006/main" xmlns:r="http://schemas.openxmlformats.org/officeDocument/2006/relationships" xmlns:p="http://schemas.openxmlformats.org/presentationml/2006/main">
+  <p:cSld>
+    <p:spTree>
+      <p:nvGrpSpPr>
+        <p:cNvPr id="1" name=""/>
+        <p:cNvGrpSpPr/>
+        <p:nvPr/>
+      </p:nvGrpSpPr>
+      <p:grpSpPr>
+        <a:xfrm>
+          <a:off x="0" y="0"/>
+          <a:ext cx="0" cy="0"/>
+          <a:chOff x="0" y="0"/>
+          <a:chExt cx="0" cy="0"/>
+        </a:xfrm>
+      </p:grpSpPr>
+    </p:spTree>
+    <p:extLst>
+      <p:ext uri="{BB962C8B-B14F-4D97-AF65-F5344CB8AC3E}">
+        <p14:creationId xmlns:p14="http://schemas.microsoft.com/office/powerpoint/2010/main" val="2127757638"/>
       </p:ext>
     </p:extLst>
   </p:cSld>

--- a/论文相关/答辩ppt.pptx
+++ b/论文相关/答辩ppt.pptx
@@ -219,7 +219,7 @@
           <a:p>
             <a:fld id="{26ACDCDE-B8AC-4354-8FAE-172A39517EE3}" type="datetimeFigureOut">
               <a:rPr lang="zh-CN" altLang="en-US" smtClean="0"/>
-              <a:t>2018/6/3</a:t>
+              <a:t>2018/6/4</a:t>
             </a:fld>
             <a:endParaRPr lang="zh-CN" altLang="en-US"/>
           </a:p>
@@ -614,7 +614,10 @@
           <a:bodyPr/>
           <a:lstStyle/>
           <a:p>
-            <a:endParaRPr lang="zh-CN" altLang="en-US" dirty="0"/>
+            <a:r>
+              <a:rPr lang="zh-CN" altLang="en-US" dirty="0"/>
+              <a:t>最后一条是和虚拟机相关</a:t>
+            </a:r>
           </a:p>
         </p:txBody>
       </p:sp>
@@ -635,7 +638,7 @@
           <a:p>
             <a:fld id="{3ABA94C9-7537-42BE-891E-274805ED764D}" type="slidenum">
               <a:rPr lang="zh-CN" altLang="en-US" smtClean="0"/>
-              <a:t>9</a:t>
+              <a:t>4</a:t>
             </a:fld>
             <a:endParaRPr lang="zh-CN" altLang="en-US"/>
           </a:p>
@@ -644,7 +647,7 @@
     </p:spTree>
     <p:extLst>
       <p:ext uri="{BB962C8B-B14F-4D97-AF65-F5344CB8AC3E}">
-        <p14:creationId xmlns:p14="http://schemas.microsoft.com/office/powerpoint/2010/main" val="3371942981"/>
+        <p14:creationId xmlns:p14="http://schemas.microsoft.com/office/powerpoint/2010/main" val="2106889230"/>
       </p:ext>
     </p:extLst>
   </p:cSld>
@@ -719,7 +722,7 @@
           <a:p>
             <a:fld id="{3ABA94C9-7537-42BE-891E-274805ED764D}" type="slidenum">
               <a:rPr lang="zh-CN" altLang="en-US" smtClean="0"/>
-              <a:t>10</a:t>
+              <a:t>9</a:t>
             </a:fld>
             <a:endParaRPr lang="zh-CN" altLang="en-US"/>
           </a:p>
@@ -728,7 +731,7 @@
     </p:spTree>
     <p:extLst>
       <p:ext uri="{BB962C8B-B14F-4D97-AF65-F5344CB8AC3E}">
-        <p14:creationId xmlns:p14="http://schemas.microsoft.com/office/powerpoint/2010/main" val="2834442636"/>
+        <p14:creationId xmlns:p14="http://schemas.microsoft.com/office/powerpoint/2010/main" val="3371942981"/>
       </p:ext>
     </p:extLst>
   </p:cSld>
@@ -803,7 +806,7 @@
           <a:p>
             <a:fld id="{3ABA94C9-7537-42BE-891E-274805ED764D}" type="slidenum">
               <a:rPr lang="zh-CN" altLang="en-US" smtClean="0"/>
-              <a:t>13</a:t>
+              <a:t>10</a:t>
             </a:fld>
             <a:endParaRPr lang="zh-CN" altLang="en-US"/>
           </a:p>
@@ -812,7 +815,7 @@
     </p:spTree>
     <p:extLst>
       <p:ext uri="{BB962C8B-B14F-4D97-AF65-F5344CB8AC3E}">
-        <p14:creationId xmlns:p14="http://schemas.microsoft.com/office/powerpoint/2010/main" val="2337278183"/>
+        <p14:creationId xmlns:p14="http://schemas.microsoft.com/office/powerpoint/2010/main" val="2834442636"/>
       </p:ext>
     </p:extLst>
   </p:cSld>
@@ -866,38 +869,7 @@
           <a:bodyPr/>
           <a:lstStyle/>
           <a:p>
-            <a:r>
-              <a:rPr lang="en-US" altLang="zh-CN" dirty="0"/>
-              <a:t>int a, b; </a:t>
-            </a:r>
-            <a:r>
-              <a:rPr lang="zh-CN" altLang="en-US" dirty="0"/>
-              <a:t>定义中，解析完</a:t>
-            </a:r>
-            <a:r>
-              <a:rPr lang="en-US" altLang="zh-CN" dirty="0"/>
-              <a:t>a</a:t>
-            </a:r>
-            <a:r>
-              <a:rPr lang="zh-CN" altLang="en-US" dirty="0"/>
-              <a:t>后，</a:t>
-            </a:r>
-            <a:r>
-              <a:rPr lang="en-US" altLang="zh-CN" dirty="0"/>
-              <a:t>b</a:t>
-            </a:r>
-            <a:r>
-              <a:rPr lang="zh-CN" altLang="en-US" dirty="0"/>
-              <a:t>也需要知道类型，因此用</a:t>
-            </a:r>
-            <a:r>
-              <a:rPr lang="en-US" altLang="zh-CN" dirty="0"/>
-              <a:t>baseType</a:t>
-            </a:r>
-            <a:r>
-              <a:rPr lang="zh-CN" altLang="en-US" dirty="0"/>
-              <a:t>来记录定义表达式定义语句的基础类型</a:t>
-            </a:r>
+            <a:endParaRPr lang="zh-CN" altLang="en-US" dirty="0"/>
           </a:p>
         </p:txBody>
       </p:sp>
@@ -918,7 +890,7 @@
           <a:p>
             <a:fld id="{3ABA94C9-7537-42BE-891E-274805ED764D}" type="slidenum">
               <a:rPr lang="zh-CN" altLang="en-US" smtClean="0"/>
-              <a:t>15</a:t>
+              <a:t>13</a:t>
             </a:fld>
             <a:endParaRPr lang="zh-CN" altLang="en-US"/>
           </a:p>
@@ -927,7 +899,7 @@
     </p:spTree>
     <p:extLst>
       <p:ext uri="{BB962C8B-B14F-4D97-AF65-F5344CB8AC3E}">
-        <p14:creationId xmlns:p14="http://schemas.microsoft.com/office/powerpoint/2010/main" val="3969681576"/>
+        <p14:creationId xmlns:p14="http://schemas.microsoft.com/office/powerpoint/2010/main" val="2337278183"/>
       </p:ext>
     </p:extLst>
   </p:cSld>
@@ -982,9 +954,164 @@
           <a:lstStyle/>
           <a:p>
             <a:r>
+              <a:rPr lang="en-US" altLang="zh-CN" dirty="0"/>
+              <a:t>int a, b; </a:t>
+            </a:r>
+            <a:r>
+              <a:rPr lang="zh-CN" altLang="en-US" dirty="0"/>
+              <a:t>定义中，解析完</a:t>
+            </a:r>
+            <a:r>
+              <a:rPr lang="en-US" altLang="zh-CN" dirty="0"/>
+              <a:t>a</a:t>
+            </a:r>
+            <a:r>
+              <a:rPr lang="zh-CN" altLang="en-US" dirty="0"/>
+              <a:t>后，</a:t>
+            </a:r>
+            <a:r>
+              <a:rPr lang="en-US" altLang="zh-CN" dirty="0"/>
+              <a:t>b</a:t>
+            </a:r>
+            <a:r>
+              <a:rPr lang="zh-CN" altLang="en-US" dirty="0"/>
+              <a:t>也需要知道类型，因此用</a:t>
+            </a:r>
+            <a:r>
+              <a:rPr lang="en-US" altLang="zh-CN" dirty="0"/>
+              <a:t>baseType</a:t>
+            </a:r>
+            <a:r>
+              <a:rPr lang="zh-CN" altLang="en-US" dirty="0"/>
+              <a:t>来记录定义表达式定义语句的基础类型</a:t>
+            </a:r>
+          </a:p>
+        </p:txBody>
+      </p:sp>
+      <p:sp>
+        <p:nvSpPr>
+          <p:cNvPr id="4" name="灯片编号占位符 3"/>
+          <p:cNvSpPr>
+            <a:spLocks noGrp="1"/>
+          </p:cNvSpPr>
+          <p:nvPr>
+            <p:ph type="sldNum" sz="quarter" idx="10"/>
+          </p:nvPr>
+        </p:nvSpPr>
+        <p:spPr/>
+        <p:txBody>
+          <a:bodyPr/>
+          <a:lstStyle/>
+          <a:p>
+            <a:fld id="{3ABA94C9-7537-42BE-891E-274805ED764D}" type="slidenum">
+              <a:rPr lang="zh-CN" altLang="en-US" smtClean="0"/>
+              <a:t>15</a:t>
+            </a:fld>
+            <a:endParaRPr lang="zh-CN" altLang="en-US"/>
+          </a:p>
+        </p:txBody>
+      </p:sp>
+    </p:spTree>
+    <p:extLst>
+      <p:ext uri="{BB962C8B-B14F-4D97-AF65-F5344CB8AC3E}">
+        <p14:creationId xmlns:p14="http://schemas.microsoft.com/office/powerpoint/2010/main" val="3969681576"/>
+      </p:ext>
+    </p:extLst>
+  </p:cSld>
+  <p:clrMapOvr>
+    <a:masterClrMapping/>
+  </p:clrMapOvr>
+</p:notes>
+</file>
+
+<file path=ppt/notesSlides/notesSlide7.xml><?xml version="1.0" encoding="utf-8"?>
+<p:notes xmlns:a="http://schemas.openxmlformats.org/drawingml/2006/main" xmlns:r="http://schemas.openxmlformats.org/officeDocument/2006/relationships" xmlns:p="http://schemas.openxmlformats.org/presentationml/2006/main">
+  <p:cSld>
+    <p:spTree>
+      <p:nvGrpSpPr>
+        <p:cNvPr id="1" name=""/>
+        <p:cNvGrpSpPr/>
+        <p:nvPr/>
+      </p:nvGrpSpPr>
+      <p:grpSpPr>
+        <a:xfrm>
+          <a:off x="0" y="0"/>
+          <a:ext cx="0" cy="0"/>
+          <a:chOff x="0" y="0"/>
+          <a:chExt cx="0" cy="0"/>
+        </a:xfrm>
+      </p:grpSpPr>
+      <p:sp>
+        <p:nvSpPr>
+          <p:cNvPr id="2" name="幻灯片图像占位符 1"/>
+          <p:cNvSpPr>
+            <a:spLocks noGrp="1" noRot="1" noChangeAspect="1"/>
+          </p:cNvSpPr>
+          <p:nvPr>
+            <p:ph type="sldImg"/>
+          </p:nvPr>
+        </p:nvSpPr>
+        <p:spPr/>
+      </p:sp>
+      <p:sp>
+        <p:nvSpPr>
+          <p:cNvPr id="3" name="备注占位符 2"/>
+          <p:cNvSpPr>
+            <a:spLocks noGrp="1"/>
+          </p:cNvSpPr>
+          <p:nvPr>
+            <p:ph type="body" idx="1"/>
+          </p:nvPr>
+        </p:nvSpPr>
+        <p:spPr/>
+        <p:txBody>
+          <a:bodyPr/>
+          <a:lstStyle/>
+          <a:p>
+            <a:r>
               <a:rPr lang="zh-CN" altLang="en-US" dirty="0"/>
               <a:t>目标代码只有函数会生成，因此需要先设计函数调用栈帧</a:t>
             </a:r>
+            <a:endParaRPr lang="en-US" altLang="zh-CN" dirty="0"/>
+          </a:p>
+          <a:p>
+            <a:pPr marL="228600" indent="-228600">
+              <a:buAutoNum type="arabicPeriod"/>
+            </a:pPr>
+            <a:r>
+              <a:rPr lang="zh-CN" altLang="en-US" dirty="0"/>
+              <a:t>参数顺序入栈</a:t>
+            </a:r>
+            <a:endParaRPr lang="en-US" altLang="zh-CN" dirty="0"/>
+          </a:p>
+          <a:p>
+            <a:pPr marL="228600" indent="-228600">
+              <a:buAutoNum type="arabicPeriod"/>
+            </a:pPr>
+            <a:r>
+              <a:rPr lang="en-US" altLang="zh-CN" dirty="0"/>
+              <a:t>pc+1</a:t>
+            </a:r>
+          </a:p>
+          <a:p>
+            <a:pPr marL="228600" indent="-228600">
+              <a:buAutoNum type="arabicPeriod"/>
+            </a:pPr>
+            <a:r>
+              <a:rPr lang="en-US" altLang="zh-CN" dirty="0" err="1"/>
+              <a:t>Bp</a:t>
+            </a:r>
+            <a:endParaRPr lang="en-US" altLang="zh-CN" dirty="0"/>
+          </a:p>
+          <a:p>
+            <a:pPr marL="228600" indent="-228600">
+              <a:buAutoNum type="arabicPeriod"/>
+            </a:pPr>
+            <a:r>
+              <a:rPr lang="en-US" altLang="zh-CN" dirty="0" err="1"/>
+              <a:t>sp</a:t>
+            </a:r>
+            <a:endParaRPr lang="zh-CN" altLang="en-US" dirty="0"/>
           </a:p>
         </p:txBody>
       </p:sp>
@@ -1171,7 +1298,7 @@
           <a:p>
             <a:fld id="{1D629A81-BF25-4A87-AD34-E0275722D496}" type="datetimeFigureOut">
               <a:rPr lang="zh-CN" altLang="en-US" smtClean="0"/>
-              <a:t>2018/6/3</a:t>
+              <a:t>2018/6/4</a:t>
             </a:fld>
             <a:endParaRPr lang="zh-CN" altLang="en-US"/>
           </a:p>
@@ -1369,7 +1496,7 @@
           <a:p>
             <a:fld id="{1D629A81-BF25-4A87-AD34-E0275722D496}" type="datetimeFigureOut">
               <a:rPr lang="zh-CN" altLang="en-US" smtClean="0"/>
-              <a:t>2018/6/3</a:t>
+              <a:t>2018/6/4</a:t>
             </a:fld>
             <a:endParaRPr lang="zh-CN" altLang="en-US"/>
           </a:p>
@@ -1577,7 +1704,7 @@
           <a:p>
             <a:fld id="{1D629A81-BF25-4A87-AD34-E0275722D496}" type="datetimeFigureOut">
               <a:rPr lang="zh-CN" altLang="en-US" smtClean="0"/>
-              <a:t>2018/6/3</a:t>
+              <a:t>2018/6/4</a:t>
             </a:fld>
             <a:endParaRPr lang="zh-CN" altLang="en-US"/>
           </a:p>
@@ -1775,7 +1902,7 @@
           <a:p>
             <a:fld id="{1D629A81-BF25-4A87-AD34-E0275722D496}" type="datetimeFigureOut">
               <a:rPr lang="zh-CN" altLang="en-US" smtClean="0"/>
-              <a:t>2018/6/3</a:t>
+              <a:t>2018/6/4</a:t>
             </a:fld>
             <a:endParaRPr lang="zh-CN" altLang="en-US"/>
           </a:p>
@@ -2050,7 +2177,7 @@
           <a:p>
             <a:fld id="{1D629A81-BF25-4A87-AD34-E0275722D496}" type="datetimeFigureOut">
               <a:rPr lang="zh-CN" altLang="en-US" smtClean="0"/>
-              <a:t>2018/6/3</a:t>
+              <a:t>2018/6/4</a:t>
             </a:fld>
             <a:endParaRPr lang="zh-CN" altLang="en-US"/>
           </a:p>
@@ -2315,7 +2442,7 @@
           <a:p>
             <a:fld id="{1D629A81-BF25-4A87-AD34-E0275722D496}" type="datetimeFigureOut">
               <a:rPr lang="zh-CN" altLang="en-US" smtClean="0"/>
-              <a:t>2018/6/3</a:t>
+              <a:t>2018/6/4</a:t>
             </a:fld>
             <a:endParaRPr lang="zh-CN" altLang="en-US"/>
           </a:p>
@@ -2727,7 +2854,7 @@
           <a:p>
             <a:fld id="{1D629A81-BF25-4A87-AD34-E0275722D496}" type="datetimeFigureOut">
               <a:rPr lang="zh-CN" altLang="en-US" smtClean="0"/>
-              <a:t>2018/6/3</a:t>
+              <a:t>2018/6/4</a:t>
             </a:fld>
             <a:endParaRPr lang="zh-CN" altLang="en-US"/>
           </a:p>
@@ -2868,7 +2995,7 @@
           <a:p>
             <a:fld id="{1D629A81-BF25-4A87-AD34-E0275722D496}" type="datetimeFigureOut">
               <a:rPr lang="zh-CN" altLang="en-US" smtClean="0"/>
-              <a:t>2018/6/3</a:t>
+              <a:t>2018/6/4</a:t>
             </a:fld>
             <a:endParaRPr lang="zh-CN" altLang="en-US"/>
           </a:p>
@@ -2981,7 +3108,7 @@
           <a:p>
             <a:fld id="{1D629A81-BF25-4A87-AD34-E0275722D496}" type="datetimeFigureOut">
               <a:rPr lang="zh-CN" altLang="en-US" smtClean="0"/>
-              <a:t>2018/6/3</a:t>
+              <a:t>2018/6/4</a:t>
             </a:fld>
             <a:endParaRPr lang="zh-CN" altLang="en-US"/>
           </a:p>
@@ -3292,7 +3419,7 @@
           <a:p>
             <a:fld id="{1D629A81-BF25-4A87-AD34-E0275722D496}" type="datetimeFigureOut">
               <a:rPr lang="zh-CN" altLang="en-US" smtClean="0"/>
-              <a:t>2018/6/3</a:t>
+              <a:t>2018/6/4</a:t>
             </a:fld>
             <a:endParaRPr lang="zh-CN" altLang="en-US"/>
           </a:p>
@@ -3580,7 +3707,7 @@
           <a:p>
             <a:fld id="{1D629A81-BF25-4A87-AD34-E0275722D496}" type="datetimeFigureOut">
               <a:rPr lang="zh-CN" altLang="en-US" smtClean="0"/>
-              <a:t>2018/6/3</a:t>
+              <a:t>2018/6/4</a:t>
             </a:fld>
             <a:endParaRPr lang="zh-CN" altLang="en-US"/>
           </a:p>
@@ -3821,7 +3948,7 @@
           <a:p>
             <a:fld id="{1D629A81-BF25-4A87-AD34-E0275722D496}" type="datetimeFigureOut">
               <a:rPr lang="zh-CN" altLang="en-US" smtClean="0"/>
-              <a:t>2018/6/3</a:t>
+              <a:t>2018/6/4</a:t>
             </a:fld>
             <a:endParaRPr lang="zh-CN" altLang="en-US"/>
           </a:p>
@@ -4394,8 +4521,8 @@
         </p:nvSpPr>
         <p:spPr>
           <a:xfrm>
-            <a:off x="8412480" y="5098871"/>
-            <a:ext cx="3576320" cy="1477328"/>
+            <a:off x="7899663" y="5098871"/>
+            <a:ext cx="3893269" cy="1477328"/>
           </a:xfrm>
           <a:prstGeom prst="rect">
             <a:avLst/>
@@ -4421,7 +4548,7 @@
                 <a:latin typeface="+mj-lt"/>
                 <a:ea typeface="+mj-ea"/>
               </a:rPr>
-              <a:t>答辩人</a:t>
+              <a:t>答  辩  人</a:t>
             </a:r>
             <a:r>
               <a:rPr lang="en-US" altLang="zh-CN" sz="2400" dirty="0">
@@ -4465,7 +4592,7 @@
                 <a:latin typeface="+mj-lt"/>
                 <a:ea typeface="+mj-ea"/>
               </a:rPr>
-              <a:t>学    号</a:t>
+              <a:t>学       号 </a:t>
             </a:r>
             <a:r>
               <a:rPr lang="en-US" altLang="zh-CN" sz="2400" dirty="0">
@@ -4492,7 +4619,7 @@
                 <a:latin typeface="+mj-lt"/>
                 <a:ea typeface="+mj-ea"/>
               </a:rPr>
-              <a:t>导    师</a:t>
+              <a:t>指导老师 </a:t>
             </a:r>
             <a:r>
               <a:rPr lang="en-US" altLang="zh-CN" sz="2400" dirty="0">

--- a/论文相关/答辩ppt.pptx
+++ b/论文相关/答辩ppt.pptx
@@ -226,7 +226,7 @@
           <a:p>
             <a:fld id="{26ACDCDE-B8AC-4354-8FAE-172A39517EE3}" type="datetimeFigureOut">
               <a:rPr lang="zh-CN" altLang="en-US" smtClean="0"/>
-              <a:t>2018/6/4</a:t>
+              <a:t>2018/6/6</a:t>
             </a:fld>
             <a:endParaRPr lang="zh-CN" altLang="en-US"/>
           </a:p>
@@ -537,7 +537,42 @@
           <a:bodyPr/>
           <a:lstStyle/>
           <a:p>
-            <a:endParaRPr lang="zh-CN" altLang="en-US" dirty="0"/>
+            <a:r>
+              <a:rPr lang="zh-CN" altLang="en-US" dirty="0"/>
+              <a:t>各位老师好，我是计算机</a:t>
+            </a:r>
+            <a:r>
+              <a:rPr lang="en-US" altLang="zh-CN" dirty="0"/>
+              <a:t>1401</a:t>
+            </a:r>
+            <a:r>
+              <a:rPr lang="zh-CN" altLang="en-US" dirty="0"/>
+              <a:t>班的李开心，我的论文题目是</a:t>
+            </a:r>
+            <a:r>
+              <a:rPr lang="en-US" altLang="zh-CN" dirty="0"/>
+              <a:t>【</a:t>
+            </a:r>
+            <a:r>
+              <a:rPr lang="zh-CN" altLang="en-US" dirty="0"/>
+              <a:t>程序设计语言</a:t>
+            </a:r>
+            <a:r>
+              <a:rPr lang="en-US" altLang="zh-CN" dirty="0"/>
+              <a:t>C--</a:t>
+            </a:r>
+            <a:r>
+              <a:rPr lang="zh-CN" altLang="en-US" dirty="0"/>
+              <a:t>的编译器设计与实现</a:t>
+            </a:r>
+            <a:r>
+              <a:rPr lang="en-US" altLang="zh-CN" dirty="0"/>
+              <a:t>】</a:t>
+            </a:r>
+            <a:r>
+              <a:rPr lang="zh-CN" altLang="en-US" dirty="0"/>
+              <a:t>。</a:t>
+            </a:r>
           </a:p>
         </p:txBody>
       </p:sp>
@@ -623,47 +658,71 @@
           <a:p>
             <a:r>
               <a:rPr lang="zh-CN" altLang="en-US" dirty="0"/>
-              <a:t>目标代码只有函数会生成，因此需要先设计函数调用栈帧</a:t>
+              <a:t>词法分析模块完成。。。</a:t>
+            </a:r>
+            <a:br>
+              <a:rPr lang="en-US" altLang="zh-CN" dirty="0"/>
+            </a:br>
+            <a:r>
+              <a:rPr lang="zh-CN" altLang="en-US" dirty="0"/>
+              <a:t>左边是词法分析模块的内部结构。</a:t>
             </a:r>
             <a:endParaRPr lang="en-US" altLang="zh-CN" dirty="0"/>
           </a:p>
           <a:p>
-            <a:pPr marL="228600" indent="-228600">
-              <a:buAutoNum type="arabicPeriod"/>
-            </a:pPr>
+            <a:r>
+              <a:rPr lang="en-US" altLang="zh-CN" dirty="0"/>
+              <a:t>source</a:t>
+            </a:r>
             <a:r>
               <a:rPr lang="zh-CN" altLang="en-US" dirty="0"/>
-              <a:t>参数顺序入栈</a:t>
+              <a:t> 用于保存源代码</a:t>
             </a:r>
             <a:endParaRPr lang="en-US" altLang="zh-CN" dirty="0"/>
           </a:p>
           <a:p>
-            <a:pPr marL="228600" indent="-228600">
-              <a:buAutoNum type="arabicPeriod"/>
-            </a:pPr>
             <a:r>
               <a:rPr lang="en-US" altLang="zh-CN" dirty="0"/>
-              <a:t>pc+1</a:t>
-            </a:r>
-          </a:p>
-          <a:p>
-            <a:pPr marL="228600" indent="-228600">
-              <a:buAutoNum type="arabicPeriod"/>
-            </a:pPr>
+              <a:t>Table </a:t>
+            </a:r>
+            <a:r>
+              <a:rPr lang="zh-CN" altLang="en-US" dirty="0"/>
+              <a:t>是一个指向符号表的指针，用于更新符号表信息</a:t>
+            </a:r>
+            <a:endParaRPr lang="en-US" altLang="zh-CN" dirty="0"/>
+          </a:p>
+          <a:p>
             <a:r>
               <a:rPr lang="en-US" altLang="zh-CN" dirty="0"/>
-              <a:t>bp</a:t>
-            </a:r>
-          </a:p>
-          <a:p>
-            <a:pPr marL="228600" indent="-228600">
-              <a:buAutoNum type="arabicPeriod"/>
-            </a:pPr>
+              <a:t>vm </a:t>
+            </a:r>
+            <a:r>
+              <a:rPr lang="zh-CN" altLang="en-US" dirty="0"/>
+              <a:t>是一个指向虚拟机的指针，用于向虚拟机中写入数据</a:t>
+            </a:r>
+            <a:endParaRPr lang="en-US" altLang="zh-CN" dirty="0"/>
+          </a:p>
+          <a:p>
             <a:r>
               <a:rPr lang="en-US" altLang="zh-CN" dirty="0"/>
-              <a:t>sp</a:t>
-            </a:r>
-            <a:endParaRPr lang="zh-CN" altLang="en-US" dirty="0"/>
+              <a:t>index </a:t>
+            </a:r>
+            <a:r>
+              <a:rPr lang="zh-CN" altLang="en-US" dirty="0"/>
+              <a:t>记录当前扫描的符号在源代码中的位置</a:t>
+            </a:r>
+            <a:endParaRPr lang="en-US" altLang="zh-CN" dirty="0"/>
+          </a:p>
+          <a:p>
+            <a:r>
+              <a:rPr lang="en-US" altLang="zh-CN" dirty="0"/>
+              <a:t>line </a:t>
+            </a:r>
+            <a:r>
+              <a:rPr lang="zh-CN" altLang="en-US" dirty="0"/>
+              <a:t>记录当前扫描位置在源代码中的行号，便于错误处理时提示错误位置</a:t>
+            </a:r>
+            <a:endParaRPr lang="en-US" altLang="zh-CN" dirty="0"/>
           </a:p>
         </p:txBody>
       </p:sp>
@@ -684,7 +743,7 @@
           <a:p>
             <a:fld id="{3ABA94C9-7537-42BE-891E-274805ED764D}" type="slidenum">
               <a:rPr lang="zh-CN" altLang="en-US" smtClean="0"/>
-              <a:t>18</a:t>
+              <a:t>10</a:t>
             </a:fld>
             <a:endParaRPr lang="zh-CN" altLang="en-US"/>
           </a:p>
@@ -693,7 +752,7 @@
     </p:spTree>
     <p:extLst>
       <p:ext uri="{BB962C8B-B14F-4D97-AF65-F5344CB8AC3E}">
-        <p14:creationId xmlns:p14="http://schemas.microsoft.com/office/powerpoint/2010/main" val="2642900814"/>
+        <p14:creationId xmlns:p14="http://schemas.microsoft.com/office/powerpoint/2010/main" val="2834442636"/>
       </p:ext>
     </p:extLst>
   </p:cSld>
@@ -747,7 +806,17 @@
           <a:bodyPr/>
           <a:lstStyle/>
           <a:p>
-            <a:endParaRPr lang="zh-CN" altLang="en-US" dirty="0"/>
+            <a:r>
+              <a:rPr lang="zh-CN" altLang="en-US" dirty="0"/>
+              <a:t>词法分析算法采用硬编码的方式，根据词法单元的符号组成直接匹配符号。右边是词法分析的总控程序，展示了词法分析的整个过程。</a:t>
+            </a:r>
+            <a:endParaRPr lang="en-US" altLang="zh-CN" dirty="0"/>
+          </a:p>
+          <a:p>
+            <a:r>
+              <a:rPr lang="zh-CN" altLang="en-US" dirty="0"/>
+              <a:t>首先是对词法分析器进行初始化，然后处理关键字，最后进入扫描源代码的环节。</a:t>
+            </a:r>
           </a:p>
         </p:txBody>
       </p:sp>
@@ -768,7 +837,7 @@
           <a:p>
             <a:fld id="{3ABA94C9-7537-42BE-891E-274805ED764D}" type="slidenum">
               <a:rPr lang="zh-CN" altLang="en-US" smtClean="0"/>
-              <a:t>19</a:t>
+              <a:t>11</a:t>
             </a:fld>
             <a:endParaRPr lang="zh-CN" altLang="en-US"/>
           </a:p>
@@ -777,7 +846,7 @@
     </p:spTree>
     <p:extLst>
       <p:ext uri="{BB962C8B-B14F-4D97-AF65-F5344CB8AC3E}">
-        <p14:creationId xmlns:p14="http://schemas.microsoft.com/office/powerpoint/2010/main" val="806160300"/>
+        <p14:creationId xmlns:p14="http://schemas.microsoft.com/office/powerpoint/2010/main" val="2254424684"/>
       </p:ext>
     </p:extLst>
   </p:cSld>
@@ -832,21 +901,122 @@
           <a:lstStyle/>
           <a:p>
             <a:r>
+              <a:rPr lang="zh-CN" altLang="en-US" dirty="0"/>
+              <a:t>符号用于记录词法单元的各种属性，是符号表的基本组成部分。符号的内部结构如下图所示。</a:t>
+            </a:r>
+            <a:endParaRPr lang="en-US" altLang="zh-CN" dirty="0"/>
+          </a:p>
+          <a:p>
+            <a:r>
               <a:rPr lang="en-US" altLang="zh-CN" dirty="0"/>
-              <a:t>addr1</a:t>
+              <a:t>argsType</a:t>
             </a:r>
             <a:r>
               <a:rPr lang="zh-CN" altLang="en-US" dirty="0"/>
-              <a:t>和</a:t>
-            </a:r>
+              <a:t> 是函数各个参数的类型，用于语法分析中函数调用时进行类型匹配</a:t>
+            </a:r>
+            <a:endParaRPr lang="en-US" altLang="zh-CN" dirty="0"/>
+          </a:p>
+          <a:p>
             <a:r>
               <a:rPr lang="en-US" altLang="zh-CN" dirty="0"/>
-              <a:t>addr2</a:t>
+              <a:t>scope </a:t>
             </a:r>
             <a:r>
               <a:rPr lang="zh-CN" altLang="en-US" dirty="0"/>
-              <a:t>都需要回填</a:t>
-            </a:r>
+              <a:t>记录符号所处的作用域</a:t>
+            </a:r>
+            <a:endParaRPr lang="en-US" altLang="zh-CN" dirty="0"/>
+          </a:p>
+          <a:p>
+            <a:r>
+              <a:rPr lang="en-US" altLang="zh-CN" dirty="0"/>
+              <a:t>type </a:t>
+            </a:r>
+            <a:r>
+              <a:rPr lang="zh-CN" altLang="en-US" dirty="0"/>
+              <a:t>记录符号的类型，如自定义标识符</a:t>
+            </a:r>
+            <a:r>
+              <a:rPr lang="en-US" altLang="zh-CN" dirty="0"/>
+              <a:t>ID</a:t>
+            </a:r>
+            <a:r>
+              <a:rPr lang="zh-CN" altLang="en-US" dirty="0"/>
+              <a:t>、关键字</a:t>
+            </a:r>
+            <a:r>
+              <a:rPr lang="en-US" altLang="zh-CN" dirty="0"/>
+              <a:t>IF</a:t>
+            </a:r>
+            <a:r>
+              <a:rPr lang="zh-CN" altLang="en-US" dirty="0"/>
+              <a:t>等</a:t>
+            </a:r>
+            <a:endParaRPr lang="en-US" altLang="zh-CN" dirty="0"/>
+          </a:p>
+          <a:p>
+            <a:r>
+              <a:rPr lang="en-US" altLang="zh-CN" dirty="0"/>
+              <a:t>name </a:t>
+            </a:r>
+            <a:r>
+              <a:rPr lang="zh-CN" altLang="en-US" dirty="0"/>
+              <a:t>是符号的名字</a:t>
+            </a:r>
+            <a:endParaRPr lang="en-US" altLang="zh-CN" dirty="0"/>
+          </a:p>
+          <a:p>
+            <a:r>
+              <a:rPr lang="en-US" altLang="zh-CN" dirty="0"/>
+              <a:t>hash </a:t>
+            </a:r>
+            <a:r>
+              <a:rPr lang="zh-CN" altLang="en-US" dirty="0"/>
+              <a:t>是符号名字的</a:t>
+            </a:r>
+            <a:r>
+              <a:rPr lang="en-US" altLang="zh-CN" dirty="0"/>
+              <a:t>hash</a:t>
+            </a:r>
+            <a:r>
+              <a:rPr lang="zh-CN" altLang="en-US" dirty="0"/>
+              <a:t>值，用于优化符号表的查找速度</a:t>
+            </a:r>
+            <a:endParaRPr lang="en-US" altLang="zh-CN" dirty="0"/>
+          </a:p>
+          <a:p>
+            <a:r>
+              <a:rPr lang="en-US" altLang="zh-CN" dirty="0"/>
+              <a:t>class </a:t>
+            </a:r>
+            <a:r>
+              <a:rPr lang="zh-CN" altLang="en-US" dirty="0"/>
+              <a:t>是符号的种类，用于区分全局变量、局部变量、函数等</a:t>
+            </a:r>
+            <a:endParaRPr lang="en-US" altLang="zh-CN" dirty="0"/>
+          </a:p>
+          <a:p>
+            <a:r>
+              <a:rPr lang="en-US" altLang="zh-CN" dirty="0"/>
+              <a:t>dataType </a:t>
+            </a:r>
+            <a:r>
+              <a:rPr lang="zh-CN" altLang="en-US" dirty="0"/>
+              <a:t>记录符号的数据类型</a:t>
+            </a:r>
+            <a:endParaRPr lang="en-US" altLang="zh-CN" dirty="0"/>
+          </a:p>
+          <a:p>
+            <a:r>
+              <a:rPr lang="en-US" altLang="zh-CN" dirty="0"/>
+              <a:t>value </a:t>
+            </a:r>
+            <a:r>
+              <a:rPr lang="zh-CN" altLang="en-US" dirty="0"/>
+              <a:t>记录符号的值</a:t>
+            </a:r>
+            <a:endParaRPr lang="en-US" altLang="zh-CN" dirty="0"/>
           </a:p>
         </p:txBody>
       </p:sp>
@@ -867,7 +1037,7 @@
           <a:p>
             <a:fld id="{3ABA94C9-7537-42BE-891E-274805ED764D}" type="slidenum">
               <a:rPr lang="zh-CN" altLang="en-US" smtClean="0"/>
-              <a:t>20</a:t>
+              <a:t>12</a:t>
             </a:fld>
             <a:endParaRPr lang="zh-CN" altLang="en-US"/>
           </a:p>
@@ -876,7 +1046,7 @@
     </p:spTree>
     <p:extLst>
       <p:ext uri="{BB962C8B-B14F-4D97-AF65-F5344CB8AC3E}">
-        <p14:creationId xmlns:p14="http://schemas.microsoft.com/office/powerpoint/2010/main" val="3136735200"/>
+        <p14:creationId xmlns:p14="http://schemas.microsoft.com/office/powerpoint/2010/main" val="3923077799"/>
       </p:ext>
     </p:extLst>
   </p:cSld>
@@ -932,16 +1102,80 @@
           <a:p>
             <a:r>
               <a:rPr lang="zh-CN" altLang="en-US" dirty="0"/>
-              <a:t>目标代码展示 </a:t>
-            </a:r>
+              <a:t>符号表用于。。。下面是符号表的内部结构</a:t>
+            </a:r>
+            <a:endParaRPr lang="en-US" altLang="zh-CN" dirty="0"/>
+          </a:p>
+          <a:p>
             <a:r>
               <a:rPr lang="en-US" altLang="zh-CN" dirty="0"/>
-              <a:t>if </a:t>
+              <a:t>table</a:t>
             </a:r>
             <a:r>
               <a:rPr lang="zh-CN" altLang="en-US" dirty="0"/>
-              <a:t>语句的</a:t>
-            </a:r>
+              <a:t> 是符号的列表，存储产生的所有符号</a:t>
+            </a:r>
+            <a:endParaRPr lang="en-US" altLang="zh-CN" dirty="0"/>
+          </a:p>
+          <a:p>
+            <a:r>
+              <a:rPr lang="en-US" altLang="zh-CN" dirty="0"/>
+              <a:t>scope </a:t>
+            </a:r>
+            <a:r>
+              <a:rPr lang="zh-CN" altLang="en-US" dirty="0"/>
+              <a:t>记录解析过程所在的作用域</a:t>
+            </a:r>
+            <a:endParaRPr lang="en-US" altLang="zh-CN" dirty="0"/>
+          </a:p>
+          <a:p>
+            <a:r>
+              <a:rPr lang="en-US" altLang="zh-CN" dirty="0"/>
+              <a:t>mainIndex </a:t>
+            </a:r>
+            <a:r>
+              <a:rPr lang="zh-CN" altLang="en-US" dirty="0"/>
+              <a:t>记录</a:t>
+            </a:r>
+            <a:r>
+              <a:rPr lang="en-US" altLang="zh-CN" dirty="0"/>
+              <a:t>main</a:t>
+            </a:r>
+            <a:r>
+              <a:rPr lang="zh-CN" altLang="en-US" dirty="0"/>
+              <a:t>符号在</a:t>
+            </a:r>
+            <a:r>
+              <a:rPr lang="en-US" altLang="zh-CN" dirty="0"/>
+              <a:t>table</a:t>
+            </a:r>
+            <a:r>
+              <a:rPr lang="zh-CN" altLang="en-US" dirty="0"/>
+              <a:t>中的位置，便于编译结束后设置虚拟机中 </a:t>
+            </a:r>
+            <a:r>
+              <a:rPr lang="en-US" altLang="zh-CN" dirty="0"/>
+              <a:t>pc </a:t>
+            </a:r>
+            <a:r>
+              <a:rPr lang="zh-CN" altLang="en-US" dirty="0"/>
+              <a:t>寄存器的值</a:t>
+            </a:r>
+            <a:endParaRPr lang="en-US" altLang="zh-CN" dirty="0"/>
+          </a:p>
+          <a:p>
+            <a:r>
+              <a:rPr lang="en-US" altLang="zh-CN" dirty="0"/>
+              <a:t>scopeIndex </a:t>
+            </a:r>
+            <a:r>
+              <a:rPr lang="zh-CN" altLang="en-US" dirty="0"/>
+              <a:t>记录当前作用域的编号</a:t>
+            </a:r>
+            <a:endParaRPr lang="en-US" altLang="zh-CN" dirty="0"/>
+          </a:p>
+          <a:p>
+            <a:endParaRPr lang="en-US" altLang="zh-CN" dirty="0"/>
           </a:p>
         </p:txBody>
       </p:sp>
@@ -962,7 +1196,7 @@
           <a:p>
             <a:fld id="{3ABA94C9-7537-42BE-891E-274805ED764D}" type="slidenum">
               <a:rPr lang="zh-CN" altLang="en-US" smtClean="0"/>
-              <a:t>24</a:t>
+              <a:t>13</a:t>
             </a:fld>
             <a:endParaRPr lang="zh-CN" altLang="en-US"/>
           </a:p>
@@ -971,7 +1205,7 @@
     </p:spTree>
     <p:extLst>
       <p:ext uri="{BB962C8B-B14F-4D97-AF65-F5344CB8AC3E}">
-        <p14:creationId xmlns:p14="http://schemas.microsoft.com/office/powerpoint/2010/main" val="2190781021"/>
+        <p14:creationId xmlns:p14="http://schemas.microsoft.com/office/powerpoint/2010/main" val="2337278183"/>
       </p:ext>
     </p:extLst>
   </p:cSld>
@@ -1027,16 +1261,25 @@
           <a:p>
             <a:r>
               <a:rPr lang="zh-CN" altLang="en-US" dirty="0"/>
-              <a:t>目标代码展示 </a:t>
+              <a:t>嵌套作用域可以通过 </a:t>
             </a:r>
             <a:r>
               <a:rPr lang="en-US" altLang="zh-CN" dirty="0"/>
-              <a:t>if </a:t>
+              <a:t>scopeIndex </a:t>
             </a:r>
             <a:r>
               <a:rPr lang="zh-CN" altLang="en-US" dirty="0"/>
-              <a:t>语句的</a:t>
-            </a:r>
+              <a:t>和</a:t>
+            </a:r>
+            <a:r>
+              <a:rPr lang="en-US" altLang="zh-CN" dirty="0"/>
+              <a:t> scope </a:t>
+            </a:r>
+            <a:r>
+              <a:rPr lang="zh-CN" altLang="en-US" dirty="0"/>
+              <a:t>来实现。实现方式如下：。。。下面是实现嵌套作用域的示例</a:t>
+            </a:r>
+            <a:endParaRPr lang="en-US" altLang="zh-CN" dirty="0"/>
           </a:p>
         </p:txBody>
       </p:sp>
@@ -1057,7 +1300,7 @@
           <a:p>
             <a:fld id="{3ABA94C9-7537-42BE-891E-274805ED764D}" type="slidenum">
               <a:rPr lang="zh-CN" altLang="en-US" smtClean="0"/>
-              <a:t>25</a:t>
+              <a:t>14</a:t>
             </a:fld>
             <a:endParaRPr lang="zh-CN" altLang="en-US"/>
           </a:p>
@@ -1066,7 +1309,715 @@
     </p:spTree>
     <p:extLst>
       <p:ext uri="{BB962C8B-B14F-4D97-AF65-F5344CB8AC3E}">
-        <p14:creationId xmlns:p14="http://schemas.microsoft.com/office/powerpoint/2010/main" val="926158638"/>
+        <p14:creationId xmlns:p14="http://schemas.microsoft.com/office/powerpoint/2010/main" val="2397539089"/>
+      </p:ext>
+    </p:extLst>
+  </p:cSld>
+  <p:clrMapOvr>
+    <a:masterClrMapping/>
+  </p:clrMapOvr>
+</p:notes>
+</file>
+
+<file path=ppt/notesSlides/notesSlide15.xml><?xml version="1.0" encoding="utf-8"?>
+<p:notes xmlns:a="http://schemas.openxmlformats.org/drawingml/2006/main" xmlns:r="http://schemas.openxmlformats.org/officeDocument/2006/relationships" xmlns:p="http://schemas.openxmlformats.org/presentationml/2006/main">
+  <p:cSld>
+    <p:spTree>
+      <p:nvGrpSpPr>
+        <p:cNvPr id="1" name=""/>
+        <p:cNvGrpSpPr/>
+        <p:nvPr/>
+      </p:nvGrpSpPr>
+      <p:grpSpPr>
+        <a:xfrm>
+          <a:off x="0" y="0"/>
+          <a:ext cx="0" cy="0"/>
+          <a:chOff x="0" y="0"/>
+          <a:chExt cx="0" cy="0"/>
+        </a:xfrm>
+      </p:grpSpPr>
+      <p:sp>
+        <p:nvSpPr>
+          <p:cNvPr id="2" name="幻灯片图像占位符 1"/>
+          <p:cNvSpPr>
+            <a:spLocks noGrp="1" noRot="1" noChangeAspect="1"/>
+          </p:cNvSpPr>
+          <p:nvPr>
+            <p:ph type="sldImg"/>
+          </p:nvPr>
+        </p:nvSpPr>
+        <p:spPr/>
+      </p:sp>
+      <p:sp>
+        <p:nvSpPr>
+          <p:cNvPr id="3" name="备注占位符 2"/>
+          <p:cNvSpPr>
+            <a:spLocks noGrp="1"/>
+          </p:cNvSpPr>
+          <p:nvPr>
+            <p:ph type="body" idx="1"/>
+          </p:nvPr>
+        </p:nvSpPr>
+        <p:spPr/>
+        <p:txBody>
+          <a:bodyPr/>
+          <a:lstStyle/>
+          <a:p>
+            <a:r>
+              <a:rPr lang="zh-CN" altLang="en-US" dirty="0"/>
+              <a:t>。。。</a:t>
+            </a:r>
+            <a:endParaRPr lang="en-US" altLang="zh-CN" dirty="0"/>
+          </a:p>
+          <a:p>
+            <a:r>
+              <a:rPr lang="zh-CN" altLang="en-US" dirty="0"/>
+              <a:t>解析模块需要词法单元时，就调用词法分析子程序拉取词法单元。</a:t>
+            </a:r>
+            <a:endParaRPr lang="en-US" altLang="zh-CN" dirty="0"/>
+          </a:p>
+          <a:p>
+            <a:r>
+              <a:rPr lang="zh-CN" altLang="en-US" dirty="0"/>
+              <a:t>右边是解析模块的内部结构。</a:t>
+            </a:r>
+            <a:r>
+              <a:rPr lang="en-US" altLang="zh-CN" dirty="0"/>
+              <a:t>lexer </a:t>
+            </a:r>
+            <a:r>
+              <a:rPr lang="zh-CN" altLang="en-US" dirty="0"/>
+              <a:t>是词法分析器的指针，</a:t>
+            </a:r>
+            <a:r>
+              <a:rPr lang="en-US" altLang="zh-CN" dirty="0"/>
+              <a:t>table</a:t>
+            </a:r>
+            <a:r>
+              <a:rPr lang="zh-CN" altLang="en-US" dirty="0"/>
+              <a:t> 是符号表的指针，</a:t>
+            </a:r>
+            <a:r>
+              <a:rPr lang="en-US" altLang="zh-CN" dirty="0"/>
+              <a:t>vm </a:t>
+            </a:r>
+            <a:r>
+              <a:rPr lang="zh-CN" altLang="en-US" dirty="0"/>
+              <a:t>是虚拟机的指针。</a:t>
+            </a:r>
+            <a:endParaRPr lang="en-US" altLang="zh-CN" dirty="0"/>
+          </a:p>
+          <a:p>
+            <a:r>
+              <a:rPr lang="en-US" altLang="zh-CN" dirty="0"/>
+              <a:t>tokenInfo </a:t>
+            </a:r>
+            <a:r>
+              <a:rPr lang="zh-CN" altLang="en-US" dirty="0"/>
+              <a:t>记录获取到的词法单元，</a:t>
+            </a:r>
+            <a:r>
+              <a:rPr lang="en-US" altLang="zh-CN" dirty="0"/>
+              <a:t>baseType </a:t>
+            </a:r>
+            <a:r>
+              <a:rPr lang="zh-CN" altLang="en-US" dirty="0"/>
+              <a:t>记录变量定义中的类型，</a:t>
+            </a:r>
+            <a:r>
+              <a:rPr lang="en-US" altLang="zh-CN" dirty="0"/>
+              <a:t>exprType </a:t>
+            </a:r>
+            <a:r>
+              <a:rPr lang="zh-CN" altLang="en-US" dirty="0"/>
+              <a:t>记录表达式的类型， </a:t>
+            </a:r>
+            <a:r>
+              <a:rPr lang="en-US" altLang="zh-CN" dirty="0"/>
+              <a:t>indexOfBP </a:t>
+            </a:r>
+            <a:r>
+              <a:rPr lang="zh-CN" altLang="en-US" dirty="0"/>
+              <a:t>记录变量相对于 </a:t>
+            </a:r>
+            <a:r>
+              <a:rPr lang="en-US" altLang="zh-CN" dirty="0"/>
+              <a:t>bp </a:t>
+            </a:r>
+            <a:r>
+              <a:rPr lang="zh-CN" altLang="en-US" dirty="0"/>
+              <a:t>寄存器的位置。</a:t>
+            </a:r>
+          </a:p>
+        </p:txBody>
+      </p:sp>
+      <p:sp>
+        <p:nvSpPr>
+          <p:cNvPr id="4" name="灯片编号占位符 3"/>
+          <p:cNvSpPr>
+            <a:spLocks noGrp="1"/>
+          </p:cNvSpPr>
+          <p:nvPr>
+            <p:ph type="sldNum" sz="quarter" idx="10"/>
+          </p:nvPr>
+        </p:nvSpPr>
+        <p:spPr/>
+        <p:txBody>
+          <a:bodyPr/>
+          <a:lstStyle/>
+          <a:p>
+            <a:fld id="{3ABA94C9-7537-42BE-891E-274805ED764D}" type="slidenum">
+              <a:rPr lang="zh-CN" altLang="en-US" smtClean="0"/>
+              <a:t>15</a:t>
+            </a:fld>
+            <a:endParaRPr lang="zh-CN" altLang="en-US"/>
+          </a:p>
+        </p:txBody>
+      </p:sp>
+    </p:spTree>
+    <p:extLst>
+      <p:ext uri="{BB962C8B-B14F-4D97-AF65-F5344CB8AC3E}">
+        <p14:creationId xmlns:p14="http://schemas.microsoft.com/office/powerpoint/2010/main" val="3969681576"/>
+      </p:ext>
+    </p:extLst>
+  </p:cSld>
+  <p:clrMapOvr>
+    <a:masterClrMapping/>
+  </p:clrMapOvr>
+</p:notes>
+</file>
+
+<file path=ppt/notesSlides/notesSlide16.xml><?xml version="1.0" encoding="utf-8"?>
+<p:notes xmlns:a="http://schemas.openxmlformats.org/drawingml/2006/main" xmlns:r="http://schemas.openxmlformats.org/officeDocument/2006/relationships" xmlns:p="http://schemas.openxmlformats.org/presentationml/2006/main">
+  <p:cSld>
+    <p:spTree>
+      <p:nvGrpSpPr>
+        <p:cNvPr id="1" name=""/>
+        <p:cNvGrpSpPr/>
+        <p:nvPr/>
+      </p:nvGrpSpPr>
+      <p:grpSpPr>
+        <a:xfrm>
+          <a:off x="0" y="0"/>
+          <a:ext cx="0" cy="0"/>
+          <a:chOff x="0" y="0"/>
+          <a:chExt cx="0" cy="0"/>
+        </a:xfrm>
+      </p:grpSpPr>
+      <p:sp>
+        <p:nvSpPr>
+          <p:cNvPr id="2" name="幻灯片图像占位符 1"/>
+          <p:cNvSpPr>
+            <a:spLocks noGrp="1" noRot="1" noChangeAspect="1"/>
+          </p:cNvSpPr>
+          <p:nvPr>
+            <p:ph type="sldImg"/>
+          </p:nvPr>
+        </p:nvSpPr>
+        <p:spPr/>
+      </p:sp>
+      <p:sp>
+        <p:nvSpPr>
+          <p:cNvPr id="3" name="备注占位符 2"/>
+          <p:cNvSpPr>
+            <a:spLocks noGrp="1"/>
+          </p:cNvSpPr>
+          <p:nvPr>
+            <p:ph type="body" idx="1"/>
+          </p:nvPr>
+        </p:nvSpPr>
+        <p:spPr/>
+        <p:txBody>
+          <a:bodyPr/>
+          <a:lstStyle/>
+          <a:p>
+            <a:r>
+              <a:rPr lang="zh-CN" altLang="en-US" dirty="0"/>
+              <a:t>语法分析部分采用递归下降法实现。。。</a:t>
+            </a:r>
+          </a:p>
+        </p:txBody>
+      </p:sp>
+      <p:sp>
+        <p:nvSpPr>
+          <p:cNvPr id="4" name="灯片编号占位符 3"/>
+          <p:cNvSpPr>
+            <a:spLocks noGrp="1"/>
+          </p:cNvSpPr>
+          <p:nvPr>
+            <p:ph type="sldNum" sz="quarter" idx="10"/>
+          </p:nvPr>
+        </p:nvSpPr>
+        <p:spPr/>
+        <p:txBody>
+          <a:bodyPr/>
+          <a:lstStyle/>
+          <a:p>
+            <a:fld id="{3ABA94C9-7537-42BE-891E-274805ED764D}" type="slidenum">
+              <a:rPr lang="zh-CN" altLang="en-US" smtClean="0"/>
+              <a:t>16</a:t>
+            </a:fld>
+            <a:endParaRPr lang="zh-CN" altLang="en-US"/>
+          </a:p>
+        </p:txBody>
+      </p:sp>
+    </p:spTree>
+    <p:extLst>
+      <p:ext uri="{BB962C8B-B14F-4D97-AF65-F5344CB8AC3E}">
+        <p14:creationId xmlns:p14="http://schemas.microsoft.com/office/powerpoint/2010/main" val="304178215"/>
+      </p:ext>
+    </p:extLst>
+  </p:cSld>
+  <p:clrMapOvr>
+    <a:masterClrMapping/>
+  </p:clrMapOvr>
+</p:notes>
+</file>
+
+<file path=ppt/notesSlides/notesSlide17.xml><?xml version="1.0" encoding="utf-8"?>
+<p:notes xmlns:a="http://schemas.openxmlformats.org/drawingml/2006/main" xmlns:r="http://schemas.openxmlformats.org/officeDocument/2006/relationships" xmlns:p="http://schemas.openxmlformats.org/presentationml/2006/main">
+  <p:cSld>
+    <p:spTree>
+      <p:nvGrpSpPr>
+        <p:cNvPr id="1" name=""/>
+        <p:cNvGrpSpPr/>
+        <p:nvPr/>
+      </p:nvGrpSpPr>
+      <p:grpSpPr>
+        <a:xfrm>
+          <a:off x="0" y="0"/>
+          <a:ext cx="0" cy="0"/>
+          <a:chOff x="0" y="0"/>
+          <a:chExt cx="0" cy="0"/>
+        </a:xfrm>
+      </p:grpSpPr>
+      <p:sp>
+        <p:nvSpPr>
+          <p:cNvPr id="2" name="幻灯片图像占位符 1"/>
+          <p:cNvSpPr>
+            <a:spLocks noGrp="1" noRot="1" noChangeAspect="1"/>
+          </p:cNvSpPr>
+          <p:nvPr>
+            <p:ph type="sldImg"/>
+          </p:nvPr>
+        </p:nvSpPr>
+        <p:spPr/>
+      </p:sp>
+      <p:sp>
+        <p:nvSpPr>
+          <p:cNvPr id="3" name="备注占位符 2"/>
+          <p:cNvSpPr>
+            <a:spLocks noGrp="1"/>
+          </p:cNvSpPr>
+          <p:nvPr>
+            <p:ph type="body" idx="1"/>
+          </p:nvPr>
+        </p:nvSpPr>
+        <p:spPr/>
+        <p:txBody>
+          <a:bodyPr/>
+          <a:lstStyle/>
+          <a:p>
+            <a:r>
+              <a:rPr lang="zh-CN" altLang="en-US" dirty="0"/>
+              <a:t>。。。</a:t>
+            </a:r>
+            <a:endParaRPr lang="en-US" altLang="zh-CN" dirty="0"/>
+          </a:p>
+          <a:p>
+            <a:r>
+              <a:rPr lang="zh-CN" altLang="en-US" dirty="0"/>
+              <a:t>文法定义中，复制表达式由两个 </a:t>
+            </a:r>
+            <a:r>
+              <a:rPr lang="en-US" altLang="zh-CN" dirty="0"/>
+              <a:t>or </a:t>
+            </a:r>
+            <a:r>
+              <a:rPr lang="zh-CN" altLang="en-US" dirty="0"/>
+              <a:t>表达式组成</a:t>
+            </a:r>
+            <a:endParaRPr lang="en-US" altLang="zh-CN" dirty="0"/>
+          </a:p>
+          <a:p>
+            <a:r>
+              <a:rPr lang="zh-CN" altLang="en-US" dirty="0"/>
+              <a:t>首先匹配一个或表达式，解析出</a:t>
+            </a:r>
+            <a:r>
+              <a:rPr lang="en-US" altLang="zh-CN" dirty="0"/>
+              <a:t> a</a:t>
+            </a:r>
+            <a:r>
+              <a:rPr lang="zh-CN" altLang="en-US" dirty="0"/>
+              <a:t>，并用 </a:t>
+            </a:r>
+            <a:r>
+              <a:rPr lang="en-US" altLang="zh-CN" dirty="0" err="1"/>
+              <a:t>tempType</a:t>
+            </a:r>
+            <a:r>
+              <a:rPr lang="en-US" altLang="zh-CN" dirty="0"/>
+              <a:t> </a:t>
+            </a:r>
+            <a:r>
+              <a:rPr lang="zh-CN" altLang="en-US" dirty="0"/>
+              <a:t>记录其类型，然后匹配一个等于符号</a:t>
+            </a:r>
+            <a:endParaRPr lang="en-US" altLang="zh-CN" dirty="0"/>
+          </a:p>
+          <a:p>
+            <a:r>
+              <a:rPr lang="zh-CN" altLang="en-US" dirty="0"/>
+              <a:t>之后再匹配一个或表达式，解析出 </a:t>
+            </a:r>
+            <a:r>
+              <a:rPr lang="en-US" altLang="zh-CN" dirty="0" err="1"/>
+              <a:t>b+c</a:t>
+            </a:r>
+            <a:r>
+              <a:rPr lang="zh-CN" altLang="en-US" dirty="0"/>
+              <a:t>，</a:t>
+            </a:r>
+            <a:r>
+              <a:rPr lang="en-US" altLang="zh-CN" dirty="0"/>
+              <a:t>exprType </a:t>
+            </a:r>
+            <a:r>
+              <a:rPr lang="zh-CN" altLang="en-US" dirty="0"/>
+              <a:t>记录其类型。</a:t>
+            </a:r>
+            <a:endParaRPr lang="en-US" altLang="zh-CN" dirty="0"/>
+          </a:p>
+          <a:p>
+            <a:r>
+              <a:rPr lang="zh-CN" altLang="en-US" dirty="0"/>
+              <a:t>最后比较两个表达式的类型，如果不相同则报 </a:t>
+            </a:r>
+            <a:r>
+              <a:rPr lang="en-US" altLang="zh-CN" dirty="0"/>
+              <a:t>WARNING</a:t>
+            </a:r>
+            <a:r>
+              <a:rPr lang="zh-CN" altLang="en-US" dirty="0"/>
+              <a:t>。</a:t>
+            </a:r>
+            <a:endParaRPr lang="en-US" altLang="zh-CN" dirty="0"/>
+          </a:p>
+          <a:p>
+            <a:r>
+              <a:rPr lang="zh-CN" altLang="en-US" dirty="0"/>
+              <a:t>这样就实现了表达式的语义分析</a:t>
+            </a:r>
+            <a:endParaRPr lang="en-US" altLang="zh-CN" dirty="0"/>
+          </a:p>
+        </p:txBody>
+      </p:sp>
+      <p:sp>
+        <p:nvSpPr>
+          <p:cNvPr id="4" name="灯片编号占位符 3"/>
+          <p:cNvSpPr>
+            <a:spLocks noGrp="1"/>
+          </p:cNvSpPr>
+          <p:nvPr>
+            <p:ph type="sldNum" sz="quarter" idx="10"/>
+          </p:nvPr>
+        </p:nvSpPr>
+        <p:spPr/>
+        <p:txBody>
+          <a:bodyPr/>
+          <a:lstStyle/>
+          <a:p>
+            <a:fld id="{3ABA94C9-7537-42BE-891E-274805ED764D}" type="slidenum">
+              <a:rPr lang="zh-CN" altLang="en-US" smtClean="0"/>
+              <a:t>17</a:t>
+            </a:fld>
+            <a:endParaRPr lang="zh-CN" altLang="en-US"/>
+          </a:p>
+        </p:txBody>
+      </p:sp>
+    </p:spTree>
+    <p:extLst>
+      <p:ext uri="{BB962C8B-B14F-4D97-AF65-F5344CB8AC3E}">
+        <p14:creationId xmlns:p14="http://schemas.microsoft.com/office/powerpoint/2010/main" val="3503763728"/>
+      </p:ext>
+    </p:extLst>
+  </p:cSld>
+  <p:clrMapOvr>
+    <a:masterClrMapping/>
+  </p:clrMapOvr>
+</p:notes>
+</file>
+
+<file path=ppt/notesSlides/notesSlide18.xml><?xml version="1.0" encoding="utf-8"?>
+<p:notes xmlns:a="http://schemas.openxmlformats.org/drawingml/2006/main" xmlns:r="http://schemas.openxmlformats.org/officeDocument/2006/relationships" xmlns:p="http://schemas.openxmlformats.org/presentationml/2006/main">
+  <p:cSld>
+    <p:spTree>
+      <p:nvGrpSpPr>
+        <p:cNvPr id="1" name=""/>
+        <p:cNvGrpSpPr/>
+        <p:nvPr/>
+      </p:nvGrpSpPr>
+      <p:grpSpPr>
+        <a:xfrm>
+          <a:off x="0" y="0"/>
+          <a:ext cx="0" cy="0"/>
+          <a:chOff x="0" y="0"/>
+          <a:chExt cx="0" cy="0"/>
+        </a:xfrm>
+      </p:grpSpPr>
+      <p:sp>
+        <p:nvSpPr>
+          <p:cNvPr id="2" name="幻灯片图像占位符 1"/>
+          <p:cNvSpPr>
+            <a:spLocks noGrp="1" noRot="1" noChangeAspect="1"/>
+          </p:cNvSpPr>
+          <p:nvPr>
+            <p:ph type="sldImg"/>
+          </p:nvPr>
+        </p:nvSpPr>
+        <p:spPr/>
+      </p:sp>
+      <p:sp>
+        <p:nvSpPr>
+          <p:cNvPr id="3" name="备注占位符 2"/>
+          <p:cNvSpPr>
+            <a:spLocks noGrp="1"/>
+          </p:cNvSpPr>
+          <p:nvPr>
+            <p:ph type="body" idx="1"/>
+          </p:nvPr>
+        </p:nvSpPr>
+        <p:spPr/>
+        <p:txBody>
+          <a:bodyPr/>
+          <a:lstStyle/>
+          <a:p>
+            <a:r>
+              <a:rPr lang="zh-CN" altLang="en-US" dirty="0"/>
+              <a:t>。。。</a:t>
+            </a:r>
+            <a:endParaRPr lang="en-US" altLang="zh-CN" dirty="0"/>
+          </a:p>
+          <a:p>
+            <a:pPr marL="228600" indent="-228600">
+              <a:buAutoNum type="arabicPeriod"/>
+            </a:pPr>
+            <a:r>
+              <a:rPr lang="en-US" altLang="zh-CN" dirty="0"/>
+              <a:t>vm : stack</a:t>
+            </a:r>
+          </a:p>
+          <a:p>
+            <a:pPr marL="228600" indent="-228600">
+              <a:buAutoNum type="arabicPeriod"/>
+            </a:pPr>
+            <a:r>
+              <a:rPr lang="zh-CN" altLang="en-US" dirty="0"/>
+              <a:t>讲述栈帧结构</a:t>
+            </a:r>
+            <a:endParaRPr lang="en-US" altLang="zh-CN" dirty="0"/>
+          </a:p>
+          <a:p>
+            <a:pPr marL="0" indent="0">
+              <a:buNone/>
+            </a:pPr>
+            <a:endParaRPr lang="en-US" altLang="zh-CN" dirty="0"/>
+          </a:p>
+          <a:p>
+            <a:pPr marL="0" indent="0">
+              <a:buNone/>
+            </a:pPr>
+            <a:endParaRPr lang="zh-CN" altLang="en-US" dirty="0"/>
+          </a:p>
+        </p:txBody>
+      </p:sp>
+      <p:sp>
+        <p:nvSpPr>
+          <p:cNvPr id="4" name="灯片编号占位符 3"/>
+          <p:cNvSpPr>
+            <a:spLocks noGrp="1"/>
+          </p:cNvSpPr>
+          <p:nvPr>
+            <p:ph type="sldNum" sz="quarter" idx="10"/>
+          </p:nvPr>
+        </p:nvSpPr>
+        <p:spPr/>
+        <p:txBody>
+          <a:bodyPr/>
+          <a:lstStyle/>
+          <a:p>
+            <a:fld id="{3ABA94C9-7537-42BE-891E-274805ED764D}" type="slidenum">
+              <a:rPr lang="zh-CN" altLang="en-US" smtClean="0"/>
+              <a:t>18</a:t>
+            </a:fld>
+            <a:endParaRPr lang="zh-CN" altLang="en-US"/>
+          </a:p>
+        </p:txBody>
+      </p:sp>
+    </p:spTree>
+    <p:extLst>
+      <p:ext uri="{BB962C8B-B14F-4D97-AF65-F5344CB8AC3E}">
+        <p14:creationId xmlns:p14="http://schemas.microsoft.com/office/powerpoint/2010/main" val="2642900814"/>
+      </p:ext>
+    </p:extLst>
+  </p:cSld>
+  <p:clrMapOvr>
+    <a:masterClrMapping/>
+  </p:clrMapOvr>
+</p:notes>
+</file>
+
+<file path=ppt/notesSlides/notesSlide19.xml><?xml version="1.0" encoding="utf-8"?>
+<p:notes xmlns:a="http://schemas.openxmlformats.org/drawingml/2006/main" xmlns:r="http://schemas.openxmlformats.org/officeDocument/2006/relationships" xmlns:p="http://schemas.openxmlformats.org/presentationml/2006/main">
+  <p:cSld>
+    <p:spTree>
+      <p:nvGrpSpPr>
+        <p:cNvPr id="1" name=""/>
+        <p:cNvGrpSpPr/>
+        <p:nvPr/>
+      </p:nvGrpSpPr>
+      <p:grpSpPr>
+        <a:xfrm>
+          <a:off x="0" y="0"/>
+          <a:ext cx="0" cy="0"/>
+          <a:chOff x="0" y="0"/>
+          <a:chExt cx="0" cy="0"/>
+        </a:xfrm>
+      </p:grpSpPr>
+      <p:sp>
+        <p:nvSpPr>
+          <p:cNvPr id="2" name="幻灯片图像占位符 1"/>
+          <p:cNvSpPr>
+            <a:spLocks noGrp="1" noRot="1" noChangeAspect="1"/>
+          </p:cNvSpPr>
+          <p:nvPr>
+            <p:ph type="sldImg"/>
+          </p:nvPr>
+        </p:nvSpPr>
+        <p:spPr/>
+      </p:sp>
+      <p:sp>
+        <p:nvSpPr>
+          <p:cNvPr id="3" name="备注占位符 2"/>
+          <p:cNvSpPr>
+            <a:spLocks noGrp="1"/>
+          </p:cNvSpPr>
+          <p:nvPr>
+            <p:ph type="body" idx="1"/>
+          </p:nvPr>
+        </p:nvSpPr>
+        <p:spPr/>
+        <p:txBody>
+          <a:bodyPr/>
+          <a:lstStyle/>
+          <a:p>
+            <a:r>
+              <a:rPr lang="zh-CN" altLang="en-US" dirty="0"/>
+              <a:t>。。。</a:t>
+            </a:r>
+            <a:endParaRPr lang="en-US" altLang="zh-CN" dirty="0"/>
+          </a:p>
+          <a:p>
+            <a:r>
+              <a:rPr lang="zh-CN" altLang="en-US" dirty="0"/>
+              <a:t>函数定义。。。生成的目标代码是右边的图，</a:t>
+            </a:r>
+            <a:endParaRPr lang="en-US" altLang="zh-CN" dirty="0"/>
+          </a:p>
+          <a:p>
+            <a:r>
+              <a:rPr lang="en-US" altLang="zh-CN" dirty="0"/>
+              <a:t>1.</a:t>
+            </a:r>
+            <a:r>
+              <a:rPr lang="zh-CN" altLang="en-US" dirty="0"/>
+              <a:t> </a:t>
+            </a:r>
+            <a:r>
+              <a:rPr lang="en-US" altLang="zh-CN" dirty="0"/>
+              <a:t>vm : text</a:t>
+            </a:r>
+          </a:p>
+          <a:p>
+            <a:pPr marL="0" indent="0">
+              <a:buNone/>
+            </a:pPr>
+            <a:r>
+              <a:rPr lang="en-US" altLang="zh-CN" dirty="0"/>
+              <a:t>2. ENT 2</a:t>
+            </a:r>
+          </a:p>
+          <a:p>
+            <a:pPr marL="0" indent="0">
+              <a:buNone/>
+            </a:pPr>
+            <a:r>
+              <a:rPr lang="en-US" altLang="zh-CN" dirty="0"/>
+              <a:t>3. LEV</a:t>
+            </a:r>
+          </a:p>
+          <a:p>
+            <a:pPr marL="0" indent="0">
+              <a:buNone/>
+            </a:pPr>
+            <a:r>
+              <a:rPr lang="en-US" altLang="zh-CN" dirty="0"/>
+              <a:t>4. CALL 0xAAAA</a:t>
+            </a:r>
+          </a:p>
+          <a:p>
+            <a:pPr marL="0" indent="0">
+              <a:buNone/>
+            </a:pPr>
+            <a:r>
+              <a:rPr lang="en-US" altLang="zh-CN" dirty="0"/>
+              <a:t>5. ADJ 2</a:t>
+            </a:r>
+          </a:p>
+          <a:p>
+            <a:pPr marL="0" indent="0">
+              <a:buNone/>
+            </a:pPr>
+            <a:r>
+              <a:rPr lang="en-US" altLang="zh-CN" dirty="0"/>
+              <a:t>6. </a:t>
+            </a:r>
+            <a:r>
+              <a:rPr lang="zh-CN" altLang="en-US" dirty="0"/>
+              <a:t>四条指令的解释</a:t>
+            </a:r>
+            <a:endParaRPr lang="en-US" altLang="zh-CN" dirty="0"/>
+          </a:p>
+        </p:txBody>
+      </p:sp>
+      <p:sp>
+        <p:nvSpPr>
+          <p:cNvPr id="4" name="灯片编号占位符 3"/>
+          <p:cNvSpPr>
+            <a:spLocks noGrp="1"/>
+          </p:cNvSpPr>
+          <p:nvPr>
+            <p:ph type="sldNum" sz="quarter" idx="10"/>
+          </p:nvPr>
+        </p:nvSpPr>
+        <p:spPr/>
+        <p:txBody>
+          <a:bodyPr/>
+          <a:lstStyle/>
+          <a:p>
+            <a:fld id="{3ABA94C9-7537-42BE-891E-274805ED764D}" type="slidenum">
+              <a:rPr lang="zh-CN" altLang="en-US" smtClean="0"/>
+              <a:t>19</a:t>
+            </a:fld>
+            <a:endParaRPr lang="zh-CN" altLang="en-US"/>
+          </a:p>
+        </p:txBody>
+      </p:sp>
+    </p:spTree>
+    <p:extLst>
+      <p:ext uri="{BB962C8B-B14F-4D97-AF65-F5344CB8AC3E}">
+        <p14:creationId xmlns:p14="http://schemas.microsoft.com/office/powerpoint/2010/main" val="806160300"/>
       </p:ext>
     </p:extLst>
   </p:cSld>
@@ -1122,8 +2073,140 @@
           <a:p>
             <a:r>
               <a:rPr lang="zh-CN" altLang="en-US" dirty="0"/>
-              <a:t>最后一条是和虚拟机相关</a:t>
-            </a:r>
+              <a:t>主要分为五个部分讲述。</a:t>
+            </a:r>
+            <a:endParaRPr lang="en-US" altLang="zh-CN" dirty="0"/>
+          </a:p>
+          <a:p>
+            <a:r>
+              <a:rPr lang="zh-CN" altLang="en-US" dirty="0"/>
+              <a:t>首先是</a:t>
+            </a:r>
+            <a:r>
+              <a:rPr lang="en-US" altLang="zh-CN" dirty="0"/>
+              <a:t>【</a:t>
+            </a:r>
+            <a:r>
+              <a:rPr lang="zh-CN" altLang="en-US" dirty="0"/>
+              <a:t>研究背景与意义</a:t>
+            </a:r>
+            <a:r>
+              <a:rPr lang="en-US" altLang="zh-CN" dirty="0"/>
+              <a:t>】</a:t>
+            </a:r>
+            <a:r>
+              <a:rPr lang="zh-CN" altLang="en-US" dirty="0"/>
+              <a:t>，主要讲编译器是什么，以及实现编译器的意义。</a:t>
+            </a:r>
+            <a:endParaRPr lang="en-US" altLang="zh-CN" dirty="0"/>
+          </a:p>
+          <a:p>
+            <a:r>
+              <a:rPr lang="zh-CN" altLang="en-US" dirty="0"/>
+              <a:t>然后是</a:t>
+            </a:r>
+            <a:r>
+              <a:rPr lang="en-US" altLang="zh-CN" dirty="0"/>
+              <a:t>【C--</a:t>
+            </a:r>
+            <a:r>
+              <a:rPr lang="zh-CN" altLang="en-US" dirty="0"/>
+              <a:t>语言与</a:t>
+            </a:r>
+            <a:r>
+              <a:rPr lang="en-US" altLang="zh-CN" dirty="0"/>
+              <a:t>Puppy</a:t>
+            </a:r>
+            <a:r>
+              <a:rPr lang="zh-CN" altLang="en-US" dirty="0"/>
+              <a:t>虚拟机</a:t>
+            </a:r>
+            <a:r>
+              <a:rPr lang="en-US" altLang="zh-CN" dirty="0"/>
+              <a:t>】</a:t>
+            </a:r>
+            <a:r>
+              <a:rPr lang="zh-CN" altLang="en-US" dirty="0"/>
+              <a:t>，主要描述</a:t>
+            </a:r>
+            <a:r>
+              <a:rPr lang="en-US" altLang="zh-CN" dirty="0"/>
+              <a:t>C--</a:t>
+            </a:r>
+            <a:r>
+              <a:rPr lang="zh-CN" altLang="en-US" dirty="0"/>
+              <a:t>语言支持哪些功能，以及虚拟机的内部结构</a:t>
+            </a:r>
+            <a:endParaRPr lang="en-US" altLang="zh-CN" dirty="0"/>
+          </a:p>
+          <a:p>
+            <a:r>
+              <a:rPr lang="zh-CN" altLang="en-US" dirty="0"/>
+              <a:t>然后是</a:t>
+            </a:r>
+            <a:r>
+              <a:rPr lang="en-US" altLang="zh-CN" dirty="0"/>
+              <a:t>【</a:t>
+            </a:r>
+            <a:r>
+              <a:rPr lang="zh-CN" altLang="en-US" dirty="0"/>
+              <a:t>编译器设计与实现</a:t>
+            </a:r>
+            <a:r>
+              <a:rPr lang="en-US" altLang="zh-CN" dirty="0"/>
+              <a:t>】</a:t>
+            </a:r>
+            <a:r>
+              <a:rPr lang="zh-CN" altLang="en-US" dirty="0"/>
+              <a:t>，主要讲述编译器的设计以及编译器各个模块的实现方案</a:t>
+            </a:r>
+            <a:endParaRPr lang="en-US" altLang="zh-CN" dirty="0"/>
+          </a:p>
+          <a:p>
+            <a:r>
+              <a:rPr lang="zh-CN" altLang="en-US" dirty="0"/>
+              <a:t>然后是</a:t>
+            </a:r>
+            <a:r>
+              <a:rPr lang="en-US" altLang="zh-CN" dirty="0"/>
+              <a:t>【</a:t>
+            </a:r>
+            <a:r>
+              <a:rPr lang="zh-CN" altLang="en-US" dirty="0"/>
+              <a:t>编译器演示</a:t>
+            </a:r>
+            <a:r>
+              <a:rPr lang="en-US" altLang="zh-CN" dirty="0"/>
+              <a:t>】</a:t>
+            </a:r>
+            <a:r>
+              <a:rPr lang="zh-CN" altLang="en-US" dirty="0"/>
+              <a:t>，对编译器进行实际的演示</a:t>
+            </a:r>
+            <a:endParaRPr lang="en-US" altLang="zh-CN" dirty="0"/>
+          </a:p>
+          <a:p>
+            <a:r>
+              <a:rPr lang="zh-CN" altLang="en-US" dirty="0"/>
+              <a:t>最后是</a:t>
+            </a:r>
+            <a:r>
+              <a:rPr lang="en-US" altLang="zh-CN" dirty="0"/>
+              <a:t>【</a:t>
+            </a:r>
+            <a:r>
+              <a:rPr lang="zh-CN" altLang="en-US" dirty="0"/>
+              <a:t>总结</a:t>
+            </a:r>
+            <a:r>
+              <a:rPr lang="en-US" altLang="zh-CN" dirty="0"/>
+              <a:t>】</a:t>
+            </a:r>
+            <a:r>
+              <a:rPr lang="zh-CN" altLang="en-US" dirty="0"/>
+              <a:t>，对整个论文，以及答辩进行总结</a:t>
+            </a:r>
+            <a:endParaRPr lang="en-US" altLang="zh-CN" dirty="0"/>
           </a:p>
         </p:txBody>
       </p:sp>
@@ -1144,7 +2227,7 @@
           <a:p>
             <a:fld id="{3ABA94C9-7537-42BE-891E-274805ED764D}" type="slidenum">
               <a:rPr lang="zh-CN" altLang="en-US" smtClean="0"/>
-              <a:t>4</a:t>
+              <a:t>2</a:t>
             </a:fld>
             <a:endParaRPr lang="zh-CN" altLang="en-US"/>
           </a:p>
@@ -1153,7 +2236,1148 @@
     </p:spTree>
     <p:extLst>
       <p:ext uri="{BB962C8B-B14F-4D97-AF65-F5344CB8AC3E}">
-        <p14:creationId xmlns:p14="http://schemas.microsoft.com/office/powerpoint/2010/main" val="2106889230"/>
+        <p14:creationId xmlns:p14="http://schemas.microsoft.com/office/powerpoint/2010/main" val="1372795529"/>
+      </p:ext>
+    </p:extLst>
+  </p:cSld>
+  <p:clrMapOvr>
+    <a:masterClrMapping/>
+  </p:clrMapOvr>
+</p:notes>
+</file>
+
+<file path=ppt/notesSlides/notesSlide20.xml><?xml version="1.0" encoding="utf-8"?>
+<p:notes xmlns:a="http://schemas.openxmlformats.org/drawingml/2006/main" xmlns:r="http://schemas.openxmlformats.org/officeDocument/2006/relationships" xmlns:p="http://schemas.openxmlformats.org/presentationml/2006/main">
+  <p:cSld>
+    <p:spTree>
+      <p:nvGrpSpPr>
+        <p:cNvPr id="1" name=""/>
+        <p:cNvGrpSpPr/>
+        <p:nvPr/>
+      </p:nvGrpSpPr>
+      <p:grpSpPr>
+        <a:xfrm>
+          <a:off x="0" y="0"/>
+          <a:ext cx="0" cy="0"/>
+          <a:chOff x="0" y="0"/>
+          <a:chExt cx="0" cy="0"/>
+        </a:xfrm>
+      </p:grpSpPr>
+      <p:sp>
+        <p:nvSpPr>
+          <p:cNvPr id="2" name="幻灯片图像占位符 1"/>
+          <p:cNvSpPr>
+            <a:spLocks noGrp="1" noRot="1" noChangeAspect="1"/>
+          </p:cNvSpPr>
+          <p:nvPr>
+            <p:ph type="sldImg"/>
+          </p:nvPr>
+        </p:nvSpPr>
+        <p:spPr/>
+      </p:sp>
+      <p:sp>
+        <p:nvSpPr>
+          <p:cNvPr id="3" name="备注占位符 2"/>
+          <p:cNvSpPr>
+            <a:spLocks noGrp="1"/>
+          </p:cNvSpPr>
+          <p:nvPr>
+            <p:ph type="body" idx="1"/>
+          </p:nvPr>
+        </p:nvSpPr>
+        <p:spPr/>
+        <p:txBody>
+          <a:bodyPr/>
+          <a:lstStyle/>
+          <a:p>
+            <a:r>
+              <a:rPr lang="zh-CN" altLang="en-US" dirty="0"/>
+              <a:t>。。。</a:t>
+            </a:r>
+            <a:endParaRPr lang="en-US" altLang="zh-CN" dirty="0"/>
+          </a:p>
+          <a:p>
+            <a:r>
+              <a:rPr lang="zh-CN" altLang="en-US" dirty="0"/>
+              <a:t>解析</a:t>
+            </a:r>
+            <a:r>
+              <a:rPr lang="en-US" altLang="zh-CN" dirty="0"/>
+              <a:t> if </a:t>
+            </a:r>
+            <a:r>
+              <a:rPr lang="zh-CN" altLang="en-US" dirty="0"/>
+              <a:t>语句的伪代码中，首先匹配</a:t>
+            </a:r>
+            <a:r>
+              <a:rPr lang="en-US" altLang="zh-CN" dirty="0"/>
+              <a:t> if </a:t>
+            </a:r>
+            <a:r>
+              <a:rPr lang="zh-CN" altLang="en-US" dirty="0"/>
+              <a:t>关键字，然后解析 </a:t>
+            </a:r>
+            <a:r>
+              <a:rPr lang="en-US" altLang="zh-CN" dirty="0"/>
+              <a:t>expr </a:t>
+            </a:r>
+            <a:r>
+              <a:rPr lang="zh-CN" altLang="en-US" dirty="0"/>
+              <a:t>表达式，再生成 </a:t>
+            </a:r>
+            <a:r>
+              <a:rPr lang="en-US" altLang="zh-CN" dirty="0"/>
+              <a:t>JZ </a:t>
+            </a:r>
+            <a:r>
+              <a:rPr lang="zh-CN" altLang="en-US" dirty="0"/>
+              <a:t>指令，然后解析 </a:t>
+            </a:r>
+            <a:r>
+              <a:rPr lang="en-US" altLang="zh-CN" dirty="0"/>
+              <a:t>S1</a:t>
+            </a:r>
+            <a:r>
+              <a:rPr lang="zh-CN" altLang="en-US" dirty="0"/>
+              <a:t> 语句。</a:t>
+            </a:r>
+            <a:endParaRPr lang="en-US" altLang="zh-CN" dirty="0"/>
+          </a:p>
+          <a:p>
+            <a:r>
+              <a:rPr lang="zh-CN" altLang="en-US" dirty="0"/>
+              <a:t>如果有 </a:t>
+            </a:r>
+            <a:r>
+              <a:rPr lang="en-US" altLang="zh-CN" dirty="0"/>
+              <a:t>else </a:t>
+            </a:r>
+            <a:r>
+              <a:rPr lang="zh-CN" altLang="en-US" dirty="0"/>
+              <a:t>关键字，则进入匹配 </a:t>
+            </a:r>
+            <a:r>
+              <a:rPr lang="en-US" altLang="zh-CN" dirty="0"/>
+              <a:t>else </a:t>
+            </a:r>
+            <a:r>
+              <a:rPr lang="zh-CN" altLang="en-US" dirty="0"/>
+              <a:t>关键字并生成</a:t>
+            </a:r>
+            <a:r>
+              <a:rPr lang="en-US" altLang="zh-CN" dirty="0"/>
+              <a:t>JMP</a:t>
+            </a:r>
+            <a:r>
+              <a:rPr lang="zh-CN" altLang="en-US" dirty="0"/>
+              <a:t>指令， 再解析 </a:t>
+            </a:r>
+            <a:r>
+              <a:rPr lang="en-US" altLang="zh-CN" dirty="0"/>
+              <a:t>S2 </a:t>
+            </a:r>
+            <a:r>
+              <a:rPr lang="zh-CN" altLang="en-US" dirty="0"/>
+              <a:t>语句。</a:t>
+            </a:r>
+            <a:endParaRPr lang="en-US" altLang="zh-CN" dirty="0"/>
+          </a:p>
+          <a:p>
+            <a:r>
+              <a:rPr lang="en-US" altLang="zh-CN" dirty="0"/>
+              <a:t>if </a:t>
+            </a:r>
+            <a:r>
+              <a:rPr lang="zh-CN" altLang="en-US" dirty="0"/>
+              <a:t>语句生成的目标代码结构如右图所示。</a:t>
+            </a:r>
+            <a:endParaRPr lang="en-US" altLang="zh-CN" dirty="0"/>
+          </a:p>
+          <a:p>
+            <a:r>
+              <a:rPr lang="zh-CN" altLang="en-US" dirty="0"/>
+              <a:t>首先是 </a:t>
+            </a:r>
+            <a:r>
+              <a:rPr lang="en-US" altLang="zh-CN" dirty="0"/>
+              <a:t>expr </a:t>
+            </a:r>
+            <a:r>
+              <a:rPr lang="zh-CN" altLang="en-US" dirty="0"/>
+              <a:t>生成的代码，如果结果为 </a:t>
+            </a:r>
+            <a:r>
+              <a:rPr lang="en-US" altLang="zh-CN" dirty="0"/>
+              <a:t>false</a:t>
+            </a:r>
+            <a:r>
+              <a:rPr lang="zh-CN" altLang="en-US" dirty="0"/>
+              <a:t>，则跳转到 </a:t>
+            </a:r>
+            <a:r>
+              <a:rPr lang="en-US" altLang="zh-CN" dirty="0"/>
+              <a:t>0xAAAA </a:t>
+            </a:r>
+            <a:r>
+              <a:rPr lang="zh-CN" altLang="en-US" dirty="0"/>
+              <a:t>即 </a:t>
+            </a:r>
+            <a:r>
+              <a:rPr lang="en-US" altLang="zh-CN" dirty="0"/>
+              <a:t>S2</a:t>
+            </a:r>
+            <a:r>
+              <a:rPr lang="zh-CN" altLang="en-US" dirty="0"/>
+              <a:t> 语句，否则执行 </a:t>
+            </a:r>
+            <a:r>
+              <a:rPr lang="en-US" altLang="zh-CN" dirty="0"/>
+              <a:t>S1 </a:t>
+            </a:r>
+            <a:r>
+              <a:rPr lang="zh-CN" altLang="en-US" dirty="0"/>
+              <a:t>语句，并跳到 </a:t>
+            </a:r>
+            <a:r>
+              <a:rPr lang="en-US" altLang="zh-CN" dirty="0"/>
+              <a:t>if </a:t>
+            </a:r>
+            <a:r>
+              <a:rPr lang="zh-CN" altLang="en-US" dirty="0"/>
+              <a:t>语句末尾。</a:t>
+            </a:r>
+          </a:p>
+        </p:txBody>
+      </p:sp>
+      <p:sp>
+        <p:nvSpPr>
+          <p:cNvPr id="4" name="灯片编号占位符 3"/>
+          <p:cNvSpPr>
+            <a:spLocks noGrp="1"/>
+          </p:cNvSpPr>
+          <p:nvPr>
+            <p:ph type="sldNum" sz="quarter" idx="10"/>
+          </p:nvPr>
+        </p:nvSpPr>
+        <p:spPr/>
+        <p:txBody>
+          <a:bodyPr/>
+          <a:lstStyle/>
+          <a:p>
+            <a:fld id="{3ABA94C9-7537-42BE-891E-274805ED764D}" type="slidenum">
+              <a:rPr lang="zh-CN" altLang="en-US" smtClean="0"/>
+              <a:t>20</a:t>
+            </a:fld>
+            <a:endParaRPr lang="zh-CN" altLang="en-US"/>
+          </a:p>
+        </p:txBody>
+      </p:sp>
+    </p:spTree>
+    <p:extLst>
+      <p:ext uri="{BB962C8B-B14F-4D97-AF65-F5344CB8AC3E}">
+        <p14:creationId xmlns:p14="http://schemas.microsoft.com/office/powerpoint/2010/main" val="3136735200"/>
+      </p:ext>
+    </p:extLst>
+  </p:cSld>
+  <p:clrMapOvr>
+    <a:masterClrMapping/>
+  </p:clrMapOvr>
+</p:notes>
+</file>
+
+<file path=ppt/notesSlides/notesSlide21.xml><?xml version="1.0" encoding="utf-8"?>
+<p:notes xmlns:a="http://schemas.openxmlformats.org/drawingml/2006/main" xmlns:r="http://schemas.openxmlformats.org/officeDocument/2006/relationships" xmlns:p="http://schemas.openxmlformats.org/presentationml/2006/main">
+  <p:cSld>
+    <p:spTree>
+      <p:nvGrpSpPr>
+        <p:cNvPr id="1" name=""/>
+        <p:cNvGrpSpPr/>
+        <p:nvPr/>
+      </p:nvGrpSpPr>
+      <p:grpSpPr>
+        <a:xfrm>
+          <a:off x="0" y="0"/>
+          <a:ext cx="0" cy="0"/>
+          <a:chOff x="0" y="0"/>
+          <a:chExt cx="0" cy="0"/>
+        </a:xfrm>
+      </p:grpSpPr>
+      <p:sp>
+        <p:nvSpPr>
+          <p:cNvPr id="2" name="幻灯片图像占位符 1"/>
+          <p:cNvSpPr>
+            <a:spLocks noGrp="1" noRot="1" noChangeAspect="1"/>
+          </p:cNvSpPr>
+          <p:nvPr>
+            <p:ph type="sldImg"/>
+          </p:nvPr>
+        </p:nvSpPr>
+        <p:spPr/>
+      </p:sp>
+      <p:sp>
+        <p:nvSpPr>
+          <p:cNvPr id="3" name="备注占位符 2"/>
+          <p:cNvSpPr>
+            <a:spLocks noGrp="1"/>
+          </p:cNvSpPr>
+          <p:nvPr>
+            <p:ph type="body" idx="1"/>
+          </p:nvPr>
+        </p:nvSpPr>
+        <p:spPr/>
+        <p:txBody>
+          <a:bodyPr/>
+          <a:lstStyle/>
+          <a:p>
+            <a:r>
+              <a:rPr lang="zh-CN" altLang="en-US" dirty="0"/>
+              <a:t>。。。</a:t>
+            </a:r>
+            <a:endParaRPr lang="en-US" altLang="zh-CN" dirty="0"/>
+          </a:p>
+          <a:p>
+            <a:r>
+              <a:rPr lang="zh-CN" altLang="en-US" dirty="0"/>
+              <a:t>解析</a:t>
+            </a:r>
+            <a:r>
+              <a:rPr lang="en-US" altLang="zh-CN" dirty="0"/>
+              <a:t> while </a:t>
+            </a:r>
+            <a:r>
+              <a:rPr lang="zh-CN" altLang="en-US" dirty="0"/>
+              <a:t>语句的伪代码中，首先匹配 </a:t>
+            </a:r>
+            <a:r>
+              <a:rPr lang="en-US" altLang="zh-CN" dirty="0"/>
+              <a:t>while </a:t>
+            </a:r>
+            <a:r>
+              <a:rPr lang="zh-CN" altLang="en-US" dirty="0"/>
+              <a:t>关键字，然后解析 </a:t>
+            </a:r>
+            <a:r>
+              <a:rPr lang="en-US" altLang="zh-CN" dirty="0"/>
+              <a:t>expr </a:t>
+            </a:r>
+            <a:r>
+              <a:rPr lang="zh-CN" altLang="en-US" dirty="0"/>
+              <a:t>表达式，再生成 </a:t>
+            </a:r>
+            <a:r>
+              <a:rPr lang="en-US" altLang="zh-CN" dirty="0"/>
+              <a:t>JZ </a:t>
+            </a:r>
+            <a:r>
+              <a:rPr lang="zh-CN" altLang="en-US" dirty="0"/>
+              <a:t>指令，然后解析 </a:t>
+            </a:r>
+            <a:r>
+              <a:rPr lang="en-US" altLang="zh-CN" dirty="0"/>
+              <a:t>S </a:t>
+            </a:r>
+            <a:r>
+              <a:rPr lang="zh-CN" altLang="en-US" dirty="0"/>
+              <a:t>语句，最后生成 </a:t>
+            </a:r>
+            <a:r>
+              <a:rPr lang="en-US" altLang="zh-CN" dirty="0"/>
+              <a:t>JMP </a:t>
+            </a:r>
+            <a:r>
+              <a:rPr lang="zh-CN" altLang="en-US" dirty="0"/>
+              <a:t>指令。</a:t>
+            </a:r>
+            <a:endParaRPr lang="en-US" altLang="zh-CN" dirty="0"/>
+          </a:p>
+          <a:p>
+            <a:r>
+              <a:rPr lang="en-US" altLang="zh-CN" dirty="0"/>
+              <a:t>while </a:t>
+            </a:r>
+            <a:r>
+              <a:rPr lang="zh-CN" altLang="en-US" dirty="0"/>
+              <a:t>语句生成的目标代码结构中，首先是 </a:t>
+            </a:r>
+            <a:r>
+              <a:rPr lang="en-US" altLang="zh-CN" dirty="0"/>
+              <a:t>expr </a:t>
+            </a:r>
+            <a:r>
+              <a:rPr lang="zh-CN" altLang="en-US" dirty="0"/>
+              <a:t>表达式的代码，</a:t>
+            </a:r>
+            <a:r>
+              <a:rPr lang="en-US" altLang="zh-CN" dirty="0"/>
+              <a:t>JZ </a:t>
+            </a:r>
+            <a:r>
+              <a:rPr lang="zh-CN" altLang="en-US" dirty="0"/>
+              <a:t>指令判断表达式的值，如果为</a:t>
+            </a:r>
+            <a:r>
+              <a:rPr lang="en-US" altLang="zh-CN" dirty="0"/>
+              <a:t> 0 </a:t>
+            </a:r>
+            <a:r>
+              <a:rPr lang="zh-CN" altLang="en-US" dirty="0"/>
+              <a:t>则跳转到 </a:t>
+            </a:r>
+            <a:r>
+              <a:rPr lang="en-US" altLang="zh-CN" dirty="0"/>
+              <a:t>while </a:t>
+            </a:r>
+            <a:r>
+              <a:rPr lang="zh-CN" altLang="en-US" dirty="0"/>
+              <a:t>语句之后，否则</a:t>
+            </a:r>
+            <a:endParaRPr lang="en-US" altLang="zh-CN" dirty="0"/>
+          </a:p>
+          <a:p>
+            <a:r>
+              <a:rPr lang="zh-CN" altLang="en-US" dirty="0"/>
+              <a:t>执行 </a:t>
+            </a:r>
+            <a:r>
+              <a:rPr lang="en-US" altLang="zh-CN" dirty="0"/>
+              <a:t>S </a:t>
+            </a:r>
+            <a:r>
+              <a:rPr lang="zh-CN" altLang="en-US" dirty="0"/>
+              <a:t>语句的代码，并再次跳转到 </a:t>
+            </a:r>
+            <a:r>
+              <a:rPr lang="en-US" altLang="zh-CN" dirty="0"/>
+              <a:t>while </a:t>
+            </a:r>
+            <a:r>
+              <a:rPr lang="zh-CN" altLang="en-US" dirty="0"/>
+              <a:t>语句开始处。</a:t>
+            </a:r>
+          </a:p>
+        </p:txBody>
+      </p:sp>
+      <p:sp>
+        <p:nvSpPr>
+          <p:cNvPr id="4" name="灯片编号占位符 3"/>
+          <p:cNvSpPr>
+            <a:spLocks noGrp="1"/>
+          </p:cNvSpPr>
+          <p:nvPr>
+            <p:ph type="sldNum" sz="quarter" idx="10"/>
+          </p:nvPr>
+        </p:nvSpPr>
+        <p:spPr/>
+        <p:txBody>
+          <a:bodyPr/>
+          <a:lstStyle/>
+          <a:p>
+            <a:fld id="{3ABA94C9-7537-42BE-891E-274805ED764D}" type="slidenum">
+              <a:rPr lang="zh-CN" altLang="en-US" smtClean="0"/>
+              <a:t>21</a:t>
+            </a:fld>
+            <a:endParaRPr lang="zh-CN" altLang="en-US"/>
+          </a:p>
+        </p:txBody>
+      </p:sp>
+    </p:spTree>
+    <p:extLst>
+      <p:ext uri="{BB962C8B-B14F-4D97-AF65-F5344CB8AC3E}">
+        <p14:creationId xmlns:p14="http://schemas.microsoft.com/office/powerpoint/2010/main" val="1760567936"/>
+      </p:ext>
+    </p:extLst>
+  </p:cSld>
+  <p:clrMapOvr>
+    <a:masterClrMapping/>
+  </p:clrMapOvr>
+</p:notes>
+</file>
+
+<file path=ppt/notesSlides/notesSlide22.xml><?xml version="1.0" encoding="utf-8"?>
+<p:notes xmlns:a="http://schemas.openxmlformats.org/drawingml/2006/main" xmlns:r="http://schemas.openxmlformats.org/officeDocument/2006/relationships" xmlns:p="http://schemas.openxmlformats.org/presentationml/2006/main">
+  <p:cSld>
+    <p:spTree>
+      <p:nvGrpSpPr>
+        <p:cNvPr id="1" name=""/>
+        <p:cNvGrpSpPr/>
+        <p:nvPr/>
+      </p:nvGrpSpPr>
+      <p:grpSpPr>
+        <a:xfrm>
+          <a:off x="0" y="0"/>
+          <a:ext cx="0" cy="0"/>
+          <a:chOff x="0" y="0"/>
+          <a:chExt cx="0" cy="0"/>
+        </a:xfrm>
+      </p:grpSpPr>
+      <p:sp>
+        <p:nvSpPr>
+          <p:cNvPr id="2" name="幻灯片图像占位符 1"/>
+          <p:cNvSpPr>
+            <a:spLocks noGrp="1" noRot="1" noChangeAspect="1"/>
+          </p:cNvSpPr>
+          <p:nvPr>
+            <p:ph type="sldImg"/>
+          </p:nvPr>
+        </p:nvSpPr>
+        <p:spPr/>
+      </p:sp>
+      <p:sp>
+        <p:nvSpPr>
+          <p:cNvPr id="3" name="备注占位符 2"/>
+          <p:cNvSpPr>
+            <a:spLocks noGrp="1"/>
+          </p:cNvSpPr>
+          <p:nvPr>
+            <p:ph type="body" idx="1"/>
+          </p:nvPr>
+        </p:nvSpPr>
+        <p:spPr/>
+        <p:txBody>
+          <a:bodyPr/>
+          <a:lstStyle/>
+          <a:p>
+            <a:r>
+              <a:rPr lang="zh-CN" altLang="en-US" dirty="0"/>
+              <a:t>。。。</a:t>
+            </a:r>
+            <a:endParaRPr lang="en-US" altLang="zh-CN" dirty="0"/>
+          </a:p>
+          <a:p>
+            <a:r>
+              <a:rPr lang="zh-CN" altLang="en-US" dirty="0"/>
+              <a:t>解析 </a:t>
+            </a:r>
+            <a:r>
+              <a:rPr lang="en-US" altLang="zh-CN" dirty="0"/>
+              <a:t>return</a:t>
+            </a:r>
+            <a:r>
+              <a:rPr lang="zh-CN" altLang="en-US" dirty="0"/>
+              <a:t> 语句的伪代码中，先匹配 </a:t>
+            </a:r>
+            <a:r>
+              <a:rPr lang="en-US" altLang="zh-CN" dirty="0"/>
+              <a:t>return </a:t>
+            </a:r>
+            <a:r>
+              <a:rPr lang="zh-CN" altLang="en-US" dirty="0"/>
+              <a:t>关键字，然后判断后续符号是否是分号来确定是否有 </a:t>
+            </a:r>
+            <a:r>
+              <a:rPr lang="en-US" altLang="zh-CN" dirty="0"/>
+              <a:t>expr </a:t>
+            </a:r>
+            <a:r>
+              <a:rPr lang="zh-CN" altLang="en-US" dirty="0"/>
+              <a:t>表达式，最后生成 </a:t>
+            </a:r>
+            <a:r>
+              <a:rPr lang="en-US" altLang="zh-CN" dirty="0"/>
+              <a:t>LEV </a:t>
+            </a:r>
+            <a:r>
+              <a:rPr lang="zh-CN" altLang="en-US" dirty="0"/>
+              <a:t>指令。</a:t>
+            </a:r>
+            <a:endParaRPr lang="en-US" altLang="zh-CN" dirty="0"/>
+          </a:p>
+          <a:p>
+            <a:r>
+              <a:rPr lang="zh-CN" altLang="en-US" dirty="0"/>
+              <a:t>右边是 </a:t>
+            </a:r>
+            <a:r>
+              <a:rPr lang="en-US" altLang="zh-CN" dirty="0"/>
+              <a:t>return </a:t>
+            </a:r>
+            <a:r>
+              <a:rPr lang="zh-CN" altLang="en-US" dirty="0"/>
+              <a:t>语句生成的目标代码。</a:t>
+            </a:r>
+            <a:endParaRPr lang="en-US" altLang="zh-CN" dirty="0"/>
+          </a:p>
+          <a:p>
+            <a:r>
+              <a:rPr lang="en-US" altLang="zh-CN" dirty="0"/>
+              <a:t>LEV </a:t>
+            </a:r>
+            <a:r>
+              <a:rPr lang="zh-CN" altLang="en-US" dirty="0"/>
+              <a:t>指令用于退出函数调用。</a:t>
+            </a:r>
+            <a:endParaRPr lang="en-US" altLang="zh-CN" dirty="0"/>
+          </a:p>
+        </p:txBody>
+      </p:sp>
+      <p:sp>
+        <p:nvSpPr>
+          <p:cNvPr id="4" name="灯片编号占位符 3"/>
+          <p:cNvSpPr>
+            <a:spLocks noGrp="1"/>
+          </p:cNvSpPr>
+          <p:nvPr>
+            <p:ph type="sldNum" sz="quarter" idx="10"/>
+          </p:nvPr>
+        </p:nvSpPr>
+        <p:spPr/>
+        <p:txBody>
+          <a:bodyPr/>
+          <a:lstStyle/>
+          <a:p>
+            <a:fld id="{3ABA94C9-7537-42BE-891E-274805ED764D}" type="slidenum">
+              <a:rPr lang="zh-CN" altLang="en-US" smtClean="0"/>
+              <a:t>22</a:t>
+            </a:fld>
+            <a:endParaRPr lang="zh-CN" altLang="en-US"/>
+          </a:p>
+        </p:txBody>
+      </p:sp>
+    </p:spTree>
+    <p:extLst>
+      <p:ext uri="{BB962C8B-B14F-4D97-AF65-F5344CB8AC3E}">
+        <p14:creationId xmlns:p14="http://schemas.microsoft.com/office/powerpoint/2010/main" val="2339568808"/>
+      </p:ext>
+    </p:extLst>
+  </p:cSld>
+  <p:clrMapOvr>
+    <a:masterClrMapping/>
+  </p:clrMapOvr>
+</p:notes>
+</file>
+
+<file path=ppt/notesSlides/notesSlide23.xml><?xml version="1.0" encoding="utf-8"?>
+<p:notes xmlns:a="http://schemas.openxmlformats.org/drawingml/2006/main" xmlns:r="http://schemas.openxmlformats.org/officeDocument/2006/relationships" xmlns:p="http://schemas.openxmlformats.org/presentationml/2006/main">
+  <p:cSld>
+    <p:spTree>
+      <p:nvGrpSpPr>
+        <p:cNvPr id="1" name=""/>
+        <p:cNvGrpSpPr/>
+        <p:nvPr/>
+      </p:nvGrpSpPr>
+      <p:grpSpPr>
+        <a:xfrm>
+          <a:off x="0" y="0"/>
+          <a:ext cx="0" cy="0"/>
+          <a:chOff x="0" y="0"/>
+          <a:chExt cx="0" cy="0"/>
+        </a:xfrm>
+      </p:grpSpPr>
+      <p:sp>
+        <p:nvSpPr>
+          <p:cNvPr id="2" name="幻灯片图像占位符 1"/>
+          <p:cNvSpPr>
+            <a:spLocks noGrp="1" noRot="1" noChangeAspect="1"/>
+          </p:cNvSpPr>
+          <p:nvPr>
+            <p:ph type="sldImg"/>
+          </p:nvPr>
+        </p:nvSpPr>
+        <p:spPr/>
+      </p:sp>
+      <p:sp>
+        <p:nvSpPr>
+          <p:cNvPr id="3" name="备注占位符 2"/>
+          <p:cNvSpPr>
+            <a:spLocks noGrp="1"/>
+          </p:cNvSpPr>
+          <p:nvPr>
+            <p:ph type="body" idx="1"/>
+          </p:nvPr>
+        </p:nvSpPr>
+        <p:spPr/>
+        <p:txBody>
+          <a:bodyPr/>
+          <a:lstStyle/>
+          <a:p>
+            <a:r>
+              <a:rPr lang="zh-CN" altLang="en-US" dirty="0"/>
+              <a:t>。。。</a:t>
+            </a:r>
+            <a:endParaRPr lang="en-US" altLang="zh-CN" dirty="0"/>
+          </a:p>
+          <a:p>
+            <a:r>
+              <a:rPr lang="zh-CN" altLang="en-US" dirty="0"/>
+              <a:t>先匹配一个非符号，然后解析 </a:t>
+            </a:r>
+            <a:r>
+              <a:rPr lang="en-US" altLang="zh-CN" dirty="0"/>
+              <a:t>expr </a:t>
+            </a:r>
+            <a:r>
+              <a:rPr lang="zh-CN" altLang="en-US" dirty="0"/>
+              <a:t>表达式，并生成 </a:t>
+            </a:r>
+            <a:r>
+              <a:rPr lang="en-US" altLang="zh-CN" dirty="0"/>
+              <a:t>PUSH </a:t>
+            </a:r>
+            <a:r>
+              <a:rPr lang="zh-CN" altLang="en-US" dirty="0"/>
+              <a:t>指令将</a:t>
+            </a:r>
+            <a:r>
+              <a:rPr lang="en-US" altLang="zh-CN" dirty="0"/>
+              <a:t> expr </a:t>
+            </a:r>
+            <a:r>
+              <a:rPr lang="zh-CN" altLang="en-US" dirty="0"/>
+              <a:t>表达式的结果入栈，</a:t>
+            </a:r>
+            <a:endParaRPr lang="en-US" altLang="zh-CN" dirty="0"/>
+          </a:p>
+          <a:p>
+            <a:r>
+              <a:rPr lang="zh-CN" altLang="en-US" dirty="0"/>
+              <a:t>然后生成 </a:t>
+            </a:r>
+            <a:r>
+              <a:rPr lang="en-US" altLang="zh-CN" dirty="0"/>
+              <a:t>IMM </a:t>
+            </a:r>
+            <a:r>
+              <a:rPr lang="zh-CN" altLang="en-US" dirty="0"/>
+              <a:t>指令与 </a:t>
+            </a:r>
+            <a:r>
+              <a:rPr lang="en-US" altLang="zh-CN" dirty="0"/>
+              <a:t>EQ </a:t>
+            </a:r>
+            <a:r>
+              <a:rPr lang="zh-CN" altLang="en-US" dirty="0"/>
+              <a:t>指令将表达式结果与</a:t>
+            </a:r>
+            <a:r>
+              <a:rPr lang="en-US" altLang="zh-CN" dirty="0"/>
+              <a:t> 0 </a:t>
+            </a:r>
+            <a:r>
+              <a:rPr lang="zh-CN" altLang="en-US" dirty="0"/>
+              <a:t>进行比较，完成 </a:t>
+            </a:r>
+            <a:r>
+              <a:rPr lang="en-US" altLang="zh-CN" dirty="0"/>
+              <a:t>!a </a:t>
+            </a:r>
+            <a:r>
+              <a:rPr lang="zh-CN" altLang="en-US" dirty="0"/>
+              <a:t>的计算。</a:t>
+            </a:r>
+            <a:endParaRPr lang="en-US" altLang="zh-CN" dirty="0"/>
+          </a:p>
+          <a:p>
+            <a:r>
+              <a:rPr lang="zh-CN" altLang="en-US" dirty="0"/>
+              <a:t>右边是解析 </a:t>
+            </a:r>
+            <a:r>
+              <a:rPr lang="en-US" altLang="zh-CN" dirty="0"/>
+              <a:t>a = b + c</a:t>
+            </a:r>
+            <a:r>
+              <a:rPr lang="zh-CN" altLang="en-US" dirty="0"/>
+              <a:t> 的代码。赋值语句是两个由左右操作数和赋值符号组成，因此先解析 </a:t>
+            </a:r>
+            <a:r>
+              <a:rPr lang="en-US" altLang="zh-CN" dirty="0"/>
+              <a:t>expr </a:t>
+            </a:r>
+            <a:r>
+              <a:rPr lang="zh-CN" altLang="en-US" dirty="0"/>
+              <a:t>表达式，然后匹配等号，再解析一个</a:t>
+            </a:r>
+            <a:endParaRPr lang="en-US" altLang="zh-CN" dirty="0"/>
+          </a:p>
+          <a:p>
+            <a:r>
+              <a:rPr lang="en-US" altLang="zh-CN" dirty="0"/>
+              <a:t>expr </a:t>
+            </a:r>
+            <a:r>
+              <a:rPr lang="zh-CN" altLang="en-US" dirty="0"/>
+              <a:t>表达式。最后根据表达式的类型来确定生成</a:t>
+            </a:r>
+            <a:r>
+              <a:rPr lang="en-US" altLang="zh-CN" dirty="0"/>
+              <a:t> SI </a:t>
+            </a:r>
+            <a:r>
+              <a:rPr lang="zh-CN" altLang="en-US" dirty="0"/>
+              <a:t>指令还是 </a:t>
+            </a:r>
+            <a:r>
+              <a:rPr lang="en-US" altLang="zh-CN" dirty="0"/>
+              <a:t>SC </a:t>
+            </a:r>
+            <a:r>
+              <a:rPr lang="zh-CN" altLang="en-US" dirty="0"/>
+              <a:t>指令。这两条指令用于存储表达式的值。</a:t>
+            </a:r>
+            <a:endParaRPr lang="en-US" altLang="zh-CN" dirty="0"/>
+          </a:p>
+          <a:p>
+            <a:endParaRPr lang="zh-CN" altLang="en-US" dirty="0"/>
+          </a:p>
+        </p:txBody>
+      </p:sp>
+      <p:sp>
+        <p:nvSpPr>
+          <p:cNvPr id="4" name="灯片编号占位符 3"/>
+          <p:cNvSpPr>
+            <a:spLocks noGrp="1"/>
+          </p:cNvSpPr>
+          <p:nvPr>
+            <p:ph type="sldNum" sz="quarter" idx="10"/>
+          </p:nvPr>
+        </p:nvSpPr>
+        <p:spPr/>
+        <p:txBody>
+          <a:bodyPr/>
+          <a:lstStyle/>
+          <a:p>
+            <a:fld id="{3ABA94C9-7537-42BE-891E-274805ED764D}" type="slidenum">
+              <a:rPr lang="zh-CN" altLang="en-US" smtClean="0"/>
+              <a:t>23</a:t>
+            </a:fld>
+            <a:endParaRPr lang="zh-CN" altLang="en-US"/>
+          </a:p>
+        </p:txBody>
+      </p:sp>
+    </p:spTree>
+    <p:extLst>
+      <p:ext uri="{BB962C8B-B14F-4D97-AF65-F5344CB8AC3E}">
+        <p14:creationId xmlns:p14="http://schemas.microsoft.com/office/powerpoint/2010/main" val="1816626425"/>
+      </p:ext>
+    </p:extLst>
+  </p:cSld>
+  <p:clrMapOvr>
+    <a:masterClrMapping/>
+  </p:clrMapOvr>
+</p:notes>
+</file>
+
+<file path=ppt/notesSlides/notesSlide24.xml><?xml version="1.0" encoding="utf-8"?>
+<p:notes xmlns:a="http://schemas.openxmlformats.org/drawingml/2006/main" xmlns:r="http://schemas.openxmlformats.org/officeDocument/2006/relationships" xmlns:p="http://schemas.openxmlformats.org/presentationml/2006/main">
+  <p:cSld>
+    <p:spTree>
+      <p:nvGrpSpPr>
+        <p:cNvPr id="1" name=""/>
+        <p:cNvGrpSpPr/>
+        <p:nvPr/>
+      </p:nvGrpSpPr>
+      <p:grpSpPr>
+        <a:xfrm>
+          <a:off x="0" y="0"/>
+          <a:ext cx="0" cy="0"/>
+          <a:chOff x="0" y="0"/>
+          <a:chExt cx="0" cy="0"/>
+        </a:xfrm>
+      </p:grpSpPr>
+      <p:sp>
+        <p:nvSpPr>
+          <p:cNvPr id="2" name="幻灯片图像占位符 1"/>
+          <p:cNvSpPr>
+            <a:spLocks noGrp="1" noRot="1" noChangeAspect="1"/>
+          </p:cNvSpPr>
+          <p:nvPr>
+            <p:ph type="sldImg"/>
+          </p:nvPr>
+        </p:nvSpPr>
+        <p:spPr/>
+      </p:sp>
+      <p:sp>
+        <p:nvSpPr>
+          <p:cNvPr id="3" name="备注占位符 2"/>
+          <p:cNvSpPr>
+            <a:spLocks noGrp="1"/>
+          </p:cNvSpPr>
+          <p:nvPr>
+            <p:ph type="body" idx="1"/>
+          </p:nvPr>
+        </p:nvSpPr>
+        <p:spPr/>
+        <p:txBody>
+          <a:bodyPr/>
+          <a:lstStyle/>
+          <a:p>
+            <a:r>
+              <a:rPr lang="zh-CN" altLang="en-US" dirty="0"/>
+              <a:t>通过前面的方法就可以实现编译器，下面来展示编译器的实际运行状况。</a:t>
+            </a:r>
+            <a:endParaRPr lang="en-US" altLang="zh-CN" dirty="0"/>
+          </a:p>
+          <a:p>
+            <a:r>
+              <a:rPr lang="zh-CN" altLang="en-US" dirty="0"/>
+              <a:t>首先是正确性演示，使用正确的</a:t>
+            </a:r>
+            <a:r>
+              <a:rPr lang="en-US" altLang="zh-CN" dirty="0"/>
+              <a:t> C-- </a:t>
+            </a:r>
+            <a:r>
+              <a:rPr lang="zh-CN" altLang="en-US" dirty="0"/>
+              <a:t>源代码编译，查看程序是否能够正确运行</a:t>
+            </a:r>
+            <a:endParaRPr lang="en-US" altLang="zh-CN" dirty="0"/>
+          </a:p>
+          <a:p>
+            <a:r>
+              <a:rPr lang="zh-CN" altLang="en-US" dirty="0"/>
+              <a:t>然后是健壮性演示，使用带有错误的 </a:t>
+            </a:r>
+            <a:r>
+              <a:rPr lang="en-US" altLang="zh-CN" dirty="0"/>
+              <a:t>C-- </a:t>
+            </a:r>
+            <a:r>
+              <a:rPr lang="zh-CN" altLang="en-US" dirty="0"/>
+              <a:t>源代码编译，查看编译器能否找到源程序中的错误。</a:t>
+            </a:r>
+            <a:endParaRPr lang="en-US" altLang="zh-CN" dirty="0"/>
+          </a:p>
+          <a:p>
+            <a:r>
+              <a:rPr lang="zh-CN" altLang="en-US" dirty="0"/>
+              <a:t>再然后是编译过程展示，展示编译器将源程序翻译成目标程序的过程。</a:t>
+            </a:r>
+            <a:endParaRPr lang="en-US" altLang="zh-CN" dirty="0"/>
+          </a:p>
+          <a:p>
+            <a:r>
+              <a:rPr lang="zh-CN" altLang="en-US" dirty="0"/>
+              <a:t>最后是目标代码展示，展示编译器将 </a:t>
+            </a:r>
+            <a:r>
+              <a:rPr lang="en-US" altLang="zh-CN" dirty="0"/>
+              <a:t>C-- </a:t>
+            </a:r>
+            <a:r>
+              <a:rPr lang="zh-CN" altLang="en-US" dirty="0"/>
+              <a:t>源代码被翻译成的目标代码。</a:t>
+            </a:r>
+            <a:endParaRPr lang="en-US" altLang="zh-CN" dirty="0"/>
+          </a:p>
+          <a:p>
+            <a:endParaRPr lang="zh-CN" altLang="en-US" dirty="0"/>
+          </a:p>
+        </p:txBody>
+      </p:sp>
+      <p:sp>
+        <p:nvSpPr>
+          <p:cNvPr id="4" name="灯片编号占位符 3"/>
+          <p:cNvSpPr>
+            <a:spLocks noGrp="1"/>
+          </p:cNvSpPr>
+          <p:nvPr>
+            <p:ph type="sldNum" sz="quarter" idx="10"/>
+          </p:nvPr>
+        </p:nvSpPr>
+        <p:spPr/>
+        <p:txBody>
+          <a:bodyPr/>
+          <a:lstStyle/>
+          <a:p>
+            <a:fld id="{3ABA94C9-7537-42BE-891E-274805ED764D}" type="slidenum">
+              <a:rPr lang="zh-CN" altLang="en-US" smtClean="0"/>
+              <a:t>24</a:t>
+            </a:fld>
+            <a:endParaRPr lang="zh-CN" altLang="en-US"/>
+          </a:p>
+        </p:txBody>
+      </p:sp>
+    </p:spTree>
+    <p:extLst>
+      <p:ext uri="{BB962C8B-B14F-4D97-AF65-F5344CB8AC3E}">
+        <p14:creationId xmlns:p14="http://schemas.microsoft.com/office/powerpoint/2010/main" val="2190781021"/>
+      </p:ext>
+    </p:extLst>
+  </p:cSld>
+  <p:clrMapOvr>
+    <a:masterClrMapping/>
+  </p:clrMapOvr>
+</p:notes>
+</file>
+
+<file path=ppt/notesSlides/notesSlide25.xml><?xml version="1.0" encoding="utf-8"?>
+<p:notes xmlns:a="http://schemas.openxmlformats.org/drawingml/2006/main" xmlns:r="http://schemas.openxmlformats.org/officeDocument/2006/relationships" xmlns:p="http://schemas.openxmlformats.org/presentationml/2006/main">
+  <p:cSld>
+    <p:spTree>
+      <p:nvGrpSpPr>
+        <p:cNvPr id="1" name=""/>
+        <p:cNvGrpSpPr/>
+        <p:nvPr/>
+      </p:nvGrpSpPr>
+      <p:grpSpPr>
+        <a:xfrm>
+          <a:off x="0" y="0"/>
+          <a:ext cx="0" cy="0"/>
+          <a:chOff x="0" y="0"/>
+          <a:chExt cx="0" cy="0"/>
+        </a:xfrm>
+      </p:grpSpPr>
+      <p:sp>
+        <p:nvSpPr>
+          <p:cNvPr id="2" name="幻灯片图像占位符 1"/>
+          <p:cNvSpPr>
+            <a:spLocks noGrp="1" noRot="1" noChangeAspect="1"/>
+          </p:cNvSpPr>
+          <p:nvPr>
+            <p:ph type="sldImg"/>
+          </p:nvPr>
+        </p:nvSpPr>
+        <p:spPr/>
+      </p:sp>
+      <p:sp>
+        <p:nvSpPr>
+          <p:cNvPr id="3" name="备注占位符 2"/>
+          <p:cNvSpPr>
+            <a:spLocks noGrp="1"/>
+          </p:cNvSpPr>
+          <p:nvPr>
+            <p:ph type="body" idx="1"/>
+          </p:nvPr>
+        </p:nvSpPr>
+        <p:spPr/>
+        <p:txBody>
+          <a:bodyPr/>
+          <a:lstStyle/>
+          <a:p>
+            <a:r>
+              <a:rPr lang="zh-CN" altLang="en-US" dirty="0"/>
+              <a:t>在实现</a:t>
+            </a:r>
+            <a:r>
+              <a:rPr lang="en-US" altLang="zh-CN" dirty="0"/>
+              <a:t>C--</a:t>
+            </a:r>
+            <a:r>
+              <a:rPr lang="zh-CN" altLang="en-US" dirty="0"/>
+              <a:t>编译器以及虚拟机的过程中，遇到了不少麻烦。</a:t>
+            </a:r>
+            <a:endParaRPr lang="en-US" altLang="zh-CN" dirty="0"/>
+          </a:p>
+          <a:p>
+            <a:r>
+              <a:rPr lang="zh-CN" altLang="en-US" dirty="0"/>
+              <a:t>实现编译器以及虚拟机涉及很多内容，从搞懂到实现，花了不少时间，但因为在此过程中经历了很多困难，所以认识到，不要把自己放在舒适区，而是不断地挑战自己，会发现看似困难的东西并没有那么可怕。</a:t>
+            </a:r>
+            <a:endParaRPr lang="en-US" altLang="zh-CN" dirty="0"/>
+          </a:p>
+        </p:txBody>
+      </p:sp>
+      <p:sp>
+        <p:nvSpPr>
+          <p:cNvPr id="4" name="灯片编号占位符 3"/>
+          <p:cNvSpPr>
+            <a:spLocks noGrp="1"/>
+          </p:cNvSpPr>
+          <p:nvPr>
+            <p:ph type="sldNum" sz="quarter" idx="10"/>
+          </p:nvPr>
+        </p:nvSpPr>
+        <p:spPr/>
+        <p:txBody>
+          <a:bodyPr/>
+          <a:lstStyle/>
+          <a:p>
+            <a:fld id="{3ABA94C9-7537-42BE-891E-274805ED764D}" type="slidenum">
+              <a:rPr lang="zh-CN" altLang="en-US" smtClean="0"/>
+              <a:t>25</a:t>
+            </a:fld>
+            <a:endParaRPr lang="zh-CN" altLang="en-US"/>
+          </a:p>
+        </p:txBody>
+      </p:sp>
+    </p:spTree>
+    <p:extLst>
+      <p:ext uri="{BB962C8B-B14F-4D97-AF65-F5344CB8AC3E}">
+        <p14:creationId xmlns:p14="http://schemas.microsoft.com/office/powerpoint/2010/main" val="926158638"/>
+      </p:ext>
+    </p:extLst>
+  </p:cSld>
+  <p:clrMapOvr>
+    <a:masterClrMapping/>
+  </p:clrMapOvr>
+</p:notes>
+</file>
+
+<file path=ppt/notesSlides/notesSlide26.xml><?xml version="1.0" encoding="utf-8"?>
+<p:notes xmlns:a="http://schemas.openxmlformats.org/drawingml/2006/main" xmlns:r="http://schemas.openxmlformats.org/officeDocument/2006/relationships" xmlns:p="http://schemas.openxmlformats.org/presentationml/2006/main">
+  <p:cSld>
+    <p:spTree>
+      <p:nvGrpSpPr>
+        <p:cNvPr id="1" name=""/>
+        <p:cNvGrpSpPr/>
+        <p:nvPr/>
+      </p:nvGrpSpPr>
+      <p:grpSpPr>
+        <a:xfrm>
+          <a:off x="0" y="0"/>
+          <a:ext cx="0" cy="0"/>
+          <a:chOff x="0" y="0"/>
+          <a:chExt cx="0" cy="0"/>
+        </a:xfrm>
+      </p:grpSpPr>
+      <p:sp>
+        <p:nvSpPr>
+          <p:cNvPr id="2" name="幻灯片图像占位符 1"/>
+          <p:cNvSpPr>
+            <a:spLocks noGrp="1" noRot="1" noChangeAspect="1"/>
+          </p:cNvSpPr>
+          <p:nvPr>
+            <p:ph type="sldImg"/>
+          </p:nvPr>
+        </p:nvSpPr>
+        <p:spPr/>
+      </p:sp>
+      <p:sp>
+        <p:nvSpPr>
+          <p:cNvPr id="3" name="备注占位符 2"/>
+          <p:cNvSpPr>
+            <a:spLocks noGrp="1"/>
+          </p:cNvSpPr>
+          <p:nvPr>
+            <p:ph type="body" idx="1"/>
+          </p:nvPr>
+        </p:nvSpPr>
+        <p:spPr/>
+        <p:txBody>
+          <a:bodyPr/>
+          <a:lstStyle/>
+          <a:p>
+            <a:endParaRPr lang="zh-CN" altLang="en-US" dirty="0"/>
+          </a:p>
+        </p:txBody>
+      </p:sp>
+      <p:sp>
+        <p:nvSpPr>
+          <p:cNvPr id="4" name="灯片编号占位符 3"/>
+          <p:cNvSpPr>
+            <a:spLocks noGrp="1"/>
+          </p:cNvSpPr>
+          <p:nvPr>
+            <p:ph type="sldNum" sz="quarter" idx="10"/>
+          </p:nvPr>
+        </p:nvSpPr>
+        <p:spPr/>
+        <p:txBody>
+          <a:bodyPr/>
+          <a:lstStyle/>
+          <a:p>
+            <a:fld id="{3ABA94C9-7537-42BE-891E-274805ED764D}" type="slidenum">
+              <a:rPr lang="zh-CN" altLang="en-US" smtClean="0"/>
+              <a:t>26</a:t>
+            </a:fld>
+            <a:endParaRPr lang="zh-CN" altLang="en-US"/>
+          </a:p>
+        </p:txBody>
+      </p:sp>
+    </p:spTree>
+    <p:extLst>
+      <p:ext uri="{BB962C8B-B14F-4D97-AF65-F5344CB8AC3E}">
+        <p14:creationId xmlns:p14="http://schemas.microsoft.com/office/powerpoint/2010/main" val="566986404"/>
       </p:ext>
     </p:extLst>
   </p:cSld>
@@ -1207,7 +3431,10 @@
           <a:bodyPr/>
           <a:lstStyle/>
           <a:p>
-            <a:endParaRPr lang="zh-CN" altLang="en-US" dirty="0"/>
+            <a:r>
+              <a:rPr lang="zh-CN" altLang="en-US" dirty="0"/>
+              <a:t>编译器是一个语言翻译程序，可以将源程序翻译成目标程序。编译器为大多数开发者屏蔽了计算机内部繁琐的细节，让开发者专注于程序的逻辑实现。</a:t>
+            </a:r>
           </a:p>
         </p:txBody>
       </p:sp>
@@ -1228,7 +3455,7 @@
           <a:p>
             <a:fld id="{3ABA94C9-7537-42BE-891E-274805ED764D}" type="slidenum">
               <a:rPr lang="zh-CN" altLang="en-US" smtClean="0"/>
-              <a:t>6</a:t>
+              <a:t>3</a:t>
             </a:fld>
             <a:endParaRPr lang="zh-CN" altLang="en-US"/>
           </a:p>
@@ -1237,7 +3464,7 @@
     </p:spTree>
     <p:extLst>
       <p:ext uri="{BB962C8B-B14F-4D97-AF65-F5344CB8AC3E}">
-        <p14:creationId xmlns:p14="http://schemas.microsoft.com/office/powerpoint/2010/main" val="2244229503"/>
+        <p14:creationId xmlns:p14="http://schemas.microsoft.com/office/powerpoint/2010/main" val="3097558132"/>
       </p:ext>
     </p:extLst>
   </p:cSld>
@@ -1293,8 +3520,77 @@
           <a:p>
             <a:r>
               <a:rPr lang="zh-CN" altLang="en-US" dirty="0"/>
-              <a:t>讲述何为 基于栈的虚拟机</a:t>
-            </a:r>
+              <a:t>既然可以不用过于关注程序语言的内部实现细节，也能够完成开发任务，那么实现一个编译器的意义是什么？</a:t>
+            </a:r>
+            <a:endParaRPr lang="en-US" altLang="zh-CN" dirty="0"/>
+          </a:p>
+          <a:p>
+            <a:pPr marL="228600" indent="-228600">
+              <a:buAutoNum type="arabicPeriod"/>
+            </a:pPr>
+            <a:r>
+              <a:rPr lang="zh-CN" altLang="en-US" dirty="0"/>
+              <a:t>通常完成开发后，点击小三角就可以编译并运行程序，但是在这个过程中，源代码是如何别翻译成目标代码的？</a:t>
+            </a:r>
+            <a:endParaRPr lang="en-US" altLang="zh-CN" dirty="0"/>
+          </a:p>
+          <a:p>
+            <a:pPr marL="228600" indent="-228600">
+              <a:buAutoNum type="arabicPeriod"/>
+            </a:pPr>
+            <a:r>
+              <a:rPr lang="zh-CN" altLang="en-US" dirty="0"/>
+              <a:t>程序中定义的全局变量、局部变量等数据是如何进行存储的？</a:t>
+            </a:r>
+            <a:endParaRPr lang="en-US" altLang="zh-CN" dirty="0"/>
+          </a:p>
+          <a:p>
+            <a:pPr marL="228600" indent="-228600">
+              <a:buAutoNum type="arabicPeriod"/>
+            </a:pPr>
+            <a:r>
+              <a:rPr lang="zh-CN" altLang="en-US" dirty="0"/>
+              <a:t>函数的调用是如何被实现的？</a:t>
+            </a:r>
+            <a:endParaRPr lang="en-US" altLang="zh-CN" dirty="0"/>
+          </a:p>
+          <a:p>
+            <a:pPr marL="228600" indent="-228600">
+              <a:buAutoNum type="arabicPeriod"/>
+            </a:pPr>
+            <a:r>
+              <a:rPr lang="zh-CN" altLang="en-US" dirty="0"/>
+              <a:t>各种语句是如何被解析，以及如何完成其应有的功能？</a:t>
+            </a:r>
+            <a:endParaRPr lang="en-US" altLang="zh-CN" dirty="0"/>
+          </a:p>
+          <a:p>
+            <a:pPr marL="228600" indent="-228600">
+              <a:buAutoNum type="arabicPeriod"/>
+            </a:pPr>
+            <a:r>
+              <a:rPr lang="zh-CN" altLang="en-US" dirty="0"/>
+              <a:t>程序是如何被运行的？</a:t>
+            </a:r>
+            <a:endParaRPr lang="en-US" altLang="zh-CN" dirty="0"/>
+          </a:p>
+          <a:p>
+            <a:pPr marL="0" indent="0">
+              <a:buNone/>
+            </a:pPr>
+            <a:r>
+              <a:rPr lang="zh-CN" altLang="en-US" dirty="0"/>
+              <a:t>实现编译器，就能够对这些内容有更加深入的了解，在进行开发时，能够避免很多</a:t>
+            </a:r>
+            <a:r>
+              <a:rPr lang="en-US" altLang="zh-CN" dirty="0"/>
+              <a:t>bug</a:t>
+            </a:r>
+            <a:r>
+              <a:rPr lang="zh-CN" altLang="en-US" dirty="0"/>
+              <a:t>，并能写出更加高效的代码。</a:t>
+            </a:r>
+            <a:endParaRPr lang="en-US" altLang="zh-CN" dirty="0"/>
           </a:p>
         </p:txBody>
       </p:sp>
@@ -1315,7 +3611,7 @@
           <a:p>
             <a:fld id="{3ABA94C9-7537-42BE-891E-274805ED764D}" type="slidenum">
               <a:rPr lang="zh-CN" altLang="en-US" smtClean="0"/>
-              <a:t>7</a:t>
+              <a:t>4</a:t>
             </a:fld>
             <a:endParaRPr lang="zh-CN" altLang="en-US"/>
           </a:p>
@@ -1324,7 +3620,7 @@
     </p:spTree>
     <p:extLst>
       <p:ext uri="{BB962C8B-B14F-4D97-AF65-F5344CB8AC3E}">
-        <p14:creationId xmlns:p14="http://schemas.microsoft.com/office/powerpoint/2010/main" val="2765376924"/>
+        <p14:creationId xmlns:p14="http://schemas.microsoft.com/office/powerpoint/2010/main" val="2106889230"/>
       </p:ext>
     </p:extLst>
   </p:cSld>
@@ -1378,7 +3674,204 @@
           <a:bodyPr/>
           <a:lstStyle/>
           <a:p>
-            <a:endParaRPr lang="zh-CN" altLang="en-US" dirty="0"/>
+            <a:r>
+              <a:rPr lang="zh-CN" altLang="en-US" dirty="0"/>
+              <a:t>在实现编译器之前，需要先对</a:t>
+            </a:r>
+            <a:r>
+              <a:rPr lang="en-US" altLang="zh-CN" dirty="0"/>
+              <a:t>C--</a:t>
+            </a:r>
+            <a:r>
+              <a:rPr lang="zh-CN" altLang="en-US" dirty="0"/>
+              <a:t>语言进行完整的定义，确定其所有支持的功能。</a:t>
+            </a:r>
+            <a:endParaRPr lang="en-US" altLang="zh-CN" dirty="0"/>
+          </a:p>
+          <a:p>
+            <a:r>
+              <a:rPr lang="en-US" altLang="zh-CN" dirty="0"/>
+              <a:t>C--</a:t>
+            </a:r>
+            <a:r>
+              <a:rPr lang="zh-CN" altLang="en-US" dirty="0"/>
+              <a:t>语言是</a:t>
+            </a:r>
+            <a:r>
+              <a:rPr lang="en-US" altLang="zh-CN" dirty="0"/>
+              <a:t>C</a:t>
+            </a:r>
+            <a:r>
+              <a:rPr lang="zh-CN" altLang="en-US" dirty="0"/>
+              <a:t>语言的子集，对</a:t>
+            </a:r>
+            <a:r>
+              <a:rPr lang="en-US" altLang="zh-CN" dirty="0"/>
+              <a:t>C</a:t>
+            </a:r>
+            <a:r>
+              <a:rPr lang="zh-CN" altLang="en-US" dirty="0"/>
+              <a:t>语言进行了精简。左边是</a:t>
+            </a:r>
+            <a:r>
+              <a:rPr lang="en-US" altLang="zh-CN" dirty="0"/>
+              <a:t>C--</a:t>
+            </a:r>
+            <a:r>
+              <a:rPr lang="zh-CN" altLang="en-US" dirty="0"/>
+              <a:t>语言所支持的功能，右边则是</a:t>
+            </a:r>
+            <a:r>
+              <a:rPr lang="en-US" altLang="zh-CN" dirty="0"/>
+              <a:t>C--</a:t>
+            </a:r>
+            <a:r>
+              <a:rPr lang="zh-CN" altLang="en-US" dirty="0"/>
+              <a:t>语言没有实现的</a:t>
+            </a:r>
+            <a:r>
+              <a:rPr lang="en-US" altLang="zh-CN" dirty="0"/>
+              <a:t>C</a:t>
+            </a:r>
+            <a:r>
+              <a:rPr lang="zh-CN" altLang="en-US" dirty="0"/>
+              <a:t>语言的功能。</a:t>
+            </a:r>
+            <a:endParaRPr lang="en-US" altLang="zh-CN" dirty="0"/>
+          </a:p>
+          <a:p>
+            <a:pPr marL="228600" indent="-228600">
+              <a:buAutoNum type="arabicPeriod"/>
+            </a:pPr>
+            <a:r>
+              <a:rPr lang="en-US" altLang="zh-CN" dirty="0"/>
+              <a:t>C--</a:t>
+            </a:r>
+            <a:r>
+              <a:rPr lang="zh-CN" altLang="en-US" dirty="0"/>
+              <a:t>语言支持两种数据类型，</a:t>
+            </a:r>
+            <a:r>
+              <a:rPr lang="en-US" altLang="zh-CN" dirty="0"/>
+              <a:t>int</a:t>
+            </a:r>
+            <a:r>
+              <a:rPr lang="zh-CN" altLang="en-US" dirty="0"/>
+              <a:t>型和</a:t>
+            </a:r>
+            <a:r>
+              <a:rPr lang="en-US" altLang="zh-CN" dirty="0"/>
+              <a:t>char</a:t>
+            </a:r>
+            <a:r>
+              <a:rPr lang="zh-CN" altLang="en-US" dirty="0"/>
+              <a:t>型，还有其多级指针。</a:t>
+            </a:r>
+            <a:endParaRPr lang="en-US" altLang="zh-CN" dirty="0"/>
+          </a:p>
+          <a:p>
+            <a:pPr marL="228600" indent="-228600">
+              <a:buAutoNum type="arabicPeriod"/>
+            </a:pPr>
+            <a:r>
+              <a:rPr lang="zh-CN" altLang="en-US" dirty="0"/>
+              <a:t>支持变量定义和枚举定义</a:t>
+            </a:r>
+            <a:endParaRPr lang="en-US" altLang="zh-CN" dirty="0"/>
+          </a:p>
+          <a:p>
+            <a:pPr marL="228600" indent="-228600">
+              <a:buAutoNum type="arabicPeriod"/>
+            </a:pPr>
+            <a:r>
+              <a:rPr lang="zh-CN" altLang="en-US" dirty="0"/>
+              <a:t>支持函数定义</a:t>
+            </a:r>
+            <a:endParaRPr lang="en-US" altLang="zh-CN" dirty="0"/>
+          </a:p>
+          <a:p>
+            <a:pPr marL="228600" indent="-228600">
+              <a:buAutoNum type="arabicPeriod"/>
+            </a:pPr>
+            <a:r>
+              <a:rPr lang="zh-CN" altLang="en-US" dirty="0"/>
+              <a:t>支持嵌套的作用域</a:t>
+            </a:r>
+            <a:endParaRPr lang="en-US" altLang="zh-CN" dirty="0"/>
+          </a:p>
+          <a:p>
+            <a:pPr marL="228600" indent="-228600">
+              <a:buAutoNum type="arabicPeriod"/>
+            </a:pPr>
+            <a:r>
+              <a:rPr lang="zh-CN" altLang="en-US" dirty="0"/>
+              <a:t>支持几种简单的语句，如</a:t>
+            </a:r>
+            <a:r>
+              <a:rPr lang="en-US" altLang="zh-CN" dirty="0"/>
+              <a:t>if</a:t>
+            </a:r>
+            <a:r>
+              <a:rPr lang="zh-CN" altLang="en-US" dirty="0"/>
+              <a:t>、</a:t>
+            </a:r>
+            <a:r>
+              <a:rPr lang="en-US" altLang="zh-CN" dirty="0"/>
+              <a:t>while</a:t>
+            </a:r>
+            <a:r>
+              <a:rPr lang="zh-CN" altLang="en-US" dirty="0"/>
+              <a:t>、</a:t>
+            </a:r>
+            <a:r>
+              <a:rPr lang="en-US" altLang="zh-CN" dirty="0"/>
+              <a:t>return</a:t>
+            </a:r>
+            <a:r>
+              <a:rPr lang="zh-CN" altLang="en-US" dirty="0"/>
+              <a:t>、各种表达式语句</a:t>
+            </a:r>
+            <a:endParaRPr lang="en-US" altLang="zh-CN" dirty="0"/>
+          </a:p>
+          <a:p>
+            <a:pPr marL="228600" indent="-228600">
+              <a:buAutoNum type="arabicPeriod"/>
+            </a:pPr>
+            <a:r>
+              <a:rPr lang="zh-CN" altLang="en-US" dirty="0"/>
+              <a:t>支持部分</a:t>
+            </a:r>
+            <a:r>
+              <a:rPr lang="en-US" altLang="zh-CN" dirty="0"/>
+              <a:t>C</a:t>
+            </a:r>
+            <a:r>
+              <a:rPr lang="zh-CN" altLang="en-US" dirty="0"/>
+              <a:t>语言库函数，如</a:t>
+            </a:r>
+            <a:r>
+              <a:rPr lang="en-US" altLang="zh-CN" dirty="0"/>
+              <a:t>printf</a:t>
+            </a:r>
+            <a:r>
+              <a:rPr lang="zh-CN" altLang="en-US" dirty="0"/>
+              <a:t>、</a:t>
+            </a:r>
+            <a:r>
+              <a:rPr lang="en-US" altLang="zh-CN" dirty="0"/>
+              <a:t>scanf</a:t>
+            </a:r>
+            <a:r>
+              <a:rPr lang="zh-CN" altLang="en-US" dirty="0"/>
+              <a:t>等。</a:t>
+            </a:r>
+            <a:endParaRPr lang="en-US" altLang="zh-CN" dirty="0"/>
+          </a:p>
+          <a:p>
+            <a:pPr marL="228600" indent="-228600">
+              <a:buAutoNum type="arabicPeriod"/>
+            </a:pPr>
+            <a:endParaRPr lang="en-US" altLang="zh-CN" dirty="0"/>
           </a:p>
         </p:txBody>
       </p:sp>
@@ -1399,7 +3892,7 @@
           <a:p>
             <a:fld id="{3ABA94C9-7537-42BE-891E-274805ED764D}" type="slidenum">
               <a:rPr lang="zh-CN" altLang="en-US" smtClean="0"/>
-              <a:t>9</a:t>
+              <a:t>5</a:t>
             </a:fld>
             <a:endParaRPr lang="zh-CN" altLang="en-US"/>
           </a:p>
@@ -1408,7 +3901,7 @@
     </p:spTree>
     <p:extLst>
       <p:ext uri="{BB962C8B-B14F-4D97-AF65-F5344CB8AC3E}">
-        <p14:creationId xmlns:p14="http://schemas.microsoft.com/office/powerpoint/2010/main" val="3371942981"/>
+        <p14:creationId xmlns:p14="http://schemas.microsoft.com/office/powerpoint/2010/main" val="2135027709"/>
       </p:ext>
     </p:extLst>
   </p:cSld>
@@ -1462,7 +3955,227 @@
           <a:bodyPr/>
           <a:lstStyle/>
           <a:p>
-            <a:endParaRPr lang="zh-CN" altLang="en-US" dirty="0"/>
+            <a:r>
+              <a:rPr lang="zh-CN" altLang="en-US" dirty="0"/>
+              <a:t>这是一个合法的 </a:t>
+            </a:r>
+            <a:r>
+              <a:rPr lang="en-US" altLang="zh-CN" dirty="0"/>
+              <a:t>C-- </a:t>
+            </a:r>
+            <a:r>
+              <a:rPr lang="zh-CN" altLang="en-US" dirty="0"/>
+              <a:t>源程序，其完成的功能是求解 </a:t>
+            </a:r>
+            <a:r>
+              <a:rPr lang="en-US" altLang="zh-CN" dirty="0"/>
+              <a:t>n </a:t>
+            </a:r>
+            <a:r>
+              <a:rPr lang="zh-CN" altLang="en-US" dirty="0"/>
+              <a:t>阶汉诺塔。从源程序中可以看出：</a:t>
+            </a:r>
+            <a:endParaRPr lang="en-US" altLang="zh-CN" dirty="0"/>
+          </a:p>
+          <a:p>
+            <a:r>
+              <a:rPr lang="zh-CN" altLang="en-US" dirty="0"/>
+              <a:t>第 </a:t>
+            </a:r>
+            <a:r>
+              <a:rPr lang="en-US" altLang="zh-CN" dirty="0"/>
+              <a:t>1 </a:t>
+            </a:r>
+            <a:r>
+              <a:rPr lang="zh-CN" altLang="en-US" dirty="0"/>
+              <a:t>行是全局变量定义，初始化为 </a:t>
+            </a:r>
+            <a:r>
+              <a:rPr lang="en-US" altLang="zh-CN" dirty="0"/>
+              <a:t>0</a:t>
+            </a:r>
+            <a:r>
+              <a:rPr lang="zh-CN" altLang="en-US" dirty="0"/>
+              <a:t>。</a:t>
+            </a:r>
+            <a:endParaRPr lang="en-US" altLang="zh-CN" dirty="0"/>
+          </a:p>
+          <a:p>
+            <a:r>
+              <a:rPr lang="zh-CN" altLang="en-US" dirty="0"/>
+              <a:t>第 </a:t>
+            </a:r>
+            <a:r>
+              <a:rPr lang="en-US" altLang="zh-CN" dirty="0"/>
+              <a:t>2 </a:t>
+            </a:r>
+            <a:r>
+              <a:rPr lang="zh-CN" altLang="en-US" dirty="0"/>
+              <a:t>行是 </a:t>
+            </a:r>
+            <a:r>
+              <a:rPr lang="en-US" altLang="zh-CN" dirty="0"/>
+              <a:t>move </a:t>
+            </a:r>
+            <a:r>
+              <a:rPr lang="zh-CN" altLang="en-US" dirty="0"/>
+              <a:t>函数定义，有三个参数</a:t>
+            </a:r>
+            <a:endParaRPr lang="en-US" altLang="zh-CN" dirty="0"/>
+          </a:p>
+          <a:p>
+            <a:r>
+              <a:rPr lang="zh-CN" altLang="en-US" dirty="0"/>
+              <a:t>第 </a:t>
+            </a:r>
+            <a:r>
+              <a:rPr lang="en-US" altLang="zh-CN" dirty="0"/>
+              <a:t>3 </a:t>
+            </a:r>
+            <a:r>
+              <a:rPr lang="zh-CN" altLang="en-US" dirty="0"/>
+              <a:t>行是使用内建的 </a:t>
+            </a:r>
+            <a:r>
+              <a:rPr lang="en-US" altLang="zh-CN" dirty="0"/>
+              <a:t>printf </a:t>
+            </a:r>
+            <a:r>
+              <a:rPr lang="zh-CN" altLang="en-US" dirty="0"/>
+              <a:t>函数实现输出功能</a:t>
+            </a:r>
+            <a:endParaRPr lang="en-US" altLang="zh-CN" dirty="0"/>
+          </a:p>
+          <a:p>
+            <a:r>
+              <a:rPr lang="zh-CN" altLang="en-US" dirty="0"/>
+              <a:t>第 </a:t>
+            </a:r>
+            <a:r>
+              <a:rPr lang="en-US" altLang="zh-CN" dirty="0"/>
+              <a:t>5 </a:t>
+            </a:r>
+            <a:r>
+              <a:rPr lang="zh-CN" altLang="en-US" dirty="0"/>
+              <a:t>行是 </a:t>
+            </a:r>
+            <a:r>
+              <a:rPr lang="en-US" altLang="zh-CN" dirty="0"/>
+              <a:t>Hanoi </a:t>
+            </a:r>
+            <a:r>
+              <a:rPr lang="zh-CN" altLang="en-US" dirty="0"/>
+              <a:t>函数定义，其中第 </a:t>
+            </a:r>
+            <a:r>
+              <a:rPr lang="en-US" altLang="zh-CN" dirty="0"/>
+              <a:t>8 </a:t>
+            </a:r>
+            <a:r>
+              <a:rPr lang="zh-CN" altLang="en-US" dirty="0"/>
+              <a:t>行和第 </a:t>
+            </a:r>
+            <a:r>
+              <a:rPr lang="en-US" altLang="zh-CN" dirty="0"/>
+              <a:t>10 </a:t>
+            </a:r>
+            <a:r>
+              <a:rPr lang="zh-CN" altLang="en-US" dirty="0"/>
+              <a:t>行递归的调用了自己</a:t>
+            </a:r>
+            <a:endParaRPr lang="en-US" altLang="zh-CN" dirty="0"/>
+          </a:p>
+          <a:p>
+            <a:r>
+              <a:rPr lang="zh-CN" altLang="en-US" dirty="0"/>
+              <a:t>第 </a:t>
+            </a:r>
+            <a:r>
+              <a:rPr lang="en-US" altLang="zh-CN" dirty="0"/>
+              <a:t>13 </a:t>
+            </a:r>
+            <a:r>
+              <a:rPr lang="zh-CN" altLang="en-US" dirty="0"/>
+              <a:t>行是</a:t>
+            </a:r>
+            <a:r>
+              <a:rPr lang="en-US" altLang="zh-CN" dirty="0"/>
+              <a:t>main</a:t>
+            </a:r>
+            <a:r>
+              <a:rPr lang="zh-CN" altLang="en-US" dirty="0"/>
+              <a:t>函数定义，</a:t>
+            </a:r>
+            <a:r>
+              <a:rPr lang="en-US" altLang="zh-CN" dirty="0"/>
+              <a:t>main</a:t>
+            </a:r>
+            <a:r>
+              <a:rPr lang="zh-CN" altLang="en-US" dirty="0"/>
+              <a:t>函数是程序运行的起点。</a:t>
+            </a:r>
+            <a:endParaRPr lang="en-US" altLang="zh-CN" dirty="0"/>
+          </a:p>
+          <a:p>
+            <a:r>
+              <a:rPr lang="zh-CN" altLang="en-US" dirty="0"/>
+              <a:t>第 </a:t>
+            </a:r>
+            <a:r>
+              <a:rPr lang="en-US" altLang="zh-CN" dirty="0"/>
+              <a:t>14</a:t>
+            </a:r>
+            <a:r>
+              <a:rPr lang="zh-CN" altLang="en-US" dirty="0"/>
+              <a:t> 行局部变量定义，后面是 </a:t>
+            </a:r>
+            <a:r>
+              <a:rPr lang="en-US" altLang="zh-CN" dirty="0"/>
+              <a:t>C </a:t>
+            </a:r>
+            <a:r>
+              <a:rPr lang="zh-CN" altLang="en-US" dirty="0"/>
+              <a:t>语言的库函数 </a:t>
+            </a:r>
+            <a:r>
+              <a:rPr lang="en-US" altLang="zh-CN" dirty="0"/>
+              <a:t>scanf</a:t>
+            </a:r>
+            <a:r>
+              <a:rPr lang="zh-CN" altLang="en-US" dirty="0"/>
+              <a:t>，调用 </a:t>
+            </a:r>
+            <a:r>
+              <a:rPr lang="en-US" altLang="zh-CN" dirty="0"/>
+              <a:t>Hanoi </a:t>
+            </a:r>
+            <a:r>
+              <a:rPr lang="zh-CN" altLang="en-US" dirty="0"/>
+              <a:t>函数，最后 </a:t>
+            </a:r>
+            <a:r>
+              <a:rPr lang="en-US" altLang="zh-CN" dirty="0"/>
+              <a:t>return </a:t>
+            </a:r>
+            <a:r>
+              <a:rPr lang="zh-CN" altLang="en-US" dirty="0"/>
+              <a:t>语句退出程序</a:t>
+            </a:r>
+            <a:endParaRPr lang="en-US" altLang="zh-CN" dirty="0"/>
+          </a:p>
+          <a:p>
+            <a:r>
+              <a:rPr lang="zh-CN" altLang="en-US" dirty="0"/>
+              <a:t>从上图可以看出，</a:t>
+            </a:r>
+            <a:r>
+              <a:rPr lang="en-US" altLang="zh-CN" dirty="0"/>
+              <a:t>C-- </a:t>
+            </a:r>
+            <a:r>
+              <a:rPr lang="zh-CN" altLang="en-US" dirty="0"/>
+              <a:t>语言能够完成很多常用的计算任务。</a:t>
+            </a:r>
           </a:p>
         </p:txBody>
       </p:sp>
@@ -1483,7 +4196,7 @@
           <a:p>
             <a:fld id="{3ABA94C9-7537-42BE-891E-274805ED764D}" type="slidenum">
               <a:rPr lang="zh-CN" altLang="en-US" smtClean="0"/>
-              <a:t>10</a:t>
+              <a:t>6</a:t>
             </a:fld>
             <a:endParaRPr lang="zh-CN" altLang="en-US"/>
           </a:p>
@@ -1492,7 +4205,7 @@
     </p:spTree>
     <p:extLst>
       <p:ext uri="{BB962C8B-B14F-4D97-AF65-F5344CB8AC3E}">
-        <p14:creationId xmlns:p14="http://schemas.microsoft.com/office/powerpoint/2010/main" val="2834442636"/>
+        <p14:creationId xmlns:p14="http://schemas.microsoft.com/office/powerpoint/2010/main" val="2244229503"/>
       </p:ext>
     </p:extLst>
   </p:cSld>
@@ -1546,7 +4259,130 @@
           <a:bodyPr/>
           <a:lstStyle/>
           <a:p>
-            <a:endParaRPr lang="zh-CN" altLang="en-US" dirty="0"/>
+            <a:r>
+              <a:rPr lang="en-US" altLang="zh-CN" dirty="0"/>
+              <a:t>C-- </a:t>
+            </a:r>
+            <a:r>
+              <a:rPr lang="zh-CN" altLang="en-US" dirty="0"/>
+              <a:t>语言的目标机器是一个虚拟机。自定义虚拟机可以自行设计指令集，让编译器更加方便地生成目标代码，同时也能学习到各种指令的实现方法，以及程序运行的各种内容。</a:t>
+            </a:r>
+            <a:endParaRPr lang="en-US" altLang="zh-CN" dirty="0"/>
+          </a:p>
+          <a:p>
+            <a:endParaRPr lang="en-US" altLang="zh-CN" dirty="0"/>
+          </a:p>
+          <a:p>
+            <a:r>
+              <a:rPr lang="en-US" altLang="zh-CN" dirty="0"/>
+              <a:t>Puppy </a:t>
+            </a:r>
+            <a:r>
+              <a:rPr lang="zh-CN" altLang="en-US" dirty="0"/>
+              <a:t>虚拟机是一个基于栈的虚拟机，即所有计算操作都在栈上执行，而非寄存器中。它可以运行编译生成的虚拟机指令，得到程序的运行结果。</a:t>
+            </a:r>
+            <a:endParaRPr lang="en-US" altLang="zh-CN" dirty="0"/>
+          </a:p>
+          <a:p>
+            <a:r>
+              <a:rPr lang="zh-CN" altLang="en-US" dirty="0"/>
+              <a:t>左边是 </a:t>
+            </a:r>
+            <a:r>
+              <a:rPr lang="en-US" altLang="zh-CN" dirty="0"/>
+              <a:t>C-- </a:t>
+            </a:r>
+            <a:r>
+              <a:rPr lang="zh-CN" altLang="en-US" dirty="0"/>
+              <a:t>源程序的编译、运行过程。</a:t>
+            </a:r>
+            <a:r>
+              <a:rPr lang="en-US" altLang="zh-CN" dirty="0"/>
+              <a:t>C-- </a:t>
+            </a:r>
+            <a:r>
+              <a:rPr lang="zh-CN" altLang="en-US" dirty="0"/>
+              <a:t>源程序被编译器翻译成虚拟机指令，然后虚拟机运行虚拟机指令得到程序运行结果。</a:t>
+            </a:r>
+            <a:endParaRPr lang="en-US" altLang="zh-CN" dirty="0"/>
+          </a:p>
+          <a:p>
+            <a:r>
+              <a:rPr lang="zh-CN" altLang="en-US" dirty="0"/>
+              <a:t>右边是虚拟机的内部结构。</a:t>
+            </a:r>
+            <a:endParaRPr lang="en-US" altLang="zh-CN" dirty="0"/>
+          </a:p>
+          <a:p>
+            <a:r>
+              <a:rPr lang="en-US" altLang="zh-CN" dirty="0"/>
+              <a:t>stack </a:t>
+            </a:r>
+            <a:r>
+              <a:rPr lang="zh-CN" altLang="en-US" dirty="0"/>
+              <a:t>是运行栈，用于存放程序运行中的数据，</a:t>
+            </a:r>
+            <a:endParaRPr lang="en-US" altLang="zh-CN" dirty="0"/>
+          </a:p>
+          <a:p>
+            <a:r>
+              <a:rPr lang="en-US" altLang="zh-CN" dirty="0"/>
+              <a:t>text</a:t>
+            </a:r>
+            <a:r>
+              <a:rPr lang="zh-CN" altLang="en-US" dirty="0"/>
+              <a:t> 是代码段，用于存放生成的虚拟机指令，</a:t>
+            </a:r>
+            <a:endParaRPr lang="en-US" altLang="zh-CN" dirty="0"/>
+          </a:p>
+          <a:p>
+            <a:r>
+              <a:rPr lang="en-US" altLang="zh-CN" dirty="0"/>
+              <a:t>data </a:t>
+            </a:r>
+            <a:r>
+              <a:rPr lang="zh-CN" altLang="en-US" dirty="0"/>
+              <a:t>是数据段，用于存放源程序中的数据，如全局变量、数组、字符串等数据。</a:t>
+            </a:r>
+            <a:endParaRPr lang="en-US" altLang="zh-CN" dirty="0"/>
+          </a:p>
+          <a:p>
+            <a:r>
+              <a:rPr lang="en-US" altLang="zh-CN" dirty="0"/>
+              <a:t>pc</a:t>
+            </a:r>
+            <a:r>
+              <a:rPr lang="zh-CN" altLang="en-US" dirty="0"/>
+              <a:t> 寄存器用于指向下一条待运行的指令，</a:t>
+            </a:r>
+            <a:r>
+              <a:rPr lang="en-US" altLang="zh-CN" dirty="0"/>
+              <a:t>sp</a:t>
+            </a:r>
+            <a:r>
+              <a:rPr lang="zh-CN" altLang="en-US" dirty="0"/>
+              <a:t> 寄存器指向栈顶，</a:t>
+            </a:r>
+            <a:r>
+              <a:rPr lang="en-US" altLang="zh-CN" dirty="0"/>
+              <a:t>bp </a:t>
+            </a:r>
+            <a:r>
+              <a:rPr lang="zh-CN" altLang="en-US" dirty="0"/>
+              <a:t>寄存器是函数调用栈帧寄存器，</a:t>
+            </a:r>
+            <a:r>
+              <a:rPr lang="en-US" altLang="zh-CN" dirty="0"/>
+              <a:t>ax </a:t>
+            </a:r>
+            <a:r>
+              <a:rPr lang="zh-CN" altLang="en-US" dirty="0"/>
+              <a:t>寄存器用于存储表达式计算结果</a:t>
+            </a:r>
+            <a:endParaRPr lang="en-US" altLang="zh-CN" dirty="0"/>
+          </a:p>
+          <a:p>
+            <a:endParaRPr lang="en-US" altLang="zh-CN" dirty="0"/>
           </a:p>
         </p:txBody>
       </p:sp>
@@ -1567,7 +4403,7 @@
           <a:p>
             <a:fld id="{3ABA94C9-7537-42BE-891E-274805ED764D}" type="slidenum">
               <a:rPr lang="zh-CN" altLang="en-US" smtClean="0"/>
-              <a:t>13</a:t>
+              <a:t>7</a:t>
             </a:fld>
             <a:endParaRPr lang="zh-CN" altLang="en-US"/>
           </a:p>
@@ -1576,7 +4412,7 @@
     </p:spTree>
     <p:extLst>
       <p:ext uri="{BB962C8B-B14F-4D97-AF65-F5344CB8AC3E}">
-        <p14:creationId xmlns:p14="http://schemas.microsoft.com/office/powerpoint/2010/main" val="2337278183"/>
+        <p14:creationId xmlns:p14="http://schemas.microsoft.com/office/powerpoint/2010/main" val="2765376924"/>
       </p:ext>
     </p:extLst>
   </p:cSld>
@@ -1631,37 +4467,20 @@
           <a:lstStyle/>
           <a:p>
             <a:r>
+              <a:rPr lang="zh-CN" altLang="en-US" dirty="0"/>
+              <a:t>。。。念</a:t>
+            </a:r>
+            <a:r>
               <a:rPr lang="en-US" altLang="zh-CN" dirty="0"/>
-              <a:t>int a, b; </a:t>
-            </a:r>
+              <a:t>ppt</a:t>
+            </a:r>
+          </a:p>
+          <a:p>
             <a:r>
               <a:rPr lang="zh-CN" altLang="en-US" dirty="0"/>
-              <a:t>定义中，解析完</a:t>
-            </a:r>
-            <a:r>
-              <a:rPr lang="en-US" altLang="zh-CN" dirty="0"/>
-              <a:t>a</a:t>
-            </a:r>
-            <a:r>
-              <a:rPr lang="zh-CN" altLang="en-US" dirty="0"/>
-              <a:t>后，</a:t>
-            </a:r>
-            <a:r>
-              <a:rPr lang="en-US" altLang="zh-CN" dirty="0"/>
-              <a:t>b</a:t>
-            </a:r>
-            <a:r>
-              <a:rPr lang="zh-CN" altLang="en-US" dirty="0"/>
-              <a:t>也需要知道类型，因此用</a:t>
-            </a:r>
-            <a:r>
-              <a:rPr lang="en-US" altLang="zh-CN" dirty="0"/>
-              <a:t>baseType</a:t>
-            </a:r>
-            <a:r>
-              <a:rPr lang="zh-CN" altLang="en-US" dirty="0"/>
-              <a:t>来记录定义表达式定义语句的基础类型</a:t>
-            </a:r>
+              <a:t>编译器通常分为多个步骤，如。。。</a:t>
+            </a:r>
+            <a:endParaRPr lang="en-US" altLang="zh-CN" dirty="0"/>
           </a:p>
         </p:txBody>
       </p:sp>
@@ -1682,7 +4501,7 @@
           <a:p>
             <a:fld id="{3ABA94C9-7537-42BE-891E-274805ED764D}" type="slidenum">
               <a:rPr lang="zh-CN" altLang="en-US" smtClean="0"/>
-              <a:t>15</a:t>
+              <a:t>8</a:t>
             </a:fld>
             <a:endParaRPr lang="zh-CN" altLang="en-US"/>
           </a:p>
@@ -1691,7 +4510,7 @@
     </p:spTree>
     <p:extLst>
       <p:ext uri="{BB962C8B-B14F-4D97-AF65-F5344CB8AC3E}">
-        <p14:creationId xmlns:p14="http://schemas.microsoft.com/office/powerpoint/2010/main" val="3969681576"/>
+        <p14:creationId xmlns:p14="http://schemas.microsoft.com/office/powerpoint/2010/main" val="3798038116"/>
       </p:ext>
     </p:extLst>
   </p:cSld>
@@ -1746,9 +4565,42 @@
           <a:lstStyle/>
           <a:p>
             <a:r>
+              <a:rPr lang="en-US" altLang="zh-CN" dirty="0"/>
+              <a:t>C-- </a:t>
+            </a:r>
+            <a:r>
               <a:rPr lang="zh-CN" altLang="en-US" dirty="0"/>
-              <a:t>对于函数调用的语义分析呢？</a:t>
-            </a:r>
+              <a:t>编译器采用。。。主要有四个模块。</a:t>
+            </a:r>
+            <a:endParaRPr lang="en-US" altLang="zh-CN" dirty="0"/>
+          </a:p>
+          <a:p>
+            <a:r>
+              <a:rPr lang="zh-CN" altLang="en-US" dirty="0"/>
+              <a:t>词法分析模块完成词法单元的截取，它别设计为一个子程序，用于被解析模块调用。</a:t>
+            </a:r>
+            <a:endParaRPr lang="en-US" altLang="zh-CN" dirty="0"/>
+          </a:p>
+          <a:p>
+            <a:r>
+              <a:rPr lang="zh-CN" altLang="en-US" dirty="0"/>
+              <a:t>解析模块中，语法分析、语义分析和代码生成同时进行。</a:t>
+            </a:r>
+            <a:endParaRPr lang="en-US" altLang="zh-CN" dirty="0"/>
+          </a:p>
+          <a:p>
+            <a:r>
+              <a:rPr lang="zh-CN" altLang="en-US" dirty="0"/>
+              <a:t>符号表管理模块则对编译过程中产生的符号进行管理。</a:t>
+            </a:r>
+            <a:endParaRPr lang="en-US" altLang="zh-CN" dirty="0"/>
+          </a:p>
+          <a:p>
+            <a:r>
+              <a:rPr lang="zh-CN" altLang="en-US" dirty="0"/>
+              <a:t>错误处理模块对编译过程中产生的问题进行处理。</a:t>
+            </a:r>
+            <a:endParaRPr lang="en-US" altLang="zh-CN" dirty="0"/>
           </a:p>
         </p:txBody>
       </p:sp>
@@ -1769,7 +4621,7 @@
           <a:p>
             <a:fld id="{3ABA94C9-7537-42BE-891E-274805ED764D}" type="slidenum">
               <a:rPr lang="zh-CN" altLang="en-US" smtClean="0"/>
-              <a:t>17</a:t>
+              <a:t>9</a:t>
             </a:fld>
             <a:endParaRPr lang="zh-CN" altLang="en-US"/>
           </a:p>
@@ -1778,7 +4630,7 @@
     </p:spTree>
     <p:extLst>
       <p:ext uri="{BB962C8B-B14F-4D97-AF65-F5344CB8AC3E}">
-        <p14:creationId xmlns:p14="http://schemas.microsoft.com/office/powerpoint/2010/main" val="3503763728"/>
+        <p14:creationId xmlns:p14="http://schemas.microsoft.com/office/powerpoint/2010/main" val="3371942981"/>
       </p:ext>
     </p:extLst>
   </p:cSld>
@@ -1935,7 +4787,7 @@
           <a:p>
             <a:fld id="{1D629A81-BF25-4A87-AD34-E0275722D496}" type="datetimeFigureOut">
               <a:rPr lang="zh-CN" altLang="en-US" smtClean="0"/>
-              <a:t>2018/6/4</a:t>
+              <a:t>2018/6/6</a:t>
             </a:fld>
             <a:endParaRPr lang="zh-CN" altLang="en-US"/>
           </a:p>
@@ -2133,7 +4985,7 @@
           <a:p>
             <a:fld id="{1D629A81-BF25-4A87-AD34-E0275722D496}" type="datetimeFigureOut">
               <a:rPr lang="zh-CN" altLang="en-US" smtClean="0"/>
-              <a:t>2018/6/4</a:t>
+              <a:t>2018/6/6</a:t>
             </a:fld>
             <a:endParaRPr lang="zh-CN" altLang="en-US"/>
           </a:p>
@@ -2341,7 +5193,7 @@
           <a:p>
             <a:fld id="{1D629A81-BF25-4A87-AD34-E0275722D496}" type="datetimeFigureOut">
               <a:rPr lang="zh-CN" altLang="en-US" smtClean="0"/>
-              <a:t>2018/6/4</a:t>
+              <a:t>2018/6/6</a:t>
             </a:fld>
             <a:endParaRPr lang="zh-CN" altLang="en-US"/>
           </a:p>
@@ -2539,7 +5391,7 @@
           <a:p>
             <a:fld id="{1D629A81-BF25-4A87-AD34-E0275722D496}" type="datetimeFigureOut">
               <a:rPr lang="zh-CN" altLang="en-US" smtClean="0"/>
-              <a:t>2018/6/4</a:t>
+              <a:t>2018/6/6</a:t>
             </a:fld>
             <a:endParaRPr lang="zh-CN" altLang="en-US"/>
           </a:p>
@@ -2814,7 +5666,7 @@
           <a:p>
             <a:fld id="{1D629A81-BF25-4A87-AD34-E0275722D496}" type="datetimeFigureOut">
               <a:rPr lang="zh-CN" altLang="en-US" smtClean="0"/>
-              <a:t>2018/6/4</a:t>
+              <a:t>2018/6/6</a:t>
             </a:fld>
             <a:endParaRPr lang="zh-CN" altLang="en-US"/>
           </a:p>
@@ -3079,7 +5931,7 @@
           <a:p>
             <a:fld id="{1D629A81-BF25-4A87-AD34-E0275722D496}" type="datetimeFigureOut">
               <a:rPr lang="zh-CN" altLang="en-US" smtClean="0"/>
-              <a:t>2018/6/4</a:t>
+              <a:t>2018/6/6</a:t>
             </a:fld>
             <a:endParaRPr lang="zh-CN" altLang="en-US"/>
           </a:p>
@@ -3491,7 +6343,7 @@
           <a:p>
             <a:fld id="{1D629A81-BF25-4A87-AD34-E0275722D496}" type="datetimeFigureOut">
               <a:rPr lang="zh-CN" altLang="en-US" smtClean="0"/>
-              <a:t>2018/6/4</a:t>
+              <a:t>2018/6/6</a:t>
             </a:fld>
             <a:endParaRPr lang="zh-CN" altLang="en-US"/>
           </a:p>
@@ -3632,7 +6484,7 @@
           <a:p>
             <a:fld id="{1D629A81-BF25-4A87-AD34-E0275722D496}" type="datetimeFigureOut">
               <a:rPr lang="zh-CN" altLang="en-US" smtClean="0"/>
-              <a:t>2018/6/4</a:t>
+              <a:t>2018/6/6</a:t>
             </a:fld>
             <a:endParaRPr lang="zh-CN" altLang="en-US"/>
           </a:p>
@@ -3745,7 +6597,7 @@
           <a:p>
             <a:fld id="{1D629A81-BF25-4A87-AD34-E0275722D496}" type="datetimeFigureOut">
               <a:rPr lang="zh-CN" altLang="en-US" smtClean="0"/>
-              <a:t>2018/6/4</a:t>
+              <a:t>2018/6/6</a:t>
             </a:fld>
             <a:endParaRPr lang="zh-CN" altLang="en-US"/>
           </a:p>
@@ -4056,7 +6908,7 @@
           <a:p>
             <a:fld id="{1D629A81-BF25-4A87-AD34-E0275722D496}" type="datetimeFigureOut">
               <a:rPr lang="zh-CN" altLang="en-US" smtClean="0"/>
-              <a:t>2018/6/4</a:t>
+              <a:t>2018/6/6</a:t>
             </a:fld>
             <a:endParaRPr lang="zh-CN" altLang="en-US"/>
           </a:p>
@@ -4344,7 +7196,7 @@
           <a:p>
             <a:fld id="{1D629A81-BF25-4A87-AD34-E0275722D496}" type="datetimeFigureOut">
               <a:rPr lang="zh-CN" altLang="en-US" smtClean="0"/>
-              <a:t>2018/6/4</a:t>
+              <a:t>2018/6/6</a:t>
             </a:fld>
             <a:endParaRPr lang="zh-CN" altLang="en-US"/>
           </a:p>
@@ -4585,7 +7437,7 @@
           <a:p>
             <a:fld id="{1D629A81-BF25-4A87-AD34-E0275722D496}" type="datetimeFigureOut">
               <a:rPr lang="zh-CN" altLang="en-US" smtClean="0"/>
-              <a:t>2018/6/4</a:t>
+              <a:t>2018/6/6</a:t>
             </a:fld>
             <a:endParaRPr lang="zh-CN" altLang="en-US"/>
           </a:p>
@@ -5002,64 +7854,170 @@
           <a:chExt cx="0" cy="0"/>
         </a:xfrm>
       </p:grpSpPr>
-      <p:sp>
-        <p:nvSpPr>
-          <p:cNvPr id="6" name="矩形 5">
-            <a:extLst>
-              <a:ext uri="{FF2B5EF4-FFF2-40B4-BE49-F238E27FC236}">
-                <a16:creationId xmlns:a16="http://schemas.microsoft.com/office/drawing/2014/main" id="{861981C7-83C5-4CA6-9A15-9C08488D7E80}"/>
-              </a:ext>
-            </a:extLst>
-          </p:cNvPr>
-          <p:cNvSpPr/>
-          <p:nvPr/>
-        </p:nvSpPr>
-        <p:spPr>
-          <a:xfrm>
-            <a:off x="0" y="2112688"/>
+      <p:grpSp>
+        <p:nvGrpSpPr>
+          <p:cNvPr id="2" name="组合 1">
+            <a:extLst>
+              <a:ext uri="{FF2B5EF4-FFF2-40B4-BE49-F238E27FC236}">
+                <a16:creationId xmlns:a16="http://schemas.microsoft.com/office/drawing/2014/main" id="{BD56A0B8-10B5-46F1-9954-4BAEED177F3C}"/>
+              </a:ext>
+            </a:extLst>
+          </p:cNvPr>
+          <p:cNvGrpSpPr/>
+          <p:nvPr/>
+        </p:nvGrpSpPr>
+        <p:grpSpPr>
+          <a:xfrm>
+            <a:off x="0" y="1481092"/>
             <a:ext cx="12192000" cy="2632624"/>
-          </a:xfrm>
-          <a:prstGeom prst="rect">
-            <a:avLst/>
-          </a:prstGeom>
-          <a:solidFill>
-            <a:srgbClr val="237FE5"/>
-          </a:solidFill>
-          <a:ln>
+            <a:chOff x="0" y="2112688"/>
+            <a:chExt cx="12192000" cy="2632624"/>
+          </a:xfrm>
+        </p:grpSpPr>
+        <p:sp>
+          <p:nvSpPr>
+            <p:cNvPr id="6" name="矩形 5">
+              <a:extLst>
+                <a:ext uri="{FF2B5EF4-FFF2-40B4-BE49-F238E27FC236}">
+                  <a16:creationId xmlns:a16="http://schemas.microsoft.com/office/drawing/2014/main" id="{861981C7-83C5-4CA6-9A15-9C08488D7E80}"/>
+                </a:ext>
+              </a:extLst>
+            </p:cNvPr>
+            <p:cNvSpPr/>
+            <p:nvPr/>
+          </p:nvSpPr>
+          <p:spPr>
+            <a:xfrm>
+              <a:off x="0" y="2112688"/>
+              <a:ext cx="12192000" cy="2632624"/>
+            </a:xfrm>
+            <a:prstGeom prst="rect">
+              <a:avLst/>
+            </a:prstGeom>
+            <a:solidFill>
+              <a:srgbClr val="237FE5"/>
+            </a:solidFill>
+            <a:ln>
+              <a:noFill/>
+            </a:ln>
+          </p:spPr>
+          <p:style>
+            <a:lnRef idx="2">
+              <a:schemeClr val="accent1">
+                <a:shade val="50000"/>
+              </a:schemeClr>
+            </a:lnRef>
+            <a:fillRef idx="1">
+              <a:schemeClr val="accent1"/>
+            </a:fillRef>
+            <a:effectRef idx="0">
+              <a:schemeClr val="accent1"/>
+            </a:effectRef>
+            <a:fontRef idx="minor">
+              <a:schemeClr val="lt1"/>
+            </a:fontRef>
+          </p:style>
+          <p:txBody>
+            <a:bodyPr rtlCol="0" anchor="ctr"/>
+            <a:lstStyle/>
+            <a:p>
+              <a:pPr algn="ctr"/>
+              <a:endParaRPr lang="zh-CN" altLang="en-US" dirty="0"/>
+            </a:p>
+          </p:txBody>
+        </p:sp>
+        <p:sp>
+          <p:nvSpPr>
+            <p:cNvPr id="7" name="文本框 6">
+              <a:extLst>
+                <a:ext uri="{FF2B5EF4-FFF2-40B4-BE49-F238E27FC236}">
+                  <a16:creationId xmlns:a16="http://schemas.microsoft.com/office/drawing/2014/main" id="{3AC34792-0EE4-431C-BFBD-FECF52F0EB1C}"/>
+                </a:ext>
+              </a:extLst>
+            </p:cNvPr>
+            <p:cNvSpPr txBox="1"/>
+            <p:nvPr/>
+          </p:nvSpPr>
+          <p:spPr>
+            <a:xfrm>
+              <a:off x="1242060" y="2292631"/>
+              <a:ext cx="9707880" cy="2272738"/>
+            </a:xfrm>
+            <a:prstGeom prst="rect">
+              <a:avLst/>
+            </a:prstGeom>
             <a:noFill/>
-          </a:ln>
-        </p:spPr>
-        <p:style>
-          <a:lnRef idx="2">
-            <a:schemeClr val="accent1">
-              <a:shade val="50000"/>
-            </a:schemeClr>
-          </a:lnRef>
-          <a:fillRef idx="1">
-            <a:schemeClr val="accent1"/>
-          </a:fillRef>
-          <a:effectRef idx="0">
-            <a:schemeClr val="accent1"/>
-          </a:effectRef>
-          <a:fontRef idx="minor">
-            <a:schemeClr val="lt1"/>
-          </a:fontRef>
-        </p:style>
-        <p:txBody>
-          <a:bodyPr rtlCol="0" anchor="ctr"/>
-          <a:lstStyle/>
-          <a:p>
-            <a:pPr algn="ctr"/>
-            <a:endParaRPr lang="zh-CN" altLang="en-US" dirty="0"/>
-          </a:p>
-        </p:txBody>
-      </p:sp>
-      <p:sp>
-        <p:nvSpPr>
-          <p:cNvPr id="7" name="文本框 6">
-            <a:extLst>
-              <a:ext uri="{FF2B5EF4-FFF2-40B4-BE49-F238E27FC236}">
-                <a16:creationId xmlns:a16="http://schemas.microsoft.com/office/drawing/2014/main" id="{3AC34792-0EE4-431C-BFBD-FECF52F0EB1C}"/>
+          </p:spPr>
+          <p:txBody>
+            <a:bodyPr wrap="square" rtlCol="0">
+              <a:spAutoFit/>
+            </a:bodyPr>
+            <a:lstStyle/>
+            <a:p>
+              <a:pPr algn="ctr">
+                <a:lnSpc>
+                  <a:spcPts val="8800"/>
+                </a:lnSpc>
+              </a:pPr>
+              <a:r>
+                <a:rPr lang="zh-CN" altLang="en-US" sz="6000" dirty="0">
+                  <a:solidFill>
+                    <a:schemeClr val="bg1"/>
+                  </a:solidFill>
+                  <a:ea typeface="+mj-ea"/>
+                </a:rPr>
+                <a:t>程序设计语言</a:t>
+              </a:r>
+              <a:r>
+                <a:rPr lang="en-US" altLang="zh-CN" sz="6000" dirty="0">
+                  <a:solidFill>
+                    <a:schemeClr val="bg1"/>
+                  </a:solidFill>
+                  <a:ea typeface="+mj-ea"/>
+                </a:rPr>
+                <a:t>C--</a:t>
+              </a:r>
+              <a:r>
+                <a:rPr lang="zh-CN" altLang="en-US" sz="6000" dirty="0">
+                  <a:solidFill>
+                    <a:schemeClr val="bg1"/>
+                  </a:solidFill>
+                  <a:ea typeface="+mj-ea"/>
+                </a:rPr>
+                <a:t>的编译器</a:t>
+              </a:r>
+              <a:endParaRPr lang="en-US" altLang="zh-CN" sz="6000" dirty="0">
+                <a:solidFill>
+                  <a:schemeClr val="bg1"/>
+                </a:solidFill>
+                <a:ea typeface="+mj-ea"/>
+              </a:endParaRPr>
+            </a:p>
+            <a:p>
+              <a:pPr algn="ctr">
+                <a:lnSpc>
+                  <a:spcPts val="8800"/>
+                </a:lnSpc>
+              </a:pPr>
+              <a:r>
+                <a:rPr lang="zh-CN" altLang="en-US" sz="6000" dirty="0">
+                  <a:solidFill>
+                    <a:schemeClr val="bg1"/>
+                  </a:solidFill>
+                  <a:ea typeface="+mj-ea"/>
+                </a:rPr>
+                <a:t>设计与实现</a:t>
+              </a:r>
+            </a:p>
+          </p:txBody>
+        </p:sp>
+      </p:grpSp>
+      <p:sp>
+        <p:nvSpPr>
+          <p:cNvPr id="8" name="文本框 7">
+            <a:extLst>
+              <a:ext uri="{FF2B5EF4-FFF2-40B4-BE49-F238E27FC236}">
+                <a16:creationId xmlns:a16="http://schemas.microsoft.com/office/drawing/2014/main" id="{8DB57050-BCB9-400E-9B08-3A6C7D4D797B}"/>
               </a:ext>
             </a:extLst>
           </p:cNvPr>
@@ -5068,93 +8026,8 @@
         </p:nvSpPr>
         <p:spPr>
           <a:xfrm>
-            <a:off x="1242060" y="2292631"/>
-            <a:ext cx="9707880" cy="2272738"/>
-          </a:xfrm>
-          <a:prstGeom prst="rect">
-            <a:avLst/>
-          </a:prstGeom>
-          <a:noFill/>
-        </p:spPr>
-        <p:txBody>
-          <a:bodyPr wrap="square" rtlCol="0">
-            <a:spAutoFit/>
-          </a:bodyPr>
-          <a:lstStyle/>
-          <a:p>
-            <a:pPr algn="ctr">
-              <a:lnSpc>
-                <a:spcPts val="8800"/>
-              </a:lnSpc>
-            </a:pPr>
-            <a:r>
-              <a:rPr lang="zh-CN" altLang="en-US" sz="6000" dirty="0">
-                <a:solidFill>
-                  <a:schemeClr val="bg1"/>
-                </a:solidFill>
-                <a:ea typeface="+mj-ea"/>
-              </a:rPr>
-              <a:t>程序设计语言</a:t>
-            </a:r>
-            <a:r>
-              <a:rPr lang="en-US" altLang="zh-CN" sz="6000" dirty="0">
-                <a:solidFill>
-                  <a:schemeClr val="bg1"/>
-                </a:solidFill>
-                <a:ea typeface="+mj-ea"/>
-              </a:rPr>
-              <a:t>C--</a:t>
-            </a:r>
-            <a:r>
-              <a:rPr lang="zh-CN" altLang="en-US" sz="6000" dirty="0">
-                <a:solidFill>
-                  <a:schemeClr val="bg1"/>
-                </a:solidFill>
-                <a:ea typeface="+mj-ea"/>
-              </a:rPr>
-              <a:t>的编译器</a:t>
-            </a:r>
-            <a:endParaRPr lang="en-US" altLang="zh-CN" sz="6000" dirty="0">
-              <a:solidFill>
-                <a:schemeClr val="bg1"/>
-              </a:solidFill>
-              <a:ea typeface="+mj-ea"/>
-            </a:endParaRPr>
-          </a:p>
-          <a:p>
-            <a:pPr algn="ctr">
-              <a:lnSpc>
-                <a:spcPts val="8800"/>
-              </a:lnSpc>
-            </a:pPr>
-            <a:r>
-              <a:rPr lang="zh-CN" altLang="en-US" sz="6000" dirty="0">
-                <a:solidFill>
-                  <a:schemeClr val="bg1"/>
-                </a:solidFill>
-                <a:ea typeface="+mj-ea"/>
-              </a:rPr>
-              <a:t>设计与实现</a:t>
-            </a:r>
-          </a:p>
-        </p:txBody>
-      </p:sp>
-      <p:sp>
-        <p:nvSpPr>
-          <p:cNvPr id="8" name="文本框 7">
-            <a:extLst>
-              <a:ext uri="{FF2B5EF4-FFF2-40B4-BE49-F238E27FC236}">
-                <a16:creationId xmlns:a16="http://schemas.microsoft.com/office/drawing/2014/main" id="{8DB57050-BCB9-400E-9B08-3A6C7D4D797B}"/>
-              </a:ext>
-            </a:extLst>
-          </p:cNvPr>
-          <p:cNvSpPr txBox="1"/>
-          <p:nvPr/>
-        </p:nvSpPr>
-        <p:spPr>
-          <a:xfrm>
-            <a:off x="7909391" y="5118326"/>
-            <a:ext cx="3893269" cy="1477328"/>
+            <a:off x="7945753" y="4826769"/>
+            <a:ext cx="3647534" cy="1477328"/>
           </a:xfrm>
           <a:prstGeom prst="rect">
             <a:avLst/>
@@ -5179,7 +8052,7 @@
                 </a:solidFill>
                 <a:ea typeface="+mj-ea"/>
               </a:rPr>
-              <a:t>答  辩  人</a:t>
+              <a:t>姓   名</a:t>
             </a:r>
             <a:r>
               <a:rPr lang="en-US" altLang="zh-CN" sz="2400" dirty="0">
@@ -5219,7 +8092,7 @@
                 </a:solidFill>
                 <a:ea typeface="+mj-ea"/>
               </a:rPr>
-              <a:t>班       级 </a:t>
+              <a:t>班   级</a:t>
             </a:r>
             <a:r>
               <a:rPr lang="en-US" altLang="zh-CN" sz="2400" dirty="0">
@@ -5262,7 +8135,7 @@
                 </a:solidFill>
                 <a:ea typeface="+mj-ea"/>
               </a:rPr>
-              <a:t>学       号 </a:t>
+              <a:t>学   号</a:t>
             </a:r>
             <a:r>
               <a:rPr lang="en-US" altLang="zh-CN" sz="2400" dirty="0">
@@ -5290,7 +8163,7 @@
         </p:nvSpPr>
         <p:spPr>
           <a:xfrm>
-            <a:off x="243840" y="243840"/>
+            <a:off x="234413" y="375815"/>
             <a:ext cx="2316480" cy="523220"/>
           </a:xfrm>
           <a:prstGeom prst="rect">
@@ -7269,7 +10142,7 @@
                 </a:solidFill>
                 <a:latin typeface="+mj-ea"/>
               </a:rPr>
-              <a:t>记录当前符号在源代码中的位置</a:t>
+              <a:t>记录当前扫描的字符在源代码中的位置</a:t>
             </a:r>
             <a:endParaRPr lang="zh-CN" altLang="en-US" dirty="0"/>
           </a:p>
@@ -7478,7 +10351,7 @@
           <p:nvPr/>
         </p:nvPicPr>
         <p:blipFill>
-          <a:blip r:embed="rId2"/>
+          <a:blip r:embed="rId3"/>
           <a:stretch>
             <a:fillRect/>
           </a:stretch>
@@ -7868,7 +10741,7 @@
         <p:spPr>
           <a:xfrm>
             <a:off x="1005687" y="1326282"/>
-            <a:ext cx="4331423" cy="646331"/>
+            <a:ext cx="4492288" cy="646331"/>
           </a:xfrm>
           <a:prstGeom prst="rect">
             <a:avLst/>
@@ -9424,7 +12297,7 @@
                   </a:schemeClr>
                 </a:solidFill>
               </a:rPr>
-              <a:t>klass</a:t>
+              <a:t>class</a:t>
             </a:r>
             <a:endParaRPr lang="zh-CN" altLang="en-US" sz="1600" dirty="0">
               <a:solidFill>
@@ -10881,7 +13754,7 @@
                   </a:schemeClr>
                 </a:solidFill>
               </a:rPr>
-              <a:t>klass:</a:t>
+              <a:t>class:</a:t>
             </a:r>
             <a:endParaRPr lang="zh-CN" altLang="en-US" dirty="0">
               <a:solidFill>
@@ -11059,7 +13932,7 @@
         <p:spPr>
           <a:xfrm>
             <a:off x="6772037" y="4034672"/>
-            <a:ext cx="5032148" cy="369332"/>
+            <a:ext cx="4073441" cy="369332"/>
           </a:xfrm>
           <a:prstGeom prst="rect">
             <a:avLst/>
@@ -11102,7 +13975,7 @@
                   </a:schemeClr>
                 </a:solidFill>
               </a:rPr>
-              <a:t>值，优化对符号表的查找速度</a:t>
+              <a:t>值，优化符号表的查找速度</a:t>
             </a:r>
             <a:endParaRPr lang="zh-CN" altLang="en-US" dirty="0"/>
           </a:p>
@@ -13279,7 +16152,7 @@
         <p:spPr>
           <a:xfrm>
             <a:off x="6455671" y="2144481"/>
-            <a:ext cx="3166025" cy="369332"/>
+            <a:ext cx="3938395" cy="369332"/>
           </a:xfrm>
           <a:prstGeom prst="rect">
             <a:avLst/>
@@ -13300,7 +16173,7 @@
                   </a:schemeClr>
                 </a:solidFill>
               </a:rPr>
-              <a:t>符号的列表，存储所有的符号</a:t>
+              <a:t>符号的列表，存储缠身的所有符号</a:t>
             </a:r>
             <a:endParaRPr lang="zh-CN" altLang="en-US" dirty="0"/>
           </a:p>
@@ -14423,7 +17296,7 @@
           <p:nvPr/>
         </p:nvPicPr>
         <p:blipFill>
-          <a:blip r:embed="rId2"/>
+          <a:blip r:embed="rId3"/>
           <a:stretch>
             <a:fillRect/>
           </a:stretch>
@@ -14461,7 +17334,7 @@
         <p:spPr>
           <a:xfrm>
             <a:off x="4336650" y="6182234"/>
-            <a:ext cx="1824225" cy="461665"/>
+            <a:ext cx="1971553" cy="461665"/>
           </a:xfrm>
           <a:prstGeom prst="rect">
             <a:avLst/>
@@ -14473,7 +17346,7 @@
           </a:bodyPr>
           <a:lstStyle/>
           <a:p>
-            <a:pPr>
+            <a:pPr algn="ctr">
               <a:lnSpc>
                 <a:spcPct val="150000"/>
               </a:lnSpc>
@@ -17385,7 +20258,7 @@
         <p:spPr>
           <a:xfrm>
             <a:off x="814675" y="541404"/>
-            <a:ext cx="10673143" cy="1107996"/>
+            <a:ext cx="10673143" cy="646331"/>
           </a:xfrm>
           <a:prstGeom prst="rect">
             <a:avLst/>
@@ -17422,7 +20295,7 @@
                   </a:schemeClr>
                 </a:solidFill>
               </a:rPr>
-              <a:t>采用递归下降法实现，即为每个文法编写一个递归过程，通过该过程匹配符合该文法的句子。</a:t>
+              <a:t>采用递归下降法实现，即为每个文法编写一个递归过程来匹配符合该文法的句子。</a:t>
             </a:r>
             <a:endParaRPr lang="en-US" altLang="zh-CN" sz="2000" dirty="0">
               <a:solidFill>
@@ -17449,7 +20322,7 @@
         </p:nvSpPr>
         <p:spPr>
           <a:xfrm>
-            <a:off x="814675" y="1601362"/>
+            <a:off x="814675" y="1496858"/>
             <a:ext cx="9794231" cy="553998"/>
           </a:xfrm>
           <a:prstGeom prst="rect">
@@ -17526,14 +20399,14 @@
           <p:nvPr/>
         </p:nvPicPr>
         <p:blipFill>
-          <a:blip r:embed="rId2"/>
+          <a:blip r:embed="rId3"/>
           <a:stretch>
             <a:fillRect/>
           </a:stretch>
         </p:blipFill>
         <p:spPr>
           <a:xfrm>
-            <a:off x="4862264" y="2483333"/>
+            <a:off x="4862264" y="2378829"/>
             <a:ext cx="4132580" cy="3497884"/>
           </a:xfrm>
           <a:prstGeom prst="rect">
@@ -17563,7 +20436,7 @@
         </p:nvSpPr>
         <p:spPr>
           <a:xfrm>
-            <a:off x="5701708" y="6127199"/>
+            <a:off x="5701708" y="6022695"/>
             <a:ext cx="2453692" cy="461665"/>
           </a:xfrm>
           <a:prstGeom prst="rect">
@@ -17609,7 +20482,7 @@
         </p:nvSpPr>
         <p:spPr>
           <a:xfrm>
-            <a:off x="2056448" y="3167280"/>
+            <a:off x="2056448" y="3062776"/>
             <a:ext cx="2805816" cy="461665"/>
           </a:xfrm>
           <a:prstGeom prst="rect">
@@ -17685,7 +20558,7 @@
         </p:nvSpPr>
         <p:spPr>
           <a:xfrm>
-            <a:off x="2056448" y="4699233"/>
+            <a:off x="2056448" y="4594729"/>
             <a:ext cx="2805816" cy="461665"/>
           </a:xfrm>
           <a:prstGeom prst="rect">
@@ -22265,7 +25138,7 @@
         </p:nvSpPr>
         <p:spPr>
           <a:xfrm>
-            <a:off x="7581413" y="2937395"/>
+            <a:off x="7435109" y="2937395"/>
             <a:ext cx="2258867" cy="400110"/>
           </a:xfrm>
           <a:prstGeom prst="rect">
@@ -22323,7 +25196,7 @@
         </p:nvSpPr>
         <p:spPr>
           <a:xfrm>
-            <a:off x="7581413" y="3337505"/>
+            <a:off x="7435109" y="3337505"/>
             <a:ext cx="2258867" cy="400110"/>
           </a:xfrm>
           <a:prstGeom prst="rect">
@@ -22381,7 +25254,7 @@
         </p:nvSpPr>
         <p:spPr>
           <a:xfrm>
-            <a:off x="7581413" y="3737615"/>
+            <a:off x="7435109" y="3737615"/>
             <a:ext cx="2258867" cy="400110"/>
           </a:xfrm>
           <a:prstGeom prst="rect">
@@ -22439,7 +25312,7 @@
         </p:nvSpPr>
         <p:spPr>
           <a:xfrm>
-            <a:off x="7581413" y="4137725"/>
+            <a:off x="7435109" y="4137725"/>
             <a:ext cx="2258867" cy="400110"/>
           </a:xfrm>
           <a:prstGeom prst="rect">
@@ -22497,7 +25370,7 @@
         </p:nvSpPr>
         <p:spPr>
           <a:xfrm>
-            <a:off x="7581413" y="4537835"/>
+            <a:off x="7435109" y="4537835"/>
             <a:ext cx="2258867" cy="400110"/>
           </a:xfrm>
           <a:prstGeom prst="rect">
@@ -22555,7 +25428,7 @@
         </p:nvSpPr>
         <p:spPr>
           <a:xfrm>
-            <a:off x="7581413" y="4937945"/>
+            <a:off x="7435109" y="4937945"/>
             <a:ext cx="2258867" cy="400110"/>
           </a:xfrm>
           <a:prstGeom prst="rect">
@@ -22613,7 +25486,7 @@
         </p:nvSpPr>
         <p:spPr>
           <a:xfrm>
-            <a:off x="6276732" y="4868094"/>
+            <a:off x="6130428" y="4868094"/>
             <a:ext cx="913174" cy="424155"/>
           </a:xfrm>
           <a:prstGeom prst="rect">
@@ -22667,7 +25540,7 @@
         </p:nvSpPr>
         <p:spPr>
           <a:xfrm>
-            <a:off x="6220170" y="5252455"/>
+            <a:off x="6073866" y="5252455"/>
             <a:ext cx="913174" cy="424155"/>
           </a:xfrm>
           <a:prstGeom prst="rect">
@@ -22721,7 +25594,7 @@
         </p:nvSpPr>
         <p:spPr>
           <a:xfrm>
-            <a:off x="7581413" y="5338055"/>
+            <a:off x="7435109" y="5338055"/>
             <a:ext cx="2258867" cy="400110"/>
           </a:xfrm>
           <a:prstGeom prst="rect">
@@ -22783,7 +25656,7 @@
         </p:nvCxnSpPr>
         <p:spPr>
           <a:xfrm rot="10800000" flipV="1">
-            <a:off x="7581414" y="3973332"/>
+            <a:off x="7435110" y="3973332"/>
             <a:ext cx="12700" cy="1200330"/>
           </a:xfrm>
           <a:prstGeom prst="curvedConnector3">
@@ -22834,7 +25707,7 @@
         </p:nvCxnSpPr>
         <p:spPr>
           <a:xfrm rot="10800000" flipV="1">
-            <a:off x="7581414" y="4773552"/>
+            <a:off x="7435110" y="4773552"/>
             <a:ext cx="12700" cy="800220"/>
           </a:xfrm>
           <a:prstGeom prst="curvedConnector3">
@@ -22881,7 +25754,7 @@
         </p:nvSpPr>
         <p:spPr>
           <a:xfrm>
-            <a:off x="9945038" y="3275950"/>
+            <a:off x="9798734" y="3275950"/>
             <a:ext cx="1244577" cy="461665"/>
           </a:xfrm>
           <a:prstGeom prst="rect">
@@ -22935,7 +25808,7 @@
         </p:nvSpPr>
         <p:spPr>
           <a:xfrm>
-            <a:off x="9945039" y="4076170"/>
+            <a:off x="9798735" y="4076170"/>
             <a:ext cx="1244577" cy="461665"/>
           </a:xfrm>
           <a:prstGeom prst="rect">
@@ -22989,7 +25862,7 @@
         </p:nvSpPr>
         <p:spPr>
           <a:xfrm>
-            <a:off x="9945038" y="4886848"/>
+            <a:off x="9798734" y="4886848"/>
             <a:ext cx="1244577" cy="461665"/>
           </a:xfrm>
           <a:prstGeom prst="rect">
@@ -23426,7 +26299,7 @@
         </p:nvSpPr>
         <p:spPr>
           <a:xfrm>
-            <a:off x="7145541" y="5964827"/>
+            <a:off x="6999237" y="5964827"/>
             <a:ext cx="3130613" cy="461665"/>
           </a:xfrm>
           <a:prstGeom prst="rect">
@@ -23564,6 +26437,63 @@
             <a:r>
               <a:rPr lang="zh-CN" altLang="en-US" sz="2000" dirty="0"/>
               <a:t>编译器设计与实现</a:t>
+            </a:r>
+          </a:p>
+        </p:txBody>
+      </p:sp>
+      <p:sp>
+        <p:nvSpPr>
+          <p:cNvPr id="24" name="矩形 23">
+            <a:extLst>
+              <a:ext uri="{FF2B5EF4-FFF2-40B4-BE49-F238E27FC236}">
+                <a16:creationId xmlns:a16="http://schemas.microsoft.com/office/drawing/2014/main" id="{0A7BB011-AD4B-4041-8D0B-A3C2C6DD9376}"/>
+              </a:ext>
+            </a:extLst>
+          </p:cNvPr>
+          <p:cNvSpPr/>
+          <p:nvPr/>
+        </p:nvSpPr>
+        <p:spPr>
+          <a:xfrm>
+            <a:off x="9798734" y="5271351"/>
+            <a:ext cx="1694288" cy="461665"/>
+          </a:xfrm>
+          <a:prstGeom prst="rect">
+            <a:avLst/>
+          </a:prstGeom>
+        </p:spPr>
+        <p:txBody>
+          <a:bodyPr wrap="square">
+            <a:spAutoFit/>
+          </a:bodyPr>
+          <a:lstStyle/>
+          <a:p>
+            <a:pPr>
+              <a:lnSpc>
+                <a:spcPct val="150000"/>
+              </a:lnSpc>
+            </a:pPr>
+            <a:r>
+              <a:rPr lang="en-US" altLang="zh-CN" sz="1600" dirty="0">
+                <a:solidFill>
+                  <a:schemeClr val="tx1">
+                    <a:lumMod val="65000"/>
+                    <a:lumOff val="35000"/>
+                  </a:schemeClr>
+                </a:solidFill>
+              </a:rPr>
+              <a:t>---- if </a:t>
+            </a:r>
+            <a:r>
+              <a:rPr lang="zh-CN" altLang="en-US" sz="1600" dirty="0">
+                <a:solidFill>
+                  <a:schemeClr val="tx1">
+                    <a:lumMod val="65000"/>
+                    <a:lumOff val="35000"/>
+                  </a:schemeClr>
+                </a:solidFill>
+              </a:rPr>
+              <a:t>语句之后</a:t>
             </a:r>
           </a:p>
         </p:txBody>
@@ -23890,7 +26820,7 @@
         </p:nvSpPr>
         <p:spPr>
           <a:xfrm>
-            <a:off x="7468292" y="2387978"/>
+            <a:off x="7309796" y="2387978"/>
             <a:ext cx="2258867" cy="400110"/>
           </a:xfrm>
           <a:prstGeom prst="rect">
@@ -23948,7 +26878,7 @@
         </p:nvSpPr>
         <p:spPr>
           <a:xfrm>
-            <a:off x="7468292" y="2788088"/>
+            <a:off x="7309796" y="2788088"/>
             <a:ext cx="2258867" cy="400110"/>
           </a:xfrm>
           <a:prstGeom prst="rect">
@@ -24006,7 +26936,7 @@
         </p:nvSpPr>
         <p:spPr>
           <a:xfrm>
-            <a:off x="7468292" y="3188198"/>
+            <a:off x="7309796" y="3188198"/>
             <a:ext cx="2258867" cy="400110"/>
           </a:xfrm>
           <a:prstGeom prst="rect">
@@ -24064,7 +26994,7 @@
         </p:nvSpPr>
         <p:spPr>
           <a:xfrm>
-            <a:off x="7468292" y="3588308"/>
+            <a:off x="7309796" y="3588308"/>
             <a:ext cx="2258867" cy="400110"/>
           </a:xfrm>
           <a:prstGeom prst="rect">
@@ -24122,7 +27052,7 @@
         </p:nvSpPr>
         <p:spPr>
           <a:xfrm>
-            <a:off x="7468292" y="3988418"/>
+            <a:off x="7309796" y="3988418"/>
             <a:ext cx="2258867" cy="400110"/>
           </a:xfrm>
           <a:prstGeom prst="rect">
@@ -24180,7 +27110,7 @@
         </p:nvSpPr>
         <p:spPr>
           <a:xfrm>
-            <a:off x="7468292" y="4388528"/>
+            <a:off x="7309796" y="4388528"/>
             <a:ext cx="2258867" cy="400110"/>
           </a:xfrm>
           <a:prstGeom prst="rect">
@@ -24238,7 +27168,7 @@
         </p:nvSpPr>
         <p:spPr>
           <a:xfrm>
-            <a:off x="6232370" y="2745189"/>
+            <a:off x="6073874" y="2745189"/>
             <a:ext cx="913174" cy="424155"/>
           </a:xfrm>
           <a:prstGeom prst="rect">
@@ -24292,7 +27222,7 @@
         </p:nvSpPr>
         <p:spPr>
           <a:xfrm>
-            <a:off x="6232370" y="4745326"/>
+            <a:off x="6073874" y="4745326"/>
             <a:ext cx="913174" cy="424155"/>
           </a:xfrm>
           <a:prstGeom prst="rect">
@@ -24346,7 +27276,7 @@
         </p:nvSpPr>
         <p:spPr>
           <a:xfrm>
-            <a:off x="7468292" y="4788638"/>
+            <a:off x="7309796" y="4788638"/>
             <a:ext cx="2258867" cy="400110"/>
           </a:xfrm>
           <a:prstGeom prst="rect">
@@ -24408,7 +27338,7 @@
         </p:nvCxnSpPr>
         <p:spPr>
           <a:xfrm rot="10800000" flipV="1">
-            <a:off x="7468293" y="3423915"/>
+            <a:off x="7309797" y="3423915"/>
             <a:ext cx="12700" cy="1200330"/>
           </a:xfrm>
           <a:prstGeom prst="curvedConnector3">
@@ -24459,7 +27389,7 @@
         </p:nvCxnSpPr>
         <p:spPr>
           <a:xfrm rot="10800000">
-            <a:off x="7468292" y="2988143"/>
+            <a:off x="7309796" y="2988143"/>
             <a:ext cx="12700" cy="1200330"/>
           </a:xfrm>
           <a:prstGeom prst="curvedConnector3">
@@ -24506,7 +27436,7 @@
         </p:nvSpPr>
         <p:spPr>
           <a:xfrm>
-            <a:off x="9831917" y="2726533"/>
+            <a:off x="9673421" y="2726533"/>
             <a:ext cx="1244577" cy="461665"/>
           </a:xfrm>
           <a:prstGeom prst="rect">
@@ -24560,7 +27490,7 @@
         </p:nvSpPr>
         <p:spPr>
           <a:xfrm>
-            <a:off x="9831918" y="3526753"/>
+            <a:off x="9673422" y="3526753"/>
             <a:ext cx="1244577" cy="424155"/>
           </a:xfrm>
           <a:prstGeom prst="rect">
@@ -24682,7 +27612,7 @@
         </p:nvSpPr>
         <p:spPr>
           <a:xfrm>
-            <a:off x="7032420" y="5415410"/>
+            <a:off x="6873924" y="5415410"/>
             <a:ext cx="3130613" cy="461665"/>
           </a:xfrm>
           <a:prstGeom prst="rect">
@@ -24740,7 +27670,7 @@
           <p:nvPr/>
         </p:nvPicPr>
         <p:blipFill>
-          <a:blip r:embed="rId2"/>
+          <a:blip r:embed="rId3"/>
           <a:stretch>
             <a:fillRect/>
           </a:stretch>
@@ -24820,6 +27750,63 @@
             <a:r>
               <a:rPr lang="zh-CN" altLang="en-US" sz="2000" dirty="0"/>
               <a:t>编译器设计与实现</a:t>
+            </a:r>
+          </a:p>
+        </p:txBody>
+      </p:sp>
+      <p:sp>
+        <p:nvSpPr>
+          <p:cNvPr id="22" name="矩形 21">
+            <a:extLst>
+              <a:ext uri="{FF2B5EF4-FFF2-40B4-BE49-F238E27FC236}">
+                <a16:creationId xmlns:a16="http://schemas.microsoft.com/office/drawing/2014/main" id="{1FE9013C-2DB7-4058-8B4B-09B5A70870EA}"/>
+              </a:ext>
+            </a:extLst>
+          </p:cNvPr>
+          <p:cNvSpPr/>
+          <p:nvPr/>
+        </p:nvSpPr>
+        <p:spPr>
+          <a:xfrm>
+            <a:off x="9673421" y="4721232"/>
+            <a:ext cx="2017320" cy="461665"/>
+          </a:xfrm>
+          <a:prstGeom prst="rect">
+            <a:avLst/>
+          </a:prstGeom>
+        </p:spPr>
+        <p:txBody>
+          <a:bodyPr wrap="square">
+            <a:spAutoFit/>
+          </a:bodyPr>
+          <a:lstStyle/>
+          <a:p>
+            <a:pPr>
+              <a:lnSpc>
+                <a:spcPct val="150000"/>
+              </a:lnSpc>
+            </a:pPr>
+            <a:r>
+              <a:rPr lang="en-US" altLang="zh-CN" sz="1600" dirty="0">
+                <a:solidFill>
+                  <a:schemeClr val="tx1">
+                    <a:lumMod val="65000"/>
+                    <a:lumOff val="35000"/>
+                  </a:schemeClr>
+                </a:solidFill>
+              </a:rPr>
+              <a:t>---- while </a:t>
+            </a:r>
+            <a:r>
+              <a:rPr lang="zh-CN" altLang="en-US" sz="1600" dirty="0">
+                <a:solidFill>
+                  <a:schemeClr val="tx1">
+                    <a:lumMod val="65000"/>
+                    <a:lumOff val="35000"/>
+                  </a:schemeClr>
+                </a:solidFill>
+              </a:rPr>
+              <a:t>语句之后</a:t>
             </a:r>
           </a:p>
         </p:txBody>
@@ -25701,7 +28688,7 @@
           <p:nvPr/>
         </p:nvPicPr>
         <p:blipFill>
-          <a:blip r:embed="rId2"/>
+          <a:blip r:embed="rId3"/>
           <a:stretch>
             <a:fillRect/>
           </a:stretch>
@@ -25974,7 +28961,7 @@
           <p:nvPr/>
         </p:nvPicPr>
         <p:blipFill>
-          <a:blip r:embed="rId2"/>
+          <a:blip r:embed="rId3"/>
           <a:stretch>
             <a:fillRect/>
           </a:stretch>
@@ -26166,7 +29153,7 @@
           <p:nvPr/>
         </p:nvPicPr>
         <p:blipFill>
-          <a:blip r:embed="rId3"/>
+          <a:blip r:embed="rId4"/>
           <a:stretch>
             <a:fillRect/>
           </a:stretch>
@@ -26428,8 +29415,8 @@
         </p:nvSpPr>
         <p:spPr>
           <a:xfrm>
-            <a:off x="4342841" y="2328945"/>
-            <a:ext cx="6462009" cy="2677656"/>
+            <a:off x="4678973" y="2316753"/>
+            <a:ext cx="3508239" cy="3416320"/>
           </a:xfrm>
           <a:prstGeom prst="rect">
             <a:avLst/>
@@ -26448,17 +29435,17 @@
               <a:buAutoNum type="arabicPeriod"/>
             </a:pPr>
             <a:r>
-              <a:rPr lang="zh-CN" altLang="en-US" sz="2800" dirty="0">
-                <a:solidFill>
-                  <a:schemeClr val="tx1">
-                    <a:lumMod val="65000"/>
-                    <a:lumOff val="35000"/>
-                  </a:schemeClr>
-                </a:solidFill>
-              </a:rPr>
-              <a:t>正确性</a:t>
-            </a:r>
-            <a:endParaRPr lang="en-US" altLang="zh-CN" sz="2800" dirty="0">
+              <a:rPr lang="zh-CN" altLang="en-US" sz="3600" dirty="0">
+                <a:solidFill>
+                  <a:schemeClr val="tx1">
+                    <a:lumMod val="65000"/>
+                    <a:lumOff val="35000"/>
+                  </a:schemeClr>
+                </a:solidFill>
+              </a:rPr>
+              <a:t>正确性演示</a:t>
+            </a:r>
+            <a:endParaRPr lang="en-US" altLang="zh-CN" sz="3600" dirty="0">
               <a:solidFill>
                 <a:schemeClr val="tx1">
                   <a:lumMod val="65000"/>
@@ -26475,17 +29462,17 @@
               <a:buAutoNum type="arabicPeriod"/>
             </a:pPr>
             <a:r>
-              <a:rPr lang="zh-CN" altLang="en-US" sz="2800" dirty="0">
-                <a:solidFill>
-                  <a:schemeClr val="tx1">
-                    <a:lumMod val="65000"/>
-                    <a:lumOff val="35000"/>
-                  </a:schemeClr>
-                </a:solidFill>
-              </a:rPr>
-              <a:t>健壮性</a:t>
-            </a:r>
-            <a:endParaRPr lang="en-US" altLang="zh-CN" sz="2800" dirty="0">
+              <a:rPr lang="zh-CN" altLang="en-US" sz="3600" dirty="0">
+                <a:solidFill>
+                  <a:schemeClr val="tx1">
+                    <a:lumMod val="65000"/>
+                    <a:lumOff val="35000"/>
+                  </a:schemeClr>
+                </a:solidFill>
+              </a:rPr>
+              <a:t>健壮性演示</a:t>
+            </a:r>
+            <a:endParaRPr lang="en-US" altLang="zh-CN" sz="3600" dirty="0">
               <a:solidFill>
                 <a:schemeClr val="tx1">
                   <a:lumMod val="65000"/>
@@ -26502,17 +29489,17 @@
               <a:buAutoNum type="arabicPeriod"/>
             </a:pPr>
             <a:r>
-              <a:rPr lang="zh-CN" altLang="en-US" sz="2800" dirty="0">
-                <a:solidFill>
-                  <a:schemeClr val="tx1">
-                    <a:lumMod val="65000"/>
-                    <a:lumOff val="35000"/>
-                  </a:schemeClr>
-                </a:solidFill>
-              </a:rPr>
-              <a:t>编译过程展示</a:t>
-            </a:r>
-            <a:endParaRPr lang="en-US" altLang="zh-CN" sz="2800" dirty="0">
+              <a:rPr lang="zh-CN" altLang="en-US" sz="3600" dirty="0">
+                <a:solidFill>
+                  <a:schemeClr val="tx1">
+                    <a:lumMod val="65000"/>
+                    <a:lumOff val="35000"/>
+                  </a:schemeClr>
+                </a:solidFill>
+              </a:rPr>
+              <a:t>编译过程演示</a:t>
+            </a:r>
+            <a:endParaRPr lang="en-US" altLang="zh-CN" sz="3600" dirty="0">
               <a:solidFill>
                 <a:schemeClr val="tx1">
                   <a:lumMod val="65000"/>
@@ -26529,15 +29516,15 @@
               <a:buAutoNum type="arabicPeriod"/>
             </a:pPr>
             <a:r>
-              <a:rPr lang="zh-CN" altLang="en-US" sz="2800" dirty="0">
-                <a:solidFill>
-                  <a:schemeClr val="tx1">
-                    <a:lumMod val="65000"/>
-                    <a:lumOff val="35000"/>
-                  </a:schemeClr>
-                </a:solidFill>
-              </a:rPr>
-              <a:t>目标代码展示</a:t>
+              <a:rPr lang="zh-CN" altLang="en-US" sz="3600" dirty="0">
+                <a:solidFill>
+                  <a:schemeClr val="tx1">
+                    <a:lumMod val="65000"/>
+                    <a:lumOff val="35000"/>
+                  </a:schemeClr>
+                </a:solidFill>
+              </a:rPr>
+              <a:t>目标代码演示</a:t>
             </a:r>
           </a:p>
         </p:txBody>
@@ -26574,10 +29561,10 @@
       </p:grpSpPr>
       <p:grpSp>
         <p:nvGrpSpPr>
-          <p:cNvPr id="36" name="组合 35">
-            <a:extLst>
-              <a:ext uri="{FF2B5EF4-FFF2-40B4-BE49-F238E27FC236}">
-                <a16:creationId xmlns:a16="http://schemas.microsoft.com/office/drawing/2014/main" id="{C6DECB6C-0696-4779-926D-8D82BEA2F3C2}"/>
+          <p:cNvPr id="5" name="组合 4">
+            <a:extLst>
+              <a:ext uri="{FF2B5EF4-FFF2-40B4-BE49-F238E27FC236}">
+                <a16:creationId xmlns:a16="http://schemas.microsoft.com/office/drawing/2014/main" id="{2D76D752-EDBB-4063-B9DD-50400BF3C90B}"/>
               </a:ext>
             </a:extLst>
           </p:cNvPr>
@@ -26586,7 +29573,7 @@
         </p:nvGrpSpPr>
         <p:grpSpPr>
           <a:xfrm>
-            <a:off x="0" y="0"/>
+            <a:off x="0" y="2744392"/>
             <a:ext cx="12192000" cy="1369215"/>
             <a:chOff x="0" y="0"/>
             <a:chExt cx="12192000" cy="1369215"/>
@@ -26594,10 +29581,10 @@
         </p:grpSpPr>
         <p:sp>
           <p:nvSpPr>
-            <p:cNvPr id="37" name="矩形 36">
+            <p:cNvPr id="6" name="矩形 5">
               <a:extLst>
                 <a:ext uri="{FF2B5EF4-FFF2-40B4-BE49-F238E27FC236}">
-                  <a16:creationId xmlns:a16="http://schemas.microsoft.com/office/drawing/2014/main" id="{41B90216-7F59-4189-B772-A4BBFF339EFD}"/>
+                  <a16:creationId xmlns:a16="http://schemas.microsoft.com/office/drawing/2014/main" id="{9EF71430-F6D3-4F68-8673-9AD3C78D2F5A}"/>
                 </a:ext>
               </a:extLst>
             </p:cNvPr>
@@ -26646,10 +29633,10 @@
         </p:sp>
         <p:sp>
           <p:nvSpPr>
-            <p:cNvPr id="38" name="文本框 37">
+            <p:cNvPr id="7" name="文本框 6">
               <a:extLst>
                 <a:ext uri="{FF2B5EF4-FFF2-40B4-BE49-F238E27FC236}">
-                  <a16:creationId xmlns:a16="http://schemas.microsoft.com/office/drawing/2014/main" id="{54F9945E-B143-4181-9083-CA281D06681F}"/>
+                  <a16:creationId xmlns:a16="http://schemas.microsoft.com/office/drawing/2014/main" id="{44B3EA02-5F76-46B5-9B27-212EB39019C8}"/>
                 </a:ext>
               </a:extLst>
             </p:cNvPr>
@@ -26658,7 +29645,7 @@
           </p:nvSpPr>
           <p:spPr>
             <a:xfrm>
-              <a:off x="3544633" y="74183"/>
+              <a:off x="3207540" y="74183"/>
               <a:ext cx="5776920" cy="1220847"/>
             </a:xfrm>
             <a:prstGeom prst="rect">
@@ -29075,28 +32062,6 @@
           </a:bodyPr>
           <a:lstStyle/>
           <a:p>
-            <a:r>
-              <a:rPr lang="en-US" altLang="zh-CN" sz="2000" dirty="0">
-                <a:solidFill>
-                  <a:schemeClr val="tx1">
-                    <a:lumMod val="65000"/>
-                    <a:lumOff val="35000"/>
-                  </a:schemeClr>
-                </a:solidFill>
-              </a:rPr>
-              <a:t>void</a:t>
-            </a:r>
-            <a:r>
-              <a:rPr lang="zh-CN" altLang="en-US" sz="2000" dirty="0">
-                <a:solidFill>
-                  <a:schemeClr val="tx1">
-                    <a:lumMod val="65000"/>
-                    <a:lumOff val="35000"/>
-                  </a:schemeClr>
-                </a:solidFill>
-              </a:rPr>
-              <a:t>、</a:t>
-            </a:r>
             <a:r>
               <a:rPr lang="en-US" altLang="zh-CN" sz="2000" dirty="0">
                 <a:solidFill>
